--- a/Documents and Preparation/Performance optimization by identifying and correcting bad SQL code.pptx
+++ b/Documents and Preparation/Performance optimization by identifying and correcting bad SQL code.pptx
@@ -5,7 +5,7 @@
     <p:sldMasterId id="2147483674" r:id="rId1"/>
   </p:sldMasterIdLst>
   <p:notesMasterIdLst>
-    <p:notesMasterId r:id="rId28"/>
+    <p:notesMasterId r:id="rId29"/>
   </p:notesMasterIdLst>
   <p:sldIdLst>
     <p:sldId id="334" r:id="rId2"/>
@@ -34,6 +34,7 @@
     <p:sldId id="356" r:id="rId25"/>
     <p:sldId id="357" r:id="rId26"/>
     <p:sldId id="358" r:id="rId27"/>
+    <p:sldId id="359" r:id="rId28"/>
   </p:sldIdLst>
   <p:sldSz cx="12192000" cy="6858000"/>
   <p:notesSz cx="6858000" cy="9144000"/>
@@ -143,7 +144,7 @@
 <file path=ppt/revisionInfo.xml><?xml version="1.0" encoding="utf-8"?>
 <p1510:revInfo xmlns:a="http://schemas.openxmlformats.org/drawingml/2006/main" xmlns:r="http://schemas.openxmlformats.org/officeDocument/2006/relationships" xmlns:p1510="http://schemas.microsoft.com/office/powerpoint/2015/10/main">
   <p1510:revLst>
-    <p1510:client id="{5FE6A977-828B-4359-92F0-4AA3261FBD7C}" v="66" dt="2024-12-26T10:49:32.412"/>
+    <p1510:client id="{5FE6A977-828B-4359-92F0-4AA3261FBD7C}" v="72" dt="2024-12-27T14:03:05.791"/>
   </p1510:revLst>
 </p1510:revInfo>
 </file>
@@ -153,7 +154,7 @@
   <pc:docChgLst>
     <pc:chgData name="Uwe Ricken" userId="f02567aecbed924b" providerId="LiveId" clId="{5FE6A977-828B-4359-92F0-4AA3261FBD7C}"/>
     <pc:docChg chg="undo redo custSel addSld delSld modSld sldOrd delMainMaster modMainMaster">
-      <pc:chgData name="Uwe Ricken" userId="f02567aecbed924b" providerId="LiveId" clId="{5FE6A977-828B-4359-92F0-4AA3261FBD7C}" dt="2024-12-26T10:49:36.418" v="5251" actId="20577"/>
+      <pc:chgData name="Uwe Ricken" userId="f02567aecbed924b" providerId="LiveId" clId="{5FE6A977-828B-4359-92F0-4AA3261FBD7C}" dt="2024-12-27T14:06:30.395" v="5992" actId="113"/>
       <pc:docMkLst>
         <pc:docMk/>
       </pc:docMkLst>
@@ -1018,6 +1019,148 @@
           </ac:spMkLst>
         </pc:spChg>
       </pc:sldChg>
+      <pc:sldChg chg="addSp delSp modSp mod">
+        <pc:chgData name="Uwe Ricken" userId="f02567aecbed924b" providerId="LiveId" clId="{5FE6A977-828B-4359-92F0-4AA3261FBD7C}" dt="2024-12-27T13:48:20.031" v="5964" actId="20577"/>
+        <pc:sldMkLst>
+          <pc:docMk/>
+          <pc:sldMk cId="653442403" sldId="358"/>
+        </pc:sldMkLst>
+        <pc:spChg chg="mod">
+          <ac:chgData name="Uwe Ricken" userId="f02567aecbed924b" providerId="LiveId" clId="{5FE6A977-828B-4359-92F0-4AA3261FBD7C}" dt="2024-12-27T10:48:59.788" v="5963" actId="20577"/>
+          <ac:spMkLst>
+            <pc:docMk/>
+            <pc:sldMk cId="653442403" sldId="358"/>
+            <ac:spMk id="3" creationId="{C59D65FC-8224-6726-8165-B71E64887B1C}"/>
+          </ac:spMkLst>
+        </pc:spChg>
+        <pc:spChg chg="add del mod">
+          <ac:chgData name="Uwe Ricken" userId="f02567aecbed924b" providerId="LiveId" clId="{5FE6A977-828B-4359-92F0-4AA3261FBD7C}" dt="2024-12-27T10:33:38.043" v="5253" actId="3680"/>
+          <ac:spMkLst>
+            <pc:docMk/>
+            <pc:sldMk cId="653442403" sldId="358"/>
+            <ac:spMk id="5" creationId="{0C1F530B-7FFC-E51B-2292-11720016BB66}"/>
+          </ac:spMkLst>
+        </pc:spChg>
+        <pc:spChg chg="add mod">
+          <ac:chgData name="Uwe Ricken" userId="f02567aecbed924b" providerId="LiveId" clId="{5FE6A977-828B-4359-92F0-4AA3261FBD7C}" dt="2024-12-27T10:45:52.201" v="5536" actId="2085"/>
+          <ac:spMkLst>
+            <pc:docMk/>
+            <pc:sldMk cId="653442403" sldId="358"/>
+            <ac:spMk id="11" creationId="{29A57739-CE77-5D05-BA3A-B334850CDA03}"/>
+          </ac:spMkLst>
+        </pc:spChg>
+        <pc:spChg chg="add mod">
+          <ac:chgData name="Uwe Ricken" userId="f02567aecbed924b" providerId="LiveId" clId="{5FE6A977-828B-4359-92F0-4AA3261FBD7C}" dt="2024-12-27T10:45:52.201" v="5536" actId="2085"/>
+          <ac:spMkLst>
+            <pc:docMk/>
+            <pc:sldMk cId="653442403" sldId="358"/>
+            <ac:spMk id="12" creationId="{37BC7A41-EB7E-E52A-1A57-FF62E599BDDF}"/>
+          </ac:spMkLst>
+        </pc:spChg>
+        <pc:spChg chg="add mod">
+          <ac:chgData name="Uwe Ricken" userId="f02567aecbed924b" providerId="LiveId" clId="{5FE6A977-828B-4359-92F0-4AA3261FBD7C}" dt="2024-12-27T10:45:52.201" v="5536" actId="2085"/>
+          <ac:spMkLst>
+            <pc:docMk/>
+            <pc:sldMk cId="653442403" sldId="358"/>
+            <ac:spMk id="13" creationId="{C1D9D0D8-9172-BE6C-ED90-944E3A5D56C7}"/>
+          </ac:spMkLst>
+        </pc:spChg>
+        <pc:spChg chg="add mod">
+          <ac:chgData name="Uwe Ricken" userId="f02567aecbed924b" providerId="LiveId" clId="{5FE6A977-828B-4359-92F0-4AA3261FBD7C}" dt="2024-12-27T10:46:35.382" v="5543" actId="122"/>
+          <ac:spMkLst>
+            <pc:docMk/>
+            <pc:sldMk cId="653442403" sldId="358"/>
+            <ac:spMk id="43" creationId="{4B58AF32-9980-86AF-B968-24283776015A}"/>
+          </ac:spMkLst>
+        </pc:spChg>
+        <pc:graphicFrameChg chg="add mod ord modGraphic">
+          <ac:chgData name="Uwe Ricken" userId="f02567aecbed924b" providerId="LiveId" clId="{5FE6A977-828B-4359-92F0-4AA3261FBD7C}" dt="2024-12-27T13:48:20.031" v="5964" actId="20577"/>
+          <ac:graphicFrameMkLst>
+            <pc:docMk/>
+            <pc:sldMk cId="653442403" sldId="358"/>
+            <ac:graphicFrameMk id="7" creationId="{4C90D974-D7B7-E20A-B9A2-9C20A68A46D7}"/>
+          </ac:graphicFrameMkLst>
+        </pc:graphicFrameChg>
+        <pc:graphicFrameChg chg="add mod modGraphic">
+          <ac:chgData name="Uwe Ricken" userId="f02567aecbed924b" providerId="LiveId" clId="{5FE6A977-828B-4359-92F0-4AA3261FBD7C}" dt="2024-12-27T10:41:27.889" v="5493" actId="1076"/>
+          <ac:graphicFrameMkLst>
+            <pc:docMk/>
+            <pc:sldMk cId="653442403" sldId="358"/>
+            <ac:graphicFrameMk id="8" creationId="{87585A6A-6224-29F8-DE26-44CD5D41013F}"/>
+          </ac:graphicFrameMkLst>
+        </pc:graphicFrameChg>
+        <pc:picChg chg="del">
+          <ac:chgData name="Uwe Ricken" userId="f02567aecbed924b" providerId="LiveId" clId="{5FE6A977-828B-4359-92F0-4AA3261FBD7C}" dt="2024-12-27T10:33:27.877" v="5252" actId="478"/>
+          <ac:picMkLst>
+            <pc:docMk/>
+            <pc:sldMk cId="653442403" sldId="358"/>
+            <ac:picMk id="6" creationId="{DCE2AA82-F1B0-E648-F8E3-9DFCACE20CA0}"/>
+          </ac:picMkLst>
+        </pc:picChg>
+        <pc:cxnChg chg="add del">
+          <ac:chgData name="Uwe Ricken" userId="f02567aecbed924b" providerId="LiveId" clId="{5FE6A977-828B-4359-92F0-4AA3261FBD7C}" dt="2024-12-27T10:42:33.087" v="5502" actId="478"/>
+          <ac:cxnSpMkLst>
+            <pc:docMk/>
+            <pc:sldMk cId="653442403" sldId="358"/>
+            <ac:cxnSpMk id="10" creationId="{97644D4F-2ACD-2FE7-7EA0-597EF89A28C4}"/>
+          </ac:cxnSpMkLst>
+        </pc:cxnChg>
+        <pc:cxnChg chg="add del mod">
+          <ac:chgData name="Uwe Ricken" userId="f02567aecbed924b" providerId="LiveId" clId="{5FE6A977-828B-4359-92F0-4AA3261FBD7C}" dt="2024-12-27T10:44:25.772" v="5523" actId="478"/>
+          <ac:cxnSpMkLst>
+            <pc:docMk/>
+            <pc:sldMk cId="653442403" sldId="358"/>
+            <ac:cxnSpMk id="15" creationId="{BFAAF720-C35D-4B23-BAD7-EF2DB20B7A21}"/>
+          </ac:cxnSpMkLst>
+        </pc:cxnChg>
+        <pc:cxnChg chg="add del mod">
+          <ac:chgData name="Uwe Ricken" userId="f02567aecbed924b" providerId="LiveId" clId="{5FE6A977-828B-4359-92F0-4AA3261FBD7C}" dt="2024-12-27T10:44:23.709" v="5522" actId="478"/>
+          <ac:cxnSpMkLst>
+            <pc:docMk/>
+            <pc:sldMk cId="653442403" sldId="358"/>
+            <ac:cxnSpMk id="17" creationId="{8B6F19BB-8145-759C-FC20-01884B7312B4}"/>
+          </ac:cxnSpMkLst>
+        </pc:cxnChg>
+        <pc:cxnChg chg="add">
+          <ac:chgData name="Uwe Ricken" userId="f02567aecbed924b" providerId="LiveId" clId="{5FE6A977-828B-4359-92F0-4AA3261FBD7C}" dt="2024-12-27T10:44:35.235" v="5524" actId="11529"/>
+          <ac:cxnSpMkLst>
+            <pc:docMk/>
+            <pc:sldMk cId="653442403" sldId="358"/>
+            <ac:cxnSpMk id="31" creationId="{8AD52D07-9329-DAA6-BBD9-ED93BB865B52}"/>
+          </ac:cxnSpMkLst>
+        </pc:cxnChg>
+        <pc:cxnChg chg="add mod">
+          <ac:chgData name="Uwe Ricken" userId="f02567aecbed924b" providerId="LiveId" clId="{5FE6A977-828B-4359-92F0-4AA3261FBD7C}" dt="2024-12-27T10:45:19.169" v="5534" actId="14100"/>
+          <ac:cxnSpMkLst>
+            <pc:docMk/>
+            <pc:sldMk cId="653442403" sldId="358"/>
+            <ac:cxnSpMk id="33" creationId="{49054147-1D09-8A23-C94A-DD73517C7910}"/>
+          </ac:cxnSpMkLst>
+        </pc:cxnChg>
+      </pc:sldChg>
+      <pc:sldChg chg="modSp add mod">
+        <pc:chgData name="Uwe Ricken" userId="f02567aecbed924b" providerId="LiveId" clId="{5FE6A977-828B-4359-92F0-4AA3261FBD7C}" dt="2024-12-27T14:06:30.395" v="5992" actId="113"/>
+        <pc:sldMkLst>
+          <pc:docMk/>
+          <pc:sldMk cId="241859938" sldId="359"/>
+        </pc:sldMkLst>
+        <pc:spChg chg="mod">
+          <ac:chgData name="Uwe Ricken" userId="f02567aecbed924b" providerId="LiveId" clId="{5FE6A977-828B-4359-92F0-4AA3261FBD7C}" dt="2024-12-27T14:03:11.639" v="5966" actId="20577"/>
+          <ac:spMkLst>
+            <pc:docMk/>
+            <pc:sldMk cId="241859938" sldId="359"/>
+            <ac:spMk id="2" creationId="{1ACF8F10-B84C-6951-4C45-C936927915D6}"/>
+          </ac:spMkLst>
+        </pc:spChg>
+        <pc:spChg chg="mod">
+          <ac:chgData name="Uwe Ricken" userId="f02567aecbed924b" providerId="LiveId" clId="{5FE6A977-828B-4359-92F0-4AA3261FBD7C}" dt="2024-12-27T14:06:30.395" v="5992" actId="113"/>
+          <ac:spMkLst>
+            <pc:docMk/>
+            <pc:sldMk cId="241859938" sldId="359"/>
+            <ac:spMk id="4" creationId="{1E62805F-7A38-2E10-940D-774E2D786B38}"/>
+          </ac:spMkLst>
+        </pc:spChg>
+      </pc:sldChg>
       <pc:sldMasterChg chg="modSp del mod modSldLayout">
         <pc:chgData name="Uwe Ricken" userId="f02567aecbed924b" providerId="LiveId" clId="{5FE6A977-828B-4359-92F0-4AA3261FBD7C}" dt="2024-12-23T14:13:54.792" v="2758" actId="2696"/>
         <pc:sldMasterMkLst>
@@ -1174,7 +1317,7 @@
           <a:p>
             <a:fld id="{54B63C78-F46A-42B2-BCDE-B4D920D39058}" type="datetimeFigureOut">
               <a:rPr lang="de-DE" smtClean="0"/>
-              <a:t>26.12.2024</a:t>
+              <a:t>27.12.2024</a:t>
             </a:fld>
             <a:endParaRPr lang="de-DE"/>
           </a:p>
@@ -7957,11 +8100,17 @@
                 <a:effectLst/>
                 <a:latin typeface="-apple-system"/>
               </a:rPr>
-              <a:t>A software uses a table to queue jobs. Whenever a new job is to be queued, its details are written into this table. The table grows very quickly, as up to 100,000 jobs can be scheduled in one hour.</a:t>
-            </a:r>
-          </a:p>
-          <a:p>
-            <a:pPr lvl="1"/>
+              <a:t>A complex query </a:t>
+            </a:r>
+            <a:r>
+              <a:rPr lang="en-US" sz="1600" dirty="0">
+                <a:solidFill>
+                  <a:srgbClr val="1F2328"/>
+                </a:solidFill>
+                <a:latin typeface="-apple-system"/>
+              </a:rPr>
+              <a:t>will be executed 24/7 when users are accessing the web shop</a:t>
+            </a:r>
             <a:r>
               <a:rPr lang="en-US" sz="1600" b="0" i="0" dirty="0">
                 <a:solidFill>
@@ -7970,33 +8119,7 @@
                 <a:effectLst/>
                 <a:latin typeface="-apple-system"/>
               </a:rPr>
-              <a:t>A stored procedure manage the deletion of executed jobs.</a:t>
-            </a:r>
-          </a:p>
-          <a:p>
-            <a:pPr lvl="1"/>
-            <a:r>
-              <a:rPr lang="en-US" sz="1600" b="0" i="0" dirty="0">
-                <a:solidFill>
-                  <a:srgbClr val="1F2328"/>
-                </a:solidFill>
-                <a:effectLst/>
-                <a:latin typeface="-apple-system"/>
-              </a:rPr>
-              <a:t>The first parameter specifies how many job entries should be deleted.</a:t>
-            </a:r>
-          </a:p>
-          <a:p>
-            <a:pPr lvl="1"/>
-            <a:r>
-              <a:rPr lang="en-US" sz="1600" b="0" i="0" dirty="0">
-                <a:solidFill>
-                  <a:srgbClr val="1F2328"/>
-                </a:solidFill>
-                <a:effectLst/>
-                <a:latin typeface="-apple-system"/>
-              </a:rPr>
-              <a:t>The second parameter specifies the batch size.</a:t>
+              <a:t>. This query evaluates a small part of the permission list for the logged in user.</a:t>
             </a:r>
             <a:endParaRPr lang="en-US" sz="1600" b="1" dirty="0"/>
           </a:p>
@@ -8010,33 +8133,1191 @@
             <a:pPr lvl="1"/>
             <a:r>
               <a:rPr lang="en-US" sz="1600" dirty="0"/>
-              <a:t>Sometimes the table is growing very fast and the maintenance job cannot scale.</a:t>
+              <a:t>The query is consuming a lot of resources and especially at the first of a new month lots of new employees are requesting the web shop.</a:t>
             </a:r>
           </a:p>
           <a:p>
             <a:pPr lvl="1"/>
             <a:r>
               <a:rPr lang="en-US" sz="1600" dirty="0"/>
-              <a:t>The table is growing the system suffers from performance problems.</a:t>
-            </a:r>
+              <a:t>This leads very often to timeouts and bad responding web shop experiences.</a:t>
+            </a:r>
+          </a:p>
+        </p:txBody>
+      </p:sp>
+      <p:graphicFrame>
+        <p:nvGraphicFramePr>
+          <p:cNvPr id="7" name="Inhaltsplatzhalter 6">
+            <a:extLst>
+              <a:ext uri="{FF2B5EF4-FFF2-40B4-BE49-F238E27FC236}">
+                <a16:creationId xmlns:a16="http://schemas.microsoft.com/office/drawing/2014/main" id="{4C90D974-D7B7-E20A-B9A2-9C20A68A46D7}"/>
+              </a:ext>
+            </a:extLst>
+          </p:cNvPr>
+          <p:cNvGraphicFramePr>
+            <a:graphicFrameLocks noGrp="1"/>
+          </p:cNvGraphicFramePr>
+          <p:nvPr>
+            <p:ph sz="half" idx="2"/>
+            <p:extLst>
+              <p:ext uri="{D42A27DB-BD31-4B8C-83A1-F6EECF244321}">
+                <p14:modId xmlns:p14="http://schemas.microsoft.com/office/powerpoint/2010/main" val="3438501346"/>
+              </p:ext>
+            </p:extLst>
+          </p:nvPr>
+        </p:nvGraphicFramePr>
+        <p:xfrm>
+          <a:off x="7428944" y="1665288"/>
+          <a:ext cx="4425014" cy="1295400"/>
+        </p:xfrm>
+        <a:graphic>
+          <a:graphicData uri="http://schemas.openxmlformats.org/drawingml/2006/table">
+            <a:tbl>
+              <a:tblPr firstRow="1" firstCol="1" bandRow="1">
+                <a:tableStyleId>{5C22544A-7EE6-4342-B048-85BDC9FD1C3A}</a:tableStyleId>
+              </a:tblPr>
+              <a:tblGrid>
+                <a:gridCol w="1526923">
+                  <a:extLst>
+                    <a:ext uri="{9D8B030D-6E8A-4147-A177-3AD203B41FA5}">
+                      <a16:colId xmlns:a16="http://schemas.microsoft.com/office/drawing/2014/main" val="2608591251"/>
+                    </a:ext>
+                  </a:extLst>
+                </a:gridCol>
+                <a:gridCol w="1108797">
+                  <a:extLst>
+                    <a:ext uri="{9D8B030D-6E8A-4147-A177-3AD203B41FA5}">
+                      <a16:colId xmlns:a16="http://schemas.microsoft.com/office/drawing/2014/main" val="2114112737"/>
+                    </a:ext>
+                  </a:extLst>
+                </a:gridCol>
+                <a:gridCol w="989556">
+                  <a:extLst>
+                    <a:ext uri="{9D8B030D-6E8A-4147-A177-3AD203B41FA5}">
+                      <a16:colId xmlns:a16="http://schemas.microsoft.com/office/drawing/2014/main" val="3183205547"/>
+                    </a:ext>
+                  </a:extLst>
+                </a:gridCol>
+                <a:gridCol w="799738">
+                  <a:extLst>
+                    <a:ext uri="{9D8B030D-6E8A-4147-A177-3AD203B41FA5}">
+                      <a16:colId xmlns:a16="http://schemas.microsoft.com/office/drawing/2014/main" val="2228659088"/>
+                    </a:ext>
+                  </a:extLst>
+                </a:gridCol>
+              </a:tblGrid>
+              <a:tr h="223203">
+                <a:tc gridSpan="4">
+                  <a:txBody>
+                    <a:bodyPr/>
+                    <a:lstStyle/>
+                    <a:p>
+                      <a:r>
+                        <a:rPr lang="en-US" sz="1100" dirty="0" err="1"/>
+                        <a:t>dbo.persons</a:t>
+                      </a:r>
+                      <a:endParaRPr lang="en-US" sz="1100" dirty="0"/>
+                    </a:p>
+                  </a:txBody>
+                  <a:tcPr/>
+                </a:tc>
+                <a:tc hMerge="1">
+                  <a:txBody>
+                    <a:bodyPr/>
+                    <a:lstStyle/>
+                    <a:p>
+                      <a:endParaRPr lang="en-US" dirty="0"/>
+                    </a:p>
+                  </a:txBody>
+                  <a:tcPr/>
+                </a:tc>
+                <a:tc hMerge="1">
+                  <a:txBody>
+                    <a:bodyPr/>
+                    <a:lstStyle/>
+                    <a:p>
+                      <a:endParaRPr lang="en-US" dirty="0"/>
+                    </a:p>
+                  </a:txBody>
+                  <a:tcPr/>
+                </a:tc>
+                <a:tc hMerge="1">
+                  <a:txBody>
+                    <a:bodyPr/>
+                    <a:lstStyle/>
+                    <a:p>
+                      <a:endParaRPr lang="en-US" dirty="0"/>
+                    </a:p>
+                  </a:txBody>
+                  <a:tcPr/>
+                </a:tc>
+                <a:extLst>
+                  <a:ext uri="{0D108BD9-81ED-4DB2-BD59-A6C34878D82A}">
+                    <a16:rowId xmlns:a16="http://schemas.microsoft.com/office/drawing/2014/main" val="3639617535"/>
+                  </a:ext>
+                </a:extLst>
+              </a:tr>
+              <a:tr h="223203">
+                <a:tc>
+                  <a:txBody>
+                    <a:bodyPr/>
+                    <a:lstStyle/>
+                    <a:p>
+                      <a:r>
+                        <a:rPr lang="en-US" sz="1100" b="0" dirty="0" err="1"/>
+                        <a:t>uid_person</a:t>
+                      </a:r>
+                      <a:endParaRPr lang="en-US" sz="1100" b="0" dirty="0"/>
+                    </a:p>
+                  </a:txBody>
+                  <a:tcPr/>
+                </a:tc>
+                <a:tc>
+                  <a:txBody>
+                    <a:bodyPr/>
+                    <a:lstStyle/>
+                    <a:p>
+                      <a:r>
+                        <a:rPr lang="en-US" sz="1100" dirty="0"/>
+                        <a:t>varchar(38)</a:t>
+                      </a:r>
+                    </a:p>
+                  </a:txBody>
+                  <a:tcPr/>
+                </a:tc>
+                <a:tc>
+                  <a:txBody>
+                    <a:bodyPr/>
+                    <a:lstStyle/>
+                    <a:p>
+                      <a:r>
+                        <a:rPr lang="en-US" sz="1100" dirty="0"/>
+                        <a:t>NOT NULL</a:t>
+                      </a:r>
+                    </a:p>
+                  </a:txBody>
+                  <a:tcPr/>
+                </a:tc>
+                <a:tc>
+                  <a:txBody>
+                    <a:bodyPr/>
+                    <a:lstStyle/>
+                    <a:p>
+                      <a:pPr algn="ctr"/>
+                      <a:r>
+                        <a:rPr lang="en-US" sz="1100" dirty="0"/>
+                        <a:t>PK</a:t>
+                      </a:r>
+                    </a:p>
+                  </a:txBody>
+                  <a:tcPr/>
+                </a:tc>
+                <a:extLst>
+                  <a:ext uri="{0D108BD9-81ED-4DB2-BD59-A6C34878D82A}">
+                    <a16:rowId xmlns:a16="http://schemas.microsoft.com/office/drawing/2014/main" val="3172743677"/>
+                  </a:ext>
+                </a:extLst>
+              </a:tr>
+              <a:tr h="223203">
+                <a:tc>
+                  <a:txBody>
+                    <a:bodyPr/>
+                    <a:lstStyle/>
+                    <a:p>
+                      <a:r>
+                        <a:rPr lang="en-US" sz="1100" b="0" dirty="0"/>
+                        <a:t>…</a:t>
+                      </a:r>
+                    </a:p>
+                  </a:txBody>
+                  <a:tcPr/>
+                </a:tc>
+                <a:tc>
+                  <a:txBody>
+                    <a:bodyPr/>
+                    <a:lstStyle/>
+                    <a:p>
+                      <a:endParaRPr lang="en-US" sz="1100" dirty="0"/>
+                    </a:p>
+                  </a:txBody>
+                  <a:tcPr/>
+                </a:tc>
+                <a:tc>
+                  <a:txBody>
+                    <a:bodyPr/>
+                    <a:lstStyle/>
+                    <a:p>
+                      <a:endParaRPr lang="en-US" sz="1100" dirty="0"/>
+                    </a:p>
+                  </a:txBody>
+                  <a:tcPr/>
+                </a:tc>
+                <a:tc>
+                  <a:txBody>
+                    <a:bodyPr/>
+                    <a:lstStyle/>
+                    <a:p>
+                      <a:pPr algn="ctr"/>
+                      <a:endParaRPr lang="en-US" sz="1100" dirty="0"/>
+                    </a:p>
+                  </a:txBody>
+                  <a:tcPr/>
+                </a:tc>
+                <a:extLst>
+                  <a:ext uri="{0D108BD9-81ED-4DB2-BD59-A6C34878D82A}">
+                    <a16:rowId xmlns:a16="http://schemas.microsoft.com/office/drawing/2014/main" val="186852949"/>
+                  </a:ext>
+                </a:extLst>
+              </a:tr>
+              <a:tr h="223203">
+                <a:tc>
+                  <a:txBody>
+                    <a:bodyPr/>
+                    <a:lstStyle/>
+                    <a:p>
+                      <a:r>
+                        <a:rPr lang="en-US" sz="1100" b="0" kern="1200" dirty="0" err="1">
+                          <a:solidFill>
+                            <a:schemeClr val="lt1"/>
+                          </a:solidFill>
+                          <a:latin typeface="+mn-lt"/>
+                          <a:ea typeface="+mn-ea"/>
+                          <a:cs typeface="+mn-cs"/>
+                        </a:rPr>
+                        <a:t>centralsapaccount</a:t>
+                      </a:r>
+                      <a:endParaRPr lang="en-US" sz="1100" b="0" dirty="0"/>
+                    </a:p>
+                  </a:txBody>
+                  <a:tcPr/>
+                </a:tc>
+                <a:tc>
+                  <a:txBody>
+                    <a:bodyPr/>
+                    <a:lstStyle/>
+                    <a:p>
+                      <a:r>
+                        <a:rPr lang="en-US" sz="1100" dirty="0"/>
+                        <a:t>nvarchar(12)</a:t>
+                      </a:r>
+                    </a:p>
+                  </a:txBody>
+                  <a:tcPr/>
+                </a:tc>
+                <a:tc>
+                  <a:txBody>
+                    <a:bodyPr/>
+                    <a:lstStyle/>
+                    <a:p>
+                      <a:r>
+                        <a:rPr lang="en-US" sz="1100" dirty="0"/>
+                        <a:t>NULL</a:t>
+                      </a:r>
+                    </a:p>
+                  </a:txBody>
+                  <a:tcPr/>
+                </a:tc>
+                <a:tc>
+                  <a:txBody>
+                    <a:bodyPr/>
+                    <a:lstStyle/>
+                    <a:p>
+                      <a:pPr algn="ctr"/>
+                      <a:r>
+                        <a:rPr lang="en-US" sz="1100" dirty="0"/>
+                        <a:t>NCI</a:t>
+                      </a:r>
+                    </a:p>
+                  </a:txBody>
+                  <a:tcPr/>
+                </a:tc>
+                <a:extLst>
+                  <a:ext uri="{0D108BD9-81ED-4DB2-BD59-A6C34878D82A}">
+                    <a16:rowId xmlns:a16="http://schemas.microsoft.com/office/drawing/2014/main" val="2320892998"/>
+                  </a:ext>
+                </a:extLst>
+              </a:tr>
+              <a:tr h="223203">
+                <a:tc>
+                  <a:txBody>
+                    <a:bodyPr/>
+                    <a:lstStyle/>
+                    <a:p>
+                      <a:r>
+                        <a:rPr lang="en-US" sz="1100" b="0" dirty="0" err="1"/>
+                        <a:t>ccc_aliasname</a:t>
+                      </a:r>
+                      <a:endParaRPr lang="en-US" sz="1100" b="0" dirty="0"/>
+                    </a:p>
+                  </a:txBody>
+                  <a:tcPr/>
+                </a:tc>
+                <a:tc>
+                  <a:txBody>
+                    <a:bodyPr/>
+                    <a:lstStyle/>
+                    <a:p>
+                      <a:r>
+                        <a:rPr lang="en-US" sz="1100" dirty="0"/>
+                        <a:t>nvarchar(255)</a:t>
+                      </a:r>
+                    </a:p>
+                  </a:txBody>
+                  <a:tcPr/>
+                </a:tc>
+                <a:tc>
+                  <a:txBody>
+                    <a:bodyPr/>
+                    <a:lstStyle/>
+                    <a:p>
+                      <a:r>
+                        <a:rPr lang="en-US" sz="1100" dirty="0"/>
+                        <a:t>NULL</a:t>
+                      </a:r>
+                    </a:p>
+                  </a:txBody>
+                  <a:tcPr/>
+                </a:tc>
+                <a:tc>
+                  <a:txBody>
+                    <a:bodyPr/>
+                    <a:lstStyle/>
+                    <a:p>
+                      <a:pPr algn="ctr"/>
+                      <a:endParaRPr lang="en-US" sz="1100" dirty="0"/>
+                    </a:p>
+                  </a:txBody>
+                  <a:tcPr/>
+                </a:tc>
+                <a:extLst>
+                  <a:ext uri="{0D108BD9-81ED-4DB2-BD59-A6C34878D82A}">
+                    <a16:rowId xmlns:a16="http://schemas.microsoft.com/office/drawing/2014/main" val="455841324"/>
+                  </a:ext>
+                </a:extLst>
+              </a:tr>
+            </a:tbl>
+          </a:graphicData>
+        </a:graphic>
+      </p:graphicFrame>
+      <p:graphicFrame>
+        <p:nvGraphicFramePr>
+          <p:cNvPr id="8" name="Inhaltsplatzhalter 6">
+            <a:extLst>
+              <a:ext uri="{FF2B5EF4-FFF2-40B4-BE49-F238E27FC236}">
+                <a16:creationId xmlns:a16="http://schemas.microsoft.com/office/drawing/2014/main" id="{87585A6A-6224-29F8-DE26-44CD5D41013F}"/>
+              </a:ext>
+            </a:extLst>
+          </p:cNvPr>
+          <p:cNvGraphicFramePr>
+            <a:graphicFrameLocks/>
+          </p:cNvGraphicFramePr>
+          <p:nvPr>
+            <p:extLst>
+              <p:ext uri="{D42A27DB-BD31-4B8C-83A1-F6EECF244321}">
+                <p14:modId xmlns:p14="http://schemas.microsoft.com/office/powerpoint/2010/main" val="1934694316"/>
+              </p:ext>
+            </p:extLst>
+          </p:nvPr>
+        </p:nvGraphicFramePr>
+        <p:xfrm>
+          <a:off x="7428944" y="3951288"/>
+          <a:ext cx="4425013" cy="1295400"/>
+        </p:xfrm>
+        <a:graphic>
+          <a:graphicData uri="http://schemas.openxmlformats.org/drawingml/2006/table">
+            <a:tbl>
+              <a:tblPr firstRow="1" firstCol="1" bandRow="1">
+                <a:tableStyleId>{5C22544A-7EE6-4342-B048-85BDC9FD1C3A}</a:tableStyleId>
+              </a:tblPr>
+              <a:tblGrid>
+                <a:gridCol w="1526923">
+                  <a:extLst>
+                    <a:ext uri="{9D8B030D-6E8A-4147-A177-3AD203B41FA5}">
+                      <a16:colId xmlns:a16="http://schemas.microsoft.com/office/drawing/2014/main" val="2608591251"/>
+                    </a:ext>
+                  </a:extLst>
+                </a:gridCol>
+                <a:gridCol w="1119396">
+                  <a:extLst>
+                    <a:ext uri="{9D8B030D-6E8A-4147-A177-3AD203B41FA5}">
+                      <a16:colId xmlns:a16="http://schemas.microsoft.com/office/drawing/2014/main" val="2114112737"/>
+                    </a:ext>
+                  </a:extLst>
+                </a:gridCol>
+                <a:gridCol w="995819">
+                  <a:extLst>
+                    <a:ext uri="{9D8B030D-6E8A-4147-A177-3AD203B41FA5}">
+                      <a16:colId xmlns:a16="http://schemas.microsoft.com/office/drawing/2014/main" val="3183205547"/>
+                    </a:ext>
+                  </a:extLst>
+                </a:gridCol>
+                <a:gridCol w="782875">
+                  <a:extLst>
+                    <a:ext uri="{9D8B030D-6E8A-4147-A177-3AD203B41FA5}">
+                      <a16:colId xmlns:a16="http://schemas.microsoft.com/office/drawing/2014/main" val="2228659088"/>
+                    </a:ext>
+                  </a:extLst>
+                </a:gridCol>
+              </a:tblGrid>
+              <a:tr h="223203">
+                <a:tc gridSpan="4">
+                  <a:txBody>
+                    <a:bodyPr/>
+                    <a:lstStyle/>
+                    <a:p>
+                      <a:r>
+                        <a:rPr lang="en-US" sz="1100" dirty="0" err="1"/>
+                        <a:t>dbo.sapusers</a:t>
+                      </a:r>
+                      <a:endParaRPr lang="en-US" sz="1100" dirty="0"/>
+                    </a:p>
+                  </a:txBody>
+                  <a:tcPr/>
+                </a:tc>
+                <a:tc hMerge="1">
+                  <a:txBody>
+                    <a:bodyPr/>
+                    <a:lstStyle/>
+                    <a:p>
+                      <a:endParaRPr lang="en-US" dirty="0"/>
+                    </a:p>
+                  </a:txBody>
+                  <a:tcPr/>
+                </a:tc>
+                <a:tc hMerge="1">
+                  <a:txBody>
+                    <a:bodyPr/>
+                    <a:lstStyle/>
+                    <a:p>
+                      <a:endParaRPr lang="en-US" dirty="0"/>
+                    </a:p>
+                  </a:txBody>
+                  <a:tcPr/>
+                </a:tc>
+                <a:tc hMerge="1">
+                  <a:txBody>
+                    <a:bodyPr/>
+                    <a:lstStyle/>
+                    <a:p>
+                      <a:endParaRPr lang="en-US" dirty="0"/>
+                    </a:p>
+                  </a:txBody>
+                  <a:tcPr/>
+                </a:tc>
+                <a:extLst>
+                  <a:ext uri="{0D108BD9-81ED-4DB2-BD59-A6C34878D82A}">
+                    <a16:rowId xmlns:a16="http://schemas.microsoft.com/office/drawing/2014/main" val="3639617535"/>
+                  </a:ext>
+                </a:extLst>
+              </a:tr>
+              <a:tr h="223203">
+                <a:tc>
+                  <a:txBody>
+                    <a:bodyPr/>
+                    <a:lstStyle/>
+                    <a:p>
+                      <a:r>
+                        <a:rPr lang="en-US" sz="1100" b="0" dirty="0" err="1"/>
+                        <a:t>uid_sapuser</a:t>
+                      </a:r>
+                      <a:endParaRPr lang="en-US" sz="1100" b="0" dirty="0"/>
+                    </a:p>
+                  </a:txBody>
+                  <a:tcPr/>
+                </a:tc>
+                <a:tc>
+                  <a:txBody>
+                    <a:bodyPr/>
+                    <a:lstStyle/>
+                    <a:p>
+                      <a:r>
+                        <a:rPr lang="en-US" sz="1100" dirty="0"/>
+                        <a:t>varchar(38)</a:t>
+                      </a:r>
+                    </a:p>
+                  </a:txBody>
+                  <a:tcPr/>
+                </a:tc>
+                <a:tc>
+                  <a:txBody>
+                    <a:bodyPr/>
+                    <a:lstStyle/>
+                    <a:p>
+                      <a:r>
+                        <a:rPr lang="en-US" sz="1100" dirty="0"/>
+                        <a:t>NOT NULL</a:t>
+                      </a:r>
+                    </a:p>
+                  </a:txBody>
+                  <a:tcPr/>
+                </a:tc>
+                <a:tc>
+                  <a:txBody>
+                    <a:bodyPr/>
+                    <a:lstStyle/>
+                    <a:p>
+                      <a:pPr algn="ctr"/>
+                      <a:r>
+                        <a:rPr lang="en-US" sz="1100" dirty="0"/>
+                        <a:t>PK</a:t>
+                      </a:r>
+                    </a:p>
+                  </a:txBody>
+                  <a:tcPr/>
+                </a:tc>
+                <a:extLst>
+                  <a:ext uri="{0D108BD9-81ED-4DB2-BD59-A6C34878D82A}">
+                    <a16:rowId xmlns:a16="http://schemas.microsoft.com/office/drawing/2014/main" val="3172743677"/>
+                  </a:ext>
+                </a:extLst>
+              </a:tr>
+              <a:tr h="223203">
+                <a:tc>
+                  <a:txBody>
+                    <a:bodyPr/>
+                    <a:lstStyle/>
+                    <a:p>
+                      <a:r>
+                        <a:rPr lang="en-US" sz="1100" b="0" dirty="0" err="1"/>
+                        <a:t>uid_person</a:t>
+                      </a:r>
+                      <a:endParaRPr lang="en-US" sz="1100" b="0" dirty="0"/>
+                    </a:p>
+                  </a:txBody>
+                  <a:tcPr/>
+                </a:tc>
+                <a:tc>
+                  <a:txBody>
+                    <a:bodyPr/>
+                    <a:lstStyle/>
+                    <a:p>
+                      <a:r>
+                        <a:rPr lang="en-US" sz="1100" dirty="0"/>
+                        <a:t>varchar(38)</a:t>
+                      </a:r>
+                    </a:p>
+                  </a:txBody>
+                  <a:tcPr/>
+                </a:tc>
+                <a:tc>
+                  <a:txBody>
+                    <a:bodyPr/>
+                    <a:lstStyle/>
+                    <a:p>
+                      <a:r>
+                        <a:rPr lang="en-US" sz="1100" dirty="0"/>
+                        <a:t>NULL</a:t>
+                      </a:r>
+                    </a:p>
+                  </a:txBody>
+                  <a:tcPr/>
+                </a:tc>
+                <a:tc>
+                  <a:txBody>
+                    <a:bodyPr/>
+                    <a:lstStyle/>
+                    <a:p>
+                      <a:pPr algn="ctr"/>
+                      <a:endParaRPr lang="en-US" sz="1100" dirty="0"/>
+                    </a:p>
+                  </a:txBody>
+                  <a:tcPr/>
+                </a:tc>
+                <a:extLst>
+                  <a:ext uri="{0D108BD9-81ED-4DB2-BD59-A6C34878D82A}">
+                    <a16:rowId xmlns:a16="http://schemas.microsoft.com/office/drawing/2014/main" val="186852949"/>
+                  </a:ext>
+                </a:extLst>
+              </a:tr>
+              <a:tr h="223203">
+                <a:tc>
+                  <a:txBody>
+                    <a:bodyPr/>
+                    <a:lstStyle/>
+                    <a:p>
+                      <a:r>
+                        <a:rPr lang="en-US" sz="1100" b="0" kern="1200" dirty="0" err="1">
+                          <a:solidFill>
+                            <a:schemeClr val="lt1"/>
+                          </a:solidFill>
+                          <a:latin typeface="+mn-lt"/>
+                          <a:ea typeface="+mn-ea"/>
+                          <a:cs typeface="+mn-cs"/>
+                        </a:rPr>
+                        <a:t>accnt</a:t>
+                      </a:r>
+                      <a:endParaRPr lang="en-US" sz="1100" b="0" dirty="0"/>
+                    </a:p>
+                  </a:txBody>
+                  <a:tcPr/>
+                </a:tc>
+                <a:tc>
+                  <a:txBody>
+                    <a:bodyPr/>
+                    <a:lstStyle/>
+                    <a:p>
+                      <a:r>
+                        <a:rPr lang="en-US" sz="1100" dirty="0"/>
+                        <a:t>nvarchar(38)</a:t>
+                      </a:r>
+                    </a:p>
+                  </a:txBody>
+                  <a:tcPr/>
+                </a:tc>
+                <a:tc>
+                  <a:txBody>
+                    <a:bodyPr/>
+                    <a:lstStyle/>
+                    <a:p>
+                      <a:r>
+                        <a:rPr lang="en-US" sz="1100" dirty="0"/>
+                        <a:t>NULL</a:t>
+                      </a:r>
+                    </a:p>
+                  </a:txBody>
+                  <a:tcPr/>
+                </a:tc>
+                <a:tc>
+                  <a:txBody>
+                    <a:bodyPr/>
+                    <a:lstStyle/>
+                    <a:p>
+                      <a:pPr algn="ctr"/>
+                      <a:r>
+                        <a:rPr lang="en-US" sz="1100" dirty="0"/>
+                        <a:t>NCI</a:t>
+                      </a:r>
+                    </a:p>
+                  </a:txBody>
+                  <a:tcPr/>
+                </a:tc>
+                <a:extLst>
+                  <a:ext uri="{0D108BD9-81ED-4DB2-BD59-A6C34878D82A}">
+                    <a16:rowId xmlns:a16="http://schemas.microsoft.com/office/drawing/2014/main" val="2320892998"/>
+                  </a:ext>
+                </a:extLst>
+              </a:tr>
+              <a:tr h="223203">
+                <a:tc>
+                  <a:txBody>
+                    <a:bodyPr/>
+                    <a:lstStyle/>
+                    <a:p>
+                      <a:r>
+                        <a:rPr lang="en-US" sz="1100" b="0" dirty="0" err="1"/>
+                        <a:t>ccc_aliasname</a:t>
+                      </a:r>
+                      <a:endParaRPr lang="en-US" sz="1100" b="0" dirty="0"/>
+                    </a:p>
+                  </a:txBody>
+                  <a:tcPr/>
+                </a:tc>
+                <a:tc>
+                  <a:txBody>
+                    <a:bodyPr/>
+                    <a:lstStyle/>
+                    <a:p>
+                      <a:r>
+                        <a:rPr lang="en-US" sz="1100" dirty="0"/>
+                        <a:t>nvarchar(255)</a:t>
+                      </a:r>
+                    </a:p>
+                  </a:txBody>
+                  <a:tcPr/>
+                </a:tc>
+                <a:tc>
+                  <a:txBody>
+                    <a:bodyPr/>
+                    <a:lstStyle/>
+                    <a:p>
+                      <a:r>
+                        <a:rPr lang="en-US" sz="1100" dirty="0"/>
+                        <a:t>NULL</a:t>
+                      </a:r>
+                    </a:p>
+                  </a:txBody>
+                  <a:tcPr/>
+                </a:tc>
+                <a:tc>
+                  <a:txBody>
+                    <a:bodyPr/>
+                    <a:lstStyle/>
+                    <a:p>
+                      <a:pPr algn="ctr"/>
+                      <a:endParaRPr lang="en-US" sz="1100" dirty="0"/>
+                    </a:p>
+                  </a:txBody>
+                  <a:tcPr/>
+                </a:tc>
+                <a:extLst>
+                  <a:ext uri="{0D108BD9-81ED-4DB2-BD59-A6C34878D82A}">
+                    <a16:rowId xmlns:a16="http://schemas.microsoft.com/office/drawing/2014/main" val="455841324"/>
+                  </a:ext>
+                </a:extLst>
+              </a:tr>
+            </a:tbl>
+          </a:graphicData>
+        </a:graphic>
+      </p:graphicFrame>
+      <p:sp>
+        <p:nvSpPr>
+          <p:cNvPr id="11" name="Rechteck 10">
+            <a:extLst>
+              <a:ext uri="{FF2B5EF4-FFF2-40B4-BE49-F238E27FC236}">
+                <a16:creationId xmlns:a16="http://schemas.microsoft.com/office/drawing/2014/main" id="{29A57739-CE77-5D05-BA3A-B334850CDA03}"/>
+              </a:ext>
+            </a:extLst>
+          </p:cNvPr>
+          <p:cNvSpPr/>
+          <p:nvPr/>
+        </p:nvSpPr>
+        <p:spPr>
+          <a:xfrm>
+            <a:off x="7296411" y="2461364"/>
+            <a:ext cx="132533" cy="244258"/>
+          </a:xfrm>
+          <a:prstGeom prst="rect">
+            <a:avLst/>
+          </a:prstGeom>
+          <a:solidFill>
+            <a:schemeClr val="bg1"/>
+          </a:solidFill>
+          <a:ln>
+            <a:noFill/>
+          </a:ln>
+        </p:spPr>
+        <p:style>
+          <a:lnRef idx="2">
+            <a:schemeClr val="accent1">
+              <a:shade val="15000"/>
+            </a:schemeClr>
+          </a:lnRef>
+          <a:fillRef idx="1">
+            <a:schemeClr val="accent1"/>
+          </a:fillRef>
+          <a:effectRef idx="0">
+            <a:schemeClr val="accent1"/>
+          </a:effectRef>
+          <a:fontRef idx="minor">
+            <a:schemeClr val="lt1"/>
+          </a:fontRef>
+        </p:style>
+        <p:txBody>
+          <a:bodyPr rtlCol="0" anchor="ctr"/>
+          <a:lstStyle/>
+          <a:p>
+            <a:pPr algn="ctr"/>
+            <a:endParaRPr lang="en-US"/>
+          </a:p>
+        </p:txBody>
+      </p:sp>
+      <p:sp>
+        <p:nvSpPr>
+          <p:cNvPr id="12" name="Rechteck 11">
+            <a:extLst>
+              <a:ext uri="{FF2B5EF4-FFF2-40B4-BE49-F238E27FC236}">
+                <a16:creationId xmlns:a16="http://schemas.microsoft.com/office/drawing/2014/main" id="{37BC7A41-EB7E-E52A-1A57-FF62E599BDDF}"/>
+              </a:ext>
+            </a:extLst>
+          </p:cNvPr>
+          <p:cNvSpPr/>
+          <p:nvPr/>
+        </p:nvSpPr>
+        <p:spPr>
+          <a:xfrm>
+            <a:off x="7296411" y="2705622"/>
+            <a:ext cx="132533" cy="244258"/>
+          </a:xfrm>
+          <a:prstGeom prst="rect">
+            <a:avLst/>
+          </a:prstGeom>
+          <a:solidFill>
+            <a:schemeClr val="bg1"/>
+          </a:solidFill>
+          <a:ln>
+            <a:noFill/>
+          </a:ln>
+        </p:spPr>
+        <p:style>
+          <a:lnRef idx="2">
+            <a:schemeClr val="accent1">
+              <a:shade val="15000"/>
+            </a:schemeClr>
+          </a:lnRef>
+          <a:fillRef idx="1">
+            <a:schemeClr val="accent1"/>
+          </a:fillRef>
+          <a:effectRef idx="0">
+            <a:schemeClr val="accent1"/>
+          </a:effectRef>
+          <a:fontRef idx="minor">
+            <a:schemeClr val="lt1"/>
+          </a:fontRef>
+        </p:style>
+        <p:txBody>
+          <a:bodyPr rtlCol="0" anchor="ctr"/>
+          <a:lstStyle/>
+          <a:p>
+            <a:pPr algn="ctr"/>
+            <a:endParaRPr lang="en-US"/>
+          </a:p>
+        </p:txBody>
+      </p:sp>
+      <p:sp>
+        <p:nvSpPr>
+          <p:cNvPr id="13" name="Rechteck 12">
+            <a:extLst>
+              <a:ext uri="{FF2B5EF4-FFF2-40B4-BE49-F238E27FC236}">
+                <a16:creationId xmlns:a16="http://schemas.microsoft.com/office/drawing/2014/main" id="{C1D9D0D8-9172-BE6C-ED90-944E3A5D56C7}"/>
+              </a:ext>
+            </a:extLst>
+          </p:cNvPr>
+          <p:cNvSpPr/>
+          <p:nvPr/>
+        </p:nvSpPr>
+        <p:spPr>
+          <a:xfrm>
+            <a:off x="7296410" y="4741102"/>
+            <a:ext cx="132533" cy="244258"/>
+          </a:xfrm>
+          <a:prstGeom prst="rect">
+            <a:avLst/>
+          </a:prstGeom>
+          <a:solidFill>
+            <a:schemeClr val="bg1"/>
+          </a:solidFill>
+          <a:ln>
+            <a:noFill/>
+          </a:ln>
+        </p:spPr>
+        <p:style>
+          <a:lnRef idx="2">
+            <a:schemeClr val="accent1">
+              <a:shade val="15000"/>
+            </a:schemeClr>
+          </a:lnRef>
+          <a:fillRef idx="1">
+            <a:schemeClr val="accent1"/>
+          </a:fillRef>
+          <a:effectRef idx="0">
+            <a:schemeClr val="accent1"/>
+          </a:effectRef>
+          <a:fontRef idx="minor">
+            <a:schemeClr val="lt1"/>
+          </a:fontRef>
+        </p:style>
+        <p:txBody>
+          <a:bodyPr rtlCol="0" anchor="ctr"/>
+          <a:lstStyle/>
+          <a:p>
+            <a:pPr algn="ctr"/>
+            <a:endParaRPr lang="en-US"/>
+          </a:p>
+        </p:txBody>
+      </p:sp>
+      <p:cxnSp>
+        <p:nvCxnSpPr>
+          <p:cNvPr id="31" name="Verbinder: gewinkelt 30">
+            <a:extLst>
+              <a:ext uri="{FF2B5EF4-FFF2-40B4-BE49-F238E27FC236}">
+                <a16:creationId xmlns:a16="http://schemas.microsoft.com/office/drawing/2014/main" id="{8AD52D07-9329-DAA6-BBD9-ED93BB865B52}"/>
+              </a:ext>
+            </a:extLst>
+          </p:cNvPr>
+          <p:cNvCxnSpPr>
+            <a:stCxn id="13" idx="1"/>
+            <a:endCxn id="12" idx="1"/>
+          </p:cNvCxnSpPr>
+          <p:nvPr/>
+        </p:nvCxnSpPr>
+        <p:spPr>
+          <a:xfrm rot="10800000" flipH="1">
+            <a:off x="7296409" y="2827751"/>
+            <a:ext cx="1" cy="2035480"/>
+          </a:xfrm>
+          <a:prstGeom prst="bentConnector3">
+            <a:avLst>
+              <a:gd name="adj1" fmla="val -22860000000"/>
+            </a:avLst>
+          </a:prstGeom>
+          <a:ln>
+            <a:solidFill>
+              <a:schemeClr val="tx1"/>
+            </a:solidFill>
+            <a:headEnd type="none" w="med" len="med"/>
+            <a:tailEnd type="triangle"/>
+          </a:ln>
+        </p:spPr>
+        <p:style>
+          <a:lnRef idx="1">
+            <a:schemeClr val="accent1"/>
+          </a:lnRef>
+          <a:fillRef idx="0">
+            <a:schemeClr val="accent1"/>
+          </a:fillRef>
+          <a:effectRef idx="0">
+            <a:schemeClr val="accent1"/>
+          </a:effectRef>
+          <a:fontRef idx="minor">
+            <a:schemeClr val="tx1"/>
+          </a:fontRef>
+        </p:style>
+      </p:cxnSp>
+      <p:cxnSp>
+        <p:nvCxnSpPr>
+          <p:cNvPr id="33" name="Verbinder: gewinkelt 32">
+            <a:extLst>
+              <a:ext uri="{FF2B5EF4-FFF2-40B4-BE49-F238E27FC236}">
+                <a16:creationId xmlns:a16="http://schemas.microsoft.com/office/drawing/2014/main" id="{49054147-1D09-8A23-C94A-DD73517C7910}"/>
+              </a:ext>
+            </a:extLst>
+          </p:cNvPr>
+          <p:cNvCxnSpPr>
+            <a:cxnSpLocks/>
+            <a:stCxn id="13" idx="3"/>
+            <a:endCxn id="11" idx="1"/>
+          </p:cNvCxnSpPr>
+          <p:nvPr/>
+        </p:nvCxnSpPr>
+        <p:spPr>
+          <a:xfrm flipH="1" flipV="1">
+            <a:off x="7296411" y="2583493"/>
+            <a:ext cx="132532" cy="2279738"/>
+          </a:xfrm>
+          <a:prstGeom prst="bentConnector5">
+            <a:avLst>
+              <a:gd name="adj1" fmla="val 630876"/>
+              <a:gd name="adj2" fmla="val 50000"/>
+              <a:gd name="adj3" fmla="val 631637"/>
+            </a:avLst>
+          </a:prstGeom>
+          <a:ln>
+            <a:solidFill>
+              <a:schemeClr val="tx1"/>
+            </a:solidFill>
+            <a:headEnd type="none" w="med" len="med"/>
+            <a:tailEnd type="triangle"/>
+          </a:ln>
+        </p:spPr>
+        <p:style>
+          <a:lnRef idx="1">
+            <a:schemeClr val="accent1"/>
+          </a:lnRef>
+          <a:fillRef idx="0">
+            <a:schemeClr val="accent1"/>
+          </a:fillRef>
+          <a:effectRef idx="0">
+            <a:schemeClr val="accent1"/>
+          </a:effectRef>
+          <a:fontRef idx="minor">
+            <a:schemeClr val="tx1"/>
+          </a:fontRef>
+        </p:style>
+      </p:cxnSp>
+      <p:sp>
+        <p:nvSpPr>
+          <p:cNvPr id="43" name="Textfeld 42">
+            <a:extLst>
+              <a:ext uri="{FF2B5EF4-FFF2-40B4-BE49-F238E27FC236}">
+                <a16:creationId xmlns:a16="http://schemas.microsoft.com/office/drawing/2014/main" id="{4B58AF32-9980-86AF-B968-24283776015A}"/>
+              </a:ext>
+            </a:extLst>
+          </p:cNvPr>
+          <p:cNvSpPr txBox="1"/>
+          <p:nvPr/>
+        </p:nvSpPr>
+        <p:spPr>
+          <a:xfrm>
+            <a:off x="6588690" y="3429000"/>
+            <a:ext cx="494773" cy="276999"/>
+          </a:xfrm>
+          <a:prstGeom prst="rect">
+            <a:avLst/>
+          </a:prstGeom>
+          <a:noFill/>
+        </p:spPr>
+        <p:txBody>
+          <a:bodyPr wrap="square" rtlCol="0">
+            <a:spAutoFit/>
+          </a:bodyPr>
+          <a:lstStyle/>
+          <a:p>
+            <a:pPr algn="ctr"/>
+            <a:r>
+              <a:rPr lang="en-US" sz="1200" dirty="0"/>
+              <a:t>OR</a:t>
+            </a:r>
+          </a:p>
+        </p:txBody>
+      </p:sp>
+    </p:spTree>
+    <p:extLst>
+      <p:ext uri="{BB962C8B-B14F-4D97-AF65-F5344CB8AC3E}">
+        <p14:creationId xmlns:p14="http://schemas.microsoft.com/office/powerpoint/2010/main" val="653442403"/>
+      </p:ext>
+    </p:extLst>
+  </p:cSld>
+  <p:clrMapOvr>
+    <a:masterClrMapping/>
+  </p:clrMapOvr>
+</p:sld>
+</file>
+
+<file path=ppt/slides/slide27.xml><?xml version="1.0" encoding="utf-8"?>
+<p:sld xmlns:a="http://schemas.openxmlformats.org/drawingml/2006/main" xmlns:r="http://schemas.openxmlformats.org/officeDocument/2006/relationships" xmlns:p="http://schemas.openxmlformats.org/presentationml/2006/main">
+  <p:cSld>
+    <p:spTree>
+      <p:nvGrpSpPr>
+        <p:cNvPr id="1" name="">
+          <a:extLst>
+            <a:ext uri="{FF2B5EF4-FFF2-40B4-BE49-F238E27FC236}">
+              <a16:creationId xmlns:a16="http://schemas.microsoft.com/office/drawing/2014/main" id="{D868B7F6-CB84-3212-F880-3068A29E65F4}"/>
+            </a:ext>
+          </a:extLst>
+        </p:cNvPr>
+        <p:cNvGrpSpPr/>
+        <p:nvPr/>
+      </p:nvGrpSpPr>
+      <p:grpSpPr>
+        <a:xfrm>
+          <a:off x="0" y="0"/>
+          <a:ext cx="0" cy="0"/>
+          <a:chOff x="0" y="0"/>
+          <a:chExt cx="0" cy="0"/>
+        </a:xfrm>
+      </p:grpSpPr>
+      <p:sp>
+        <p:nvSpPr>
+          <p:cNvPr id="2" name="Titel 1">
+            <a:extLst>
+              <a:ext uri="{FF2B5EF4-FFF2-40B4-BE49-F238E27FC236}">
+                <a16:creationId xmlns:a16="http://schemas.microsoft.com/office/drawing/2014/main" id="{1ACF8F10-B84C-6951-4C45-C936927915D6}"/>
+              </a:ext>
+            </a:extLst>
+          </p:cNvPr>
+          <p:cNvSpPr>
+            <a:spLocks noGrp="1"/>
+          </p:cNvSpPr>
+          <p:nvPr>
+            <p:ph type="title"/>
+          </p:nvPr>
+        </p:nvSpPr>
+        <p:spPr/>
+        <p:txBody>
+          <a:bodyPr/>
+          <a:lstStyle/>
+          <a:p>
+            <a:r>
+              <a:rPr lang="en-US" dirty="0"/>
+              <a:t>Scenario 3 - Findings </a:t>
+            </a:r>
+          </a:p>
+        </p:txBody>
+      </p:sp>
+      <p:sp>
+        <p:nvSpPr>
+          <p:cNvPr id="4" name="Inhaltsplatzhalter 3">
+            <a:extLst>
+              <a:ext uri="{FF2B5EF4-FFF2-40B4-BE49-F238E27FC236}">
+                <a16:creationId xmlns:a16="http://schemas.microsoft.com/office/drawing/2014/main" id="{1E62805F-7A38-2E10-940D-774E2D786B38}"/>
+              </a:ext>
+            </a:extLst>
+          </p:cNvPr>
+          <p:cNvSpPr>
+            <a:spLocks noGrp="1"/>
+          </p:cNvSpPr>
+          <p:nvPr>
+            <p:ph sz="half" idx="1"/>
+          </p:nvPr>
+        </p:nvSpPr>
+        <p:spPr/>
+        <p:txBody>
+          <a:bodyPr/>
+          <a:lstStyle/>
+          <a:p>
+            <a:r>
+              <a:rPr lang="en-US" dirty="0"/>
+              <a:t>Avoid creating too deep nesting with SUB-Selects. They are difficult to read and may not be ideally optimized by the Query Optimizer.</a:t>
+            </a:r>
+          </a:p>
+          <a:p>
+            <a:r>
+              <a:rPr lang="en-US" dirty="0"/>
+              <a:t>OR statements on different attributes cannot always be used optimally by the query optimizer, despite both attributes being indexed. This is especially true if the attributes have a similar selectivity (cardinality).</a:t>
+            </a:r>
+          </a:p>
+          <a:p>
+            <a:r>
+              <a:rPr lang="en-US" dirty="0"/>
+              <a:t>To use the indexes on the attributes efficiently, it is better to use </a:t>
+            </a:r>
+            <a:r>
+              <a:rPr lang="en-US" b="1" dirty="0">
+                <a:solidFill>
+                  <a:schemeClr val="accent6">
+                    <a:lumMod val="75000"/>
+                  </a:schemeClr>
+                </a:solidFill>
+              </a:rPr>
+              <a:t>UNION ALL </a:t>
+            </a:r>
+            <a:r>
+              <a:rPr lang="en-US" dirty="0"/>
+              <a:t>instead of </a:t>
+            </a:r>
+            <a:r>
+              <a:rPr lang="en-US" b="1" dirty="0">
+                <a:solidFill>
+                  <a:srgbClr val="FF0000"/>
+                </a:solidFill>
+              </a:rPr>
+              <a:t>OR</a:t>
+            </a:r>
+            <a:r>
+              <a:rPr lang="en-US" dirty="0"/>
+              <a:t>.</a:t>
+            </a:r>
+          </a:p>
+        </p:txBody>
+      </p:sp>
+      <p:sp>
+        <p:nvSpPr>
+          <p:cNvPr id="8" name="Inhaltsplatzhalter 7">
+            <a:extLst>
+              <a:ext uri="{FF2B5EF4-FFF2-40B4-BE49-F238E27FC236}">
+                <a16:creationId xmlns:a16="http://schemas.microsoft.com/office/drawing/2014/main" id="{E33CCBC1-62DB-6250-D640-681F470CC8B1}"/>
+              </a:ext>
+            </a:extLst>
+          </p:cNvPr>
+          <p:cNvSpPr>
+            <a:spLocks noGrp="1"/>
+          </p:cNvSpPr>
+          <p:nvPr>
+            <p:ph sz="half" idx="2"/>
+          </p:nvPr>
+        </p:nvSpPr>
+        <p:spPr/>
+        <p:txBody>
+          <a:bodyPr/>
+          <a:lstStyle/>
+          <a:p>
+            <a:endParaRPr lang="en-US"/>
           </a:p>
         </p:txBody>
       </p:sp>
       <p:pic>
         <p:nvPicPr>
-          <p:cNvPr id="6" name="Inhaltsplatzhalter 5">
+          <p:cNvPr id="9" name="Inhaltsplatzhalter 5">
             <a:extLst>
               <a:ext uri="{FF2B5EF4-FFF2-40B4-BE49-F238E27FC236}">
-                <a16:creationId xmlns:a16="http://schemas.microsoft.com/office/drawing/2014/main" id="{DCE2AA82-F1B0-E648-F8E3-9DFCACE20CA0}"/>
+                <a16:creationId xmlns:a16="http://schemas.microsoft.com/office/drawing/2014/main" id="{A3DF15B4-123B-2B04-8388-EE8EB01E06FF}"/>
               </a:ext>
             </a:extLst>
           </p:cNvPr>
           <p:cNvPicPr>
-            <a:picLocks noGrp="1" noChangeAspect="1"/>
+            <a:picLocks noChangeAspect="1"/>
           </p:cNvPicPr>
-          <p:nvPr>
-            <p:ph sz="half" idx="2"/>
-          </p:nvPr>
+          <p:nvPr/>
         </p:nvPicPr>
         <p:blipFill>
           <a:blip r:embed="rId2"/>
@@ -8049,12 +9330,15 @@
             <a:off x="6778625" y="1665288"/>
             <a:ext cx="4572000" cy="4572000"/>
           </a:xfrm>
+          <a:prstGeom prst="rect">
+            <a:avLst/>
+          </a:prstGeom>
         </p:spPr>
       </p:pic>
     </p:spTree>
     <p:extLst>
       <p:ext uri="{BB962C8B-B14F-4D97-AF65-F5344CB8AC3E}">
-        <p14:creationId xmlns:p14="http://schemas.microsoft.com/office/powerpoint/2010/main" val="653442403"/>
+        <p14:creationId xmlns:p14="http://schemas.microsoft.com/office/powerpoint/2010/main" val="241859938"/>
       </p:ext>
     </p:extLst>
   </p:cSld>

--- a/Documents and Preparation/Performance optimization by identifying and correcting bad SQL code.pptx
+++ b/Documents and Preparation/Performance optimization by identifying and correcting bad SQL code.pptx
@@ -5,7 +5,7 @@
     <p:sldMasterId id="2147483674" r:id="rId1"/>
   </p:sldMasterIdLst>
   <p:notesMasterIdLst>
-    <p:notesMasterId r:id="rId29"/>
+    <p:notesMasterId r:id="rId56"/>
   </p:notesMasterIdLst>
   <p:sldIdLst>
     <p:sldId id="334" r:id="rId2"/>
@@ -35,6 +35,33 @@
     <p:sldId id="357" r:id="rId26"/>
     <p:sldId id="358" r:id="rId27"/>
     <p:sldId id="359" r:id="rId28"/>
+    <p:sldId id="360" r:id="rId29"/>
+    <p:sldId id="361" r:id="rId30"/>
+    <p:sldId id="362" r:id="rId31"/>
+    <p:sldId id="363" r:id="rId32"/>
+    <p:sldId id="364" r:id="rId33"/>
+    <p:sldId id="365" r:id="rId34"/>
+    <p:sldId id="366" r:id="rId35"/>
+    <p:sldId id="367" r:id="rId36"/>
+    <p:sldId id="368" r:id="rId37"/>
+    <p:sldId id="369" r:id="rId38"/>
+    <p:sldId id="370" r:id="rId39"/>
+    <p:sldId id="371" r:id="rId40"/>
+    <p:sldId id="372" r:id="rId41"/>
+    <p:sldId id="373" r:id="rId42"/>
+    <p:sldId id="374" r:id="rId43"/>
+    <p:sldId id="375" r:id="rId44"/>
+    <p:sldId id="376" r:id="rId45"/>
+    <p:sldId id="377" r:id="rId46"/>
+    <p:sldId id="378" r:id="rId47"/>
+    <p:sldId id="379" r:id="rId48"/>
+    <p:sldId id="380" r:id="rId49"/>
+    <p:sldId id="381" r:id="rId50"/>
+    <p:sldId id="382" r:id="rId51"/>
+    <p:sldId id="383" r:id="rId52"/>
+    <p:sldId id="384" r:id="rId53"/>
+    <p:sldId id="385" r:id="rId54"/>
+    <p:sldId id="386" r:id="rId55"/>
   </p:sldIdLst>
   <p:sldSz cx="12192000" cy="6858000"/>
   <p:notesSz cx="6858000" cy="9144000"/>
@@ -144,7 +171,7 @@
 <file path=ppt/revisionInfo.xml><?xml version="1.0" encoding="utf-8"?>
 <p1510:revInfo xmlns:a="http://schemas.openxmlformats.org/drawingml/2006/main" xmlns:r="http://schemas.openxmlformats.org/officeDocument/2006/relationships" xmlns:p1510="http://schemas.microsoft.com/office/powerpoint/2015/10/main">
   <p1510:revLst>
-    <p1510:client id="{5FE6A977-828B-4359-92F0-4AA3261FBD7C}" v="72" dt="2024-12-27T14:03:05.791"/>
+    <p1510:client id="{5FE6A977-828B-4359-92F0-4AA3261FBD7C}" v="73" dt="2024-12-29T10:36:30.761"/>
   </p1510:revLst>
 </p1510:revInfo>
 </file>
@@ -154,7 +181,7 @@
   <pc:docChgLst>
     <pc:chgData name="Uwe Ricken" userId="f02567aecbed924b" providerId="LiveId" clId="{5FE6A977-828B-4359-92F0-4AA3261FBD7C}"/>
     <pc:docChg chg="undo redo custSel addSld delSld modSld sldOrd delMainMaster modMainMaster">
-      <pc:chgData name="Uwe Ricken" userId="f02567aecbed924b" providerId="LiveId" clId="{5FE6A977-828B-4359-92F0-4AA3261FBD7C}" dt="2024-12-27T14:06:30.395" v="5992" actId="113"/>
+      <pc:chgData name="Uwe Ricken" userId="f02567aecbed924b" providerId="LiveId" clId="{5FE6A977-828B-4359-92F0-4AA3261FBD7C}" dt="2024-12-29T12:07:17.942" v="6616" actId="20577"/>
       <pc:docMkLst>
         <pc:docMk/>
       </pc:docMkLst>
@@ -772,30 +799,6 @@
           <pc:docMk/>
           <pc:sldMk cId="1443633948" sldId="355"/>
         </pc:sldMkLst>
-        <pc:spChg chg="del mod ord">
-          <ac:chgData name="Uwe Ricken" userId="f02567aecbed924b" providerId="LiveId" clId="{5FE6A977-828B-4359-92F0-4AA3261FBD7C}" dt="2024-12-26T07:05:12.372" v="4679" actId="700"/>
-          <ac:spMkLst>
-            <pc:docMk/>
-            <pc:sldMk cId="1443633948" sldId="355"/>
-            <ac:spMk id="2" creationId="{8A204585-4DCB-D1F7-E0DD-88865EBAF901}"/>
-          </ac:spMkLst>
-        </pc:spChg>
-        <pc:spChg chg="del">
-          <ac:chgData name="Uwe Ricken" userId="f02567aecbed924b" providerId="LiveId" clId="{5FE6A977-828B-4359-92F0-4AA3261FBD7C}" dt="2024-12-26T07:05:12.372" v="4679" actId="700"/>
-          <ac:spMkLst>
-            <pc:docMk/>
-            <pc:sldMk cId="1443633948" sldId="355"/>
-            <ac:spMk id="3" creationId="{4CC6D8B8-35FF-1D32-4944-03A83269D6ED}"/>
-          </ac:spMkLst>
-        </pc:spChg>
-        <pc:spChg chg="del">
-          <ac:chgData name="Uwe Ricken" userId="f02567aecbed924b" providerId="LiveId" clId="{5FE6A977-828B-4359-92F0-4AA3261FBD7C}" dt="2024-12-26T07:05:12.372" v="4679" actId="700"/>
-          <ac:spMkLst>
-            <pc:docMk/>
-            <pc:sldMk cId="1443633948" sldId="355"/>
-            <ac:spMk id="4" creationId="{DF3BC439-D4EA-FC5E-A299-8F288FFBE9FD}"/>
-          </ac:spMkLst>
-        </pc:spChg>
         <pc:spChg chg="add mod ord">
           <ac:chgData name="Uwe Ricken" userId="f02567aecbed924b" providerId="LiveId" clId="{5FE6A977-828B-4359-92F0-4AA3261FBD7C}" dt="2024-12-26T07:05:29.151" v="4706" actId="20577"/>
           <ac:spMkLst>
@@ -955,14 +958,6 @@
             <ac:spMk id="2" creationId="{1ACF8F10-B84C-6951-4C45-C936927915D6}"/>
           </ac:spMkLst>
         </pc:spChg>
-        <pc:spChg chg="add del mod ord">
-          <ac:chgData name="Uwe Ricken" userId="f02567aecbed924b" providerId="LiveId" clId="{5FE6A977-828B-4359-92F0-4AA3261FBD7C}" dt="2024-12-26T10:40:59.427" v="5246"/>
-          <ac:spMkLst>
-            <pc:docMk/>
-            <pc:sldMk cId="2471206542" sldId="356"/>
-            <ac:spMk id="3" creationId="{87D01717-E1C3-BCB6-2C69-0B0C4939E389}"/>
-          </ac:spMkLst>
-        </pc:spChg>
         <pc:spChg chg="mod ord">
           <ac:chgData name="Uwe Ricken" userId="f02567aecbed924b" providerId="LiveId" clId="{5FE6A977-828B-4359-92F0-4AA3261FBD7C}" dt="2024-12-26T10:40:35.235" v="5245" actId="700"/>
           <ac:spMkLst>
@@ -979,22 +974,6 @@
             <ac:spMk id="8" creationId="{E33CCBC1-62DB-6250-D640-681F470CC8B1}"/>
           </ac:spMkLst>
         </pc:spChg>
-        <pc:picChg chg="add del mod">
-          <ac:chgData name="Uwe Ricken" userId="f02567aecbed924b" providerId="LiveId" clId="{5FE6A977-828B-4359-92F0-4AA3261FBD7C}" dt="2024-12-26T10:41:16.815" v="5249" actId="478"/>
-          <ac:picMkLst>
-            <pc:docMk/>
-            <pc:sldMk cId="2471206542" sldId="356"/>
-            <ac:picMk id="5" creationId="{9CD90177-29CE-F441-2286-BD3CFE012A20}"/>
-          </ac:picMkLst>
-        </pc:picChg>
-        <pc:picChg chg="add mod">
-          <ac:chgData name="Uwe Ricken" userId="f02567aecbed924b" providerId="LiveId" clId="{5FE6A977-828B-4359-92F0-4AA3261FBD7C}" dt="2024-12-26T10:41:03.245" v="5248"/>
-          <ac:picMkLst>
-            <pc:docMk/>
-            <pc:sldMk cId="2471206542" sldId="356"/>
-            <ac:picMk id="6" creationId="{BA0A6658-B024-4379-8381-841C819766E7}"/>
-          </ac:picMkLst>
-        </pc:picChg>
         <pc:picChg chg="add mod">
           <ac:chgData name="Uwe Ricken" userId="f02567aecbed924b" providerId="LiveId" clId="{5FE6A977-828B-4359-92F0-4AA3261FBD7C}" dt="2024-12-26T10:41:17.542" v="5250"/>
           <ac:picMkLst>
@@ -1031,14 +1010,6 @@
             <pc:docMk/>
             <pc:sldMk cId="653442403" sldId="358"/>
             <ac:spMk id="3" creationId="{C59D65FC-8224-6726-8165-B71E64887B1C}"/>
-          </ac:spMkLst>
-        </pc:spChg>
-        <pc:spChg chg="add del mod">
-          <ac:chgData name="Uwe Ricken" userId="f02567aecbed924b" providerId="LiveId" clId="{5FE6A977-828B-4359-92F0-4AA3261FBD7C}" dt="2024-12-27T10:33:38.043" v="5253" actId="3680"/>
-          <ac:spMkLst>
-            <pc:docMk/>
-            <pc:sldMk cId="653442403" sldId="358"/>
-            <ac:spMk id="5" creationId="{0C1F530B-7FFC-E51B-2292-11720016BB66}"/>
           </ac:spMkLst>
         </pc:spChg>
         <pc:spChg chg="add mod">
@@ -1089,38 +1060,6 @@
             <ac:graphicFrameMk id="8" creationId="{87585A6A-6224-29F8-DE26-44CD5D41013F}"/>
           </ac:graphicFrameMkLst>
         </pc:graphicFrameChg>
-        <pc:picChg chg="del">
-          <ac:chgData name="Uwe Ricken" userId="f02567aecbed924b" providerId="LiveId" clId="{5FE6A977-828B-4359-92F0-4AA3261FBD7C}" dt="2024-12-27T10:33:27.877" v="5252" actId="478"/>
-          <ac:picMkLst>
-            <pc:docMk/>
-            <pc:sldMk cId="653442403" sldId="358"/>
-            <ac:picMk id="6" creationId="{DCE2AA82-F1B0-E648-F8E3-9DFCACE20CA0}"/>
-          </ac:picMkLst>
-        </pc:picChg>
-        <pc:cxnChg chg="add del">
-          <ac:chgData name="Uwe Ricken" userId="f02567aecbed924b" providerId="LiveId" clId="{5FE6A977-828B-4359-92F0-4AA3261FBD7C}" dt="2024-12-27T10:42:33.087" v="5502" actId="478"/>
-          <ac:cxnSpMkLst>
-            <pc:docMk/>
-            <pc:sldMk cId="653442403" sldId="358"/>
-            <ac:cxnSpMk id="10" creationId="{97644D4F-2ACD-2FE7-7EA0-597EF89A28C4}"/>
-          </ac:cxnSpMkLst>
-        </pc:cxnChg>
-        <pc:cxnChg chg="add del mod">
-          <ac:chgData name="Uwe Ricken" userId="f02567aecbed924b" providerId="LiveId" clId="{5FE6A977-828B-4359-92F0-4AA3261FBD7C}" dt="2024-12-27T10:44:25.772" v="5523" actId="478"/>
-          <ac:cxnSpMkLst>
-            <pc:docMk/>
-            <pc:sldMk cId="653442403" sldId="358"/>
-            <ac:cxnSpMk id="15" creationId="{BFAAF720-C35D-4B23-BAD7-EF2DB20B7A21}"/>
-          </ac:cxnSpMkLst>
-        </pc:cxnChg>
-        <pc:cxnChg chg="add del mod">
-          <ac:chgData name="Uwe Ricken" userId="f02567aecbed924b" providerId="LiveId" clId="{5FE6A977-828B-4359-92F0-4AA3261FBD7C}" dt="2024-12-27T10:44:23.709" v="5522" actId="478"/>
-          <ac:cxnSpMkLst>
-            <pc:docMk/>
-            <pc:sldMk cId="653442403" sldId="358"/>
-            <ac:cxnSpMk id="17" creationId="{8B6F19BB-8145-759C-FC20-01884B7312B4}"/>
-          </ac:cxnSpMkLst>
-        </pc:cxnChg>
         <pc:cxnChg chg="add">
           <ac:chgData name="Uwe Ricken" userId="f02567aecbed924b" providerId="LiveId" clId="{5FE6A977-828B-4359-92F0-4AA3261FBD7C}" dt="2024-12-27T10:44:35.235" v="5524" actId="11529"/>
           <ac:cxnSpMkLst>
@@ -1158,6 +1097,67 @@
             <pc:docMk/>
             <pc:sldMk cId="241859938" sldId="359"/>
             <ac:spMk id="4" creationId="{1E62805F-7A38-2E10-940D-774E2D786B38}"/>
+          </ac:spMkLst>
+        </pc:spChg>
+      </pc:sldChg>
+      <pc:sldChg chg="modSp mod">
+        <pc:chgData name="Uwe Ricken" userId="f02567aecbed924b" providerId="LiveId" clId="{5FE6A977-828B-4359-92F0-4AA3261FBD7C}" dt="2024-12-29T10:36:54.898" v="6031" actId="20577"/>
+        <pc:sldMkLst>
+          <pc:docMk/>
+          <pc:sldMk cId="367371729" sldId="384"/>
+        </pc:sldMkLst>
+        <pc:spChg chg="mod">
+          <ac:chgData name="Uwe Ricken" userId="f02567aecbed924b" providerId="LiveId" clId="{5FE6A977-828B-4359-92F0-4AA3261FBD7C}" dt="2024-12-29T10:36:38.980" v="5993" actId="20577"/>
+          <ac:spMkLst>
+            <pc:docMk/>
+            <pc:sldMk cId="367371729" sldId="384"/>
+            <ac:spMk id="4" creationId="{B79AF0E1-DECA-8D1E-D597-B28D74A2B66C}"/>
+          </ac:spMkLst>
+        </pc:spChg>
+        <pc:spChg chg="mod">
+          <ac:chgData name="Uwe Ricken" userId="f02567aecbed924b" providerId="LiveId" clId="{5FE6A977-828B-4359-92F0-4AA3261FBD7C}" dt="2024-12-29T10:36:54.898" v="6031" actId="20577"/>
+          <ac:spMkLst>
+            <pc:docMk/>
+            <pc:sldMk cId="367371729" sldId="384"/>
+            <ac:spMk id="5" creationId="{B44DA691-F949-AD8F-2991-9B4E0309EDFB}"/>
+          </ac:spMkLst>
+        </pc:spChg>
+      </pc:sldChg>
+      <pc:sldChg chg="modSp mod">
+        <pc:chgData name="Uwe Ricken" userId="f02567aecbed924b" providerId="LiveId" clId="{5FE6A977-828B-4359-92F0-4AA3261FBD7C}" dt="2024-12-29T12:04:33.822" v="6200" actId="20577"/>
+        <pc:sldMkLst>
+          <pc:docMk/>
+          <pc:sldMk cId="784247027" sldId="385"/>
+        </pc:sldMkLst>
+        <pc:spChg chg="mod">
+          <ac:chgData name="Uwe Ricken" userId="f02567aecbed924b" providerId="LiveId" clId="{5FE6A977-828B-4359-92F0-4AA3261FBD7C}" dt="2024-12-29T12:02:27.845" v="6032" actId="20577"/>
+          <ac:spMkLst>
+            <pc:docMk/>
+            <pc:sldMk cId="784247027" sldId="385"/>
+            <ac:spMk id="2" creationId="{8AE804EB-0B5F-C3A2-B83C-89DE8E3DF8C9}"/>
+          </ac:spMkLst>
+        </pc:spChg>
+        <pc:spChg chg="mod">
+          <ac:chgData name="Uwe Ricken" userId="f02567aecbed924b" providerId="LiveId" clId="{5FE6A977-828B-4359-92F0-4AA3261FBD7C}" dt="2024-12-29T12:04:33.822" v="6200" actId="20577"/>
+          <ac:spMkLst>
+            <pc:docMk/>
+            <pc:sldMk cId="784247027" sldId="385"/>
+            <ac:spMk id="3" creationId="{F3F1F20B-142A-B813-F615-AC1860C9043A}"/>
+          </ac:spMkLst>
+        </pc:spChg>
+      </pc:sldChg>
+      <pc:sldChg chg="modSp mod">
+        <pc:chgData name="Uwe Ricken" userId="f02567aecbed924b" providerId="LiveId" clId="{5FE6A977-828B-4359-92F0-4AA3261FBD7C}" dt="2024-12-29T12:07:17.942" v="6616" actId="20577"/>
+        <pc:sldMkLst>
+          <pc:docMk/>
+          <pc:sldMk cId="3574118892" sldId="386"/>
+        </pc:sldMkLst>
+        <pc:spChg chg="mod">
+          <ac:chgData name="Uwe Ricken" userId="f02567aecbed924b" providerId="LiveId" clId="{5FE6A977-828B-4359-92F0-4AA3261FBD7C}" dt="2024-12-29T12:07:17.942" v="6616" actId="20577"/>
+          <ac:spMkLst>
+            <pc:docMk/>
+            <pc:sldMk cId="3574118892" sldId="386"/>
+            <ac:spMk id="4" creationId="{BF43101D-9209-0A9A-EA14-6723C5AC17E8}"/>
           </ac:spMkLst>
         </pc:spChg>
       </pc:sldChg>
@@ -1317,7 +1317,7 @@
           <a:p>
             <a:fld id="{54B63C78-F46A-42B2-BCDE-B4D920D39058}" type="datetimeFigureOut">
               <a:rPr lang="de-DE" smtClean="0"/>
-              <a:t>27.12.2024</a:t>
+              <a:t>29.12.2024</a:t>
             </a:fld>
             <a:endParaRPr lang="de-DE"/>
           </a:p>
@@ -1659,6 +1659,114 @@
     <p:extLst>
       <p:ext uri="{BB962C8B-B14F-4D97-AF65-F5344CB8AC3E}">
         <p14:creationId xmlns:p14="http://schemas.microsoft.com/office/powerpoint/2010/main" val="3534165857"/>
+      </p:ext>
+    </p:extLst>
+  </p:cSld>
+  <p:clrMapOvr>
+    <a:masterClrMapping/>
+  </p:clrMapOvr>
+</p:notes>
+</file>
+
+<file path=ppt/notesSlides/notesSlide2.xml><?xml version="1.0" encoding="utf-8"?>
+<p:notes xmlns:a="http://schemas.openxmlformats.org/drawingml/2006/main" xmlns:r="http://schemas.openxmlformats.org/officeDocument/2006/relationships" xmlns:p="http://schemas.openxmlformats.org/presentationml/2006/main">
+  <p:cSld>
+    <p:spTree>
+      <p:nvGrpSpPr>
+        <p:cNvPr id="1" name="">
+          <a:extLst>
+            <a:ext uri="{FF2B5EF4-FFF2-40B4-BE49-F238E27FC236}">
+              <a16:creationId xmlns:a16="http://schemas.microsoft.com/office/drawing/2014/main" id="{D83CD9E9-9056-057D-77BD-5B05C5A4C9AF}"/>
+            </a:ext>
+          </a:extLst>
+        </p:cNvPr>
+        <p:cNvGrpSpPr/>
+        <p:nvPr/>
+      </p:nvGrpSpPr>
+      <p:grpSpPr>
+        <a:xfrm>
+          <a:off x="0" y="0"/>
+          <a:ext cx="0" cy="0"/>
+          <a:chOff x="0" y="0"/>
+          <a:chExt cx="0" cy="0"/>
+        </a:xfrm>
+      </p:grpSpPr>
+      <p:sp>
+        <p:nvSpPr>
+          <p:cNvPr id="2" name="Folienbildplatzhalter 1">
+            <a:extLst>
+              <a:ext uri="{FF2B5EF4-FFF2-40B4-BE49-F238E27FC236}">
+                <a16:creationId xmlns:a16="http://schemas.microsoft.com/office/drawing/2014/main" id="{987745F1-9857-A5AB-E3E5-7CBAE0B38F68}"/>
+              </a:ext>
+            </a:extLst>
+          </p:cNvPr>
+          <p:cNvSpPr>
+            <a:spLocks noGrp="1" noRot="1" noChangeAspect="1"/>
+          </p:cNvSpPr>
+          <p:nvPr>
+            <p:ph type="sldImg"/>
+          </p:nvPr>
+        </p:nvSpPr>
+        <p:spPr/>
+      </p:sp>
+      <p:sp>
+        <p:nvSpPr>
+          <p:cNvPr id="3" name="Notizenplatzhalter 2">
+            <a:extLst>
+              <a:ext uri="{FF2B5EF4-FFF2-40B4-BE49-F238E27FC236}">
+                <a16:creationId xmlns:a16="http://schemas.microsoft.com/office/drawing/2014/main" id="{9C60F64E-B9F1-7446-7E34-F6A05CA99BE7}"/>
+              </a:ext>
+            </a:extLst>
+          </p:cNvPr>
+          <p:cNvSpPr>
+            <a:spLocks noGrp="1"/>
+          </p:cNvSpPr>
+          <p:nvPr>
+            <p:ph type="body" idx="1"/>
+          </p:nvPr>
+        </p:nvSpPr>
+        <p:spPr/>
+        <p:txBody>
+          <a:bodyPr/>
+          <a:lstStyle/>
+          <a:p>
+            <a:endParaRPr lang="de-DE" dirty="0"/>
+          </a:p>
+        </p:txBody>
+      </p:sp>
+      <p:sp>
+        <p:nvSpPr>
+          <p:cNvPr id="4" name="Foliennummernplatzhalter 3">
+            <a:extLst>
+              <a:ext uri="{FF2B5EF4-FFF2-40B4-BE49-F238E27FC236}">
+                <a16:creationId xmlns:a16="http://schemas.microsoft.com/office/drawing/2014/main" id="{26118373-AAFE-F534-2FDE-39D317160E76}"/>
+              </a:ext>
+            </a:extLst>
+          </p:cNvPr>
+          <p:cNvSpPr>
+            <a:spLocks noGrp="1"/>
+          </p:cNvSpPr>
+          <p:nvPr>
+            <p:ph type="sldNum" sz="quarter" idx="5"/>
+          </p:nvPr>
+        </p:nvSpPr>
+        <p:spPr/>
+        <p:txBody>
+          <a:bodyPr/>
+          <a:lstStyle/>
+          <a:p>
+            <a:fld id="{E4F3F98B-DCFC-47FF-B222-63D8297F3274}" type="slidenum">
+              <a:rPr lang="de-DE" smtClean="0"/>
+              <a:t>28</a:t>
+            </a:fld>
+            <a:endParaRPr lang="de-DE"/>
+          </a:p>
+        </p:txBody>
+      </p:sp>
+    </p:spTree>
+    <p:extLst>
+      <p:ext uri="{BB962C8B-B14F-4D97-AF65-F5344CB8AC3E}">
+        <p14:creationId xmlns:p14="http://schemas.microsoft.com/office/powerpoint/2010/main" val="3591049703"/>
       </p:ext>
     </p:extLst>
   </p:cSld>
@@ -9348,6 +9456,663 @@
 </p:sld>
 </file>
 
+<file path=ppt/slides/slide28.xml><?xml version="1.0" encoding="utf-8"?>
+<p:sld xmlns:a="http://schemas.openxmlformats.org/drawingml/2006/main" xmlns:r="http://schemas.openxmlformats.org/officeDocument/2006/relationships" xmlns:p="http://schemas.openxmlformats.org/presentationml/2006/main">
+  <p:cSld>
+    <p:spTree>
+      <p:nvGrpSpPr>
+        <p:cNvPr id="1" name="">
+          <a:extLst>
+            <a:ext uri="{FF2B5EF4-FFF2-40B4-BE49-F238E27FC236}">
+              <a16:creationId xmlns:a16="http://schemas.microsoft.com/office/drawing/2014/main" id="{7FF76BD3-129F-63A2-EBEE-7AC8DFEECD14}"/>
+            </a:ext>
+          </a:extLst>
+        </p:cNvPr>
+        <p:cNvGrpSpPr/>
+        <p:nvPr/>
+      </p:nvGrpSpPr>
+      <p:grpSpPr>
+        <a:xfrm>
+          <a:off x="0" y="0"/>
+          <a:ext cx="0" cy="0"/>
+          <a:chOff x="0" y="0"/>
+          <a:chExt cx="0" cy="0"/>
+        </a:xfrm>
+      </p:grpSpPr>
+      <p:sp>
+        <p:nvSpPr>
+          <p:cNvPr id="2" name="Titel 1">
+            <a:extLst>
+              <a:ext uri="{FF2B5EF4-FFF2-40B4-BE49-F238E27FC236}">
+                <a16:creationId xmlns:a16="http://schemas.microsoft.com/office/drawing/2014/main" id="{92AB9306-69F0-ED6B-F30A-75602A48C226}"/>
+              </a:ext>
+            </a:extLst>
+          </p:cNvPr>
+          <p:cNvSpPr>
+            <a:spLocks noGrp="1"/>
+          </p:cNvSpPr>
+          <p:nvPr>
+            <p:ph type="ctrTitle"/>
+          </p:nvPr>
+        </p:nvSpPr>
+        <p:spPr/>
+        <p:txBody>
+          <a:bodyPr>
+            <a:normAutofit/>
+          </a:bodyPr>
+          <a:lstStyle/>
+          <a:p>
+            <a:r>
+              <a:rPr lang="en-US" dirty="0"/>
+              <a:t>Performance optimization</a:t>
+            </a:r>
+            <a:br>
+              <a:rPr lang="en-US" dirty="0"/>
+            </a:br>
+            <a:r>
+              <a:rPr lang="en-US" dirty="0"/>
+              <a:t>of badly written SQL code</a:t>
+            </a:r>
+            <a:br>
+              <a:rPr lang="en-US" dirty="0"/>
+            </a:br>
+            <a:r>
+              <a:rPr lang="en-US" sz="2000" b="1" dirty="0">
+                <a:solidFill>
+                  <a:schemeClr val="accent6">
+                    <a:lumMod val="75000"/>
+                  </a:schemeClr>
+                </a:solidFill>
+              </a:rPr>
+              <a:t>Enhancing Database Efficiency for Faster, More Scalable Applications</a:t>
+            </a:r>
+          </a:p>
+        </p:txBody>
+      </p:sp>
+      <p:sp>
+        <p:nvSpPr>
+          <p:cNvPr id="3" name="Untertitel 2">
+            <a:extLst>
+              <a:ext uri="{FF2B5EF4-FFF2-40B4-BE49-F238E27FC236}">
+                <a16:creationId xmlns:a16="http://schemas.microsoft.com/office/drawing/2014/main" id="{9D8EEF71-C647-70C0-C517-459A56FE05E6}"/>
+              </a:ext>
+            </a:extLst>
+          </p:cNvPr>
+          <p:cNvSpPr>
+            <a:spLocks noGrp="1"/>
+          </p:cNvSpPr>
+          <p:nvPr>
+            <p:ph type="subTitle" idx="1"/>
+          </p:nvPr>
+        </p:nvSpPr>
+        <p:spPr/>
+        <p:txBody>
+          <a:bodyPr/>
+          <a:lstStyle/>
+          <a:p>
+            <a:r>
+              <a:rPr lang="en-US" dirty="0"/>
+              <a:t>Uwe Ricken</a:t>
+            </a:r>
+          </a:p>
+        </p:txBody>
+      </p:sp>
+      <p:sp>
+        <p:nvSpPr>
+          <p:cNvPr id="4" name="Textfeld 3">
+            <a:extLst>
+              <a:ext uri="{FF2B5EF4-FFF2-40B4-BE49-F238E27FC236}">
+                <a16:creationId xmlns:a16="http://schemas.microsoft.com/office/drawing/2014/main" id="{BAF66805-92F7-E2C6-D493-859914B410F8}"/>
+              </a:ext>
+            </a:extLst>
+          </p:cNvPr>
+          <p:cNvSpPr txBox="1"/>
+          <p:nvPr/>
+        </p:nvSpPr>
+        <p:spPr>
+          <a:xfrm>
+            <a:off x="337072" y="4389107"/>
+            <a:ext cx="11325835" cy="369332"/>
+          </a:xfrm>
+          <a:prstGeom prst="rect">
+            <a:avLst/>
+          </a:prstGeom>
+          <a:noFill/>
+        </p:spPr>
+        <p:txBody>
+          <a:bodyPr wrap="square" rtlCol="0">
+            <a:spAutoFit/>
+          </a:bodyPr>
+          <a:lstStyle/>
+          <a:p>
+            <a:pPr algn="ctr"/>
+            <a:r>
+              <a:rPr lang="de-DE" b="1" dirty="0">
+                <a:solidFill>
+                  <a:srgbClr val="165364"/>
+                </a:solidFill>
+                <a:latin typeface="verdana" panose="020B0604030504040204" pitchFamily="34" charset="0"/>
+                <a:hlinkClick r:id="rId3"/>
+              </a:rPr>
+              <a:t>https://github.com/uricken1964/Workshop---Making-Bad-Codes-Better</a:t>
+            </a:r>
+            <a:endParaRPr lang="de-DE" b="1" dirty="0"/>
+          </a:p>
+        </p:txBody>
+      </p:sp>
+    </p:spTree>
+    <p:extLst>
+      <p:ext uri="{BB962C8B-B14F-4D97-AF65-F5344CB8AC3E}">
+        <p14:creationId xmlns:p14="http://schemas.microsoft.com/office/powerpoint/2010/main" val="149338758"/>
+      </p:ext>
+    </p:extLst>
+  </p:cSld>
+  <p:clrMapOvr>
+    <a:masterClrMapping/>
+  </p:clrMapOvr>
+</p:sld>
+</file>
+
+<file path=ppt/slides/slide29.xml><?xml version="1.0" encoding="utf-8"?>
+<p:sld xmlns:a="http://schemas.openxmlformats.org/drawingml/2006/main" xmlns:r="http://schemas.openxmlformats.org/officeDocument/2006/relationships" xmlns:p="http://schemas.openxmlformats.org/presentationml/2006/main">
+  <p:cSld>
+    <p:spTree>
+      <p:nvGrpSpPr>
+        <p:cNvPr id="1" name="">
+          <a:extLst>
+            <a:ext uri="{FF2B5EF4-FFF2-40B4-BE49-F238E27FC236}">
+              <a16:creationId xmlns:a16="http://schemas.microsoft.com/office/drawing/2014/main" id="{B1C289F1-7238-454F-37F6-620317B11514}"/>
+            </a:ext>
+          </a:extLst>
+        </p:cNvPr>
+        <p:cNvGrpSpPr/>
+        <p:nvPr/>
+      </p:nvGrpSpPr>
+      <p:grpSpPr>
+        <a:xfrm>
+          <a:off x="0" y="0"/>
+          <a:ext cx="0" cy="0"/>
+          <a:chOff x="0" y="0"/>
+          <a:chExt cx="0" cy="0"/>
+        </a:xfrm>
+      </p:grpSpPr>
+      <p:sp>
+        <p:nvSpPr>
+          <p:cNvPr id="4" name="Titel 3">
+            <a:extLst>
+              <a:ext uri="{FF2B5EF4-FFF2-40B4-BE49-F238E27FC236}">
+                <a16:creationId xmlns:a16="http://schemas.microsoft.com/office/drawing/2014/main" id="{4EBFE694-B43C-1036-E4F6-60423CE36CAD}"/>
+              </a:ext>
+            </a:extLst>
+          </p:cNvPr>
+          <p:cNvSpPr>
+            <a:spLocks noGrp="1"/>
+          </p:cNvSpPr>
+          <p:nvPr>
+            <p:ph type="title"/>
+          </p:nvPr>
+        </p:nvSpPr>
+        <p:spPr/>
+        <p:txBody>
+          <a:bodyPr/>
+          <a:lstStyle/>
+          <a:p>
+            <a:r>
+              <a:rPr lang="de-DE" dirty="0"/>
+              <a:t>Uwe Ricken</a:t>
+            </a:r>
+            <a:br>
+              <a:rPr lang="de-DE" dirty="0"/>
+            </a:br>
+            <a:r>
+              <a:rPr lang="de-DE" sz="2400" dirty="0"/>
+              <a:t>db Berater GmbH</a:t>
+            </a:r>
+          </a:p>
+        </p:txBody>
+      </p:sp>
+      <p:sp>
+        <p:nvSpPr>
+          <p:cNvPr id="2" name="Inhaltsplatzhalter 1">
+            <a:extLst>
+              <a:ext uri="{FF2B5EF4-FFF2-40B4-BE49-F238E27FC236}">
+                <a16:creationId xmlns:a16="http://schemas.microsoft.com/office/drawing/2014/main" id="{823AE147-9675-72BE-7A1D-87EBDD25BB38}"/>
+              </a:ext>
+            </a:extLst>
+          </p:cNvPr>
+          <p:cNvSpPr>
+            <a:spLocks noGrp="1"/>
+          </p:cNvSpPr>
+          <p:nvPr>
+            <p:ph sz="half" idx="1"/>
+          </p:nvPr>
+        </p:nvSpPr>
+        <p:spPr>
+          <a:prstGeom prst="rect">
+            <a:avLst/>
+          </a:prstGeom>
+        </p:spPr>
+        <p:txBody>
+          <a:bodyPr>
+            <a:normAutofit/>
+          </a:bodyPr>
+          <a:lstStyle/>
+          <a:p>
+            <a:pPr marL="457166" lvl="1" indent="0">
+              <a:buNone/>
+            </a:pPr>
+            <a:r>
+              <a:rPr lang="en-US" sz="1400" dirty="0"/>
+              <a:t>I am working with IT-systems since early 1990's and with the main focus on </a:t>
+            </a:r>
+            <a:r>
+              <a:rPr lang="en-US" sz="1400" b="1" i="1" dirty="0">
+                <a:solidFill>
+                  <a:schemeClr val="accent5"/>
+                </a:solidFill>
+              </a:rPr>
+              <a:t>Microsoft SQL Server </a:t>
+            </a:r>
+            <a:r>
+              <a:rPr lang="en-US" sz="1400" dirty="0"/>
+              <a:t>since version 6.0. I started with development of database applications in 1998 with a professional CRM-System based on Microsoft products (Microsoft Office and </a:t>
+            </a:r>
+            <a:r>
+              <a:rPr lang="en-US" sz="1400" b="1" i="1" dirty="0">
+                <a:solidFill>
+                  <a:schemeClr val="accent5"/>
+                </a:solidFill>
+              </a:rPr>
+              <a:t>Microsoft SQL Server</a:t>
+            </a:r>
+            <a:r>
+              <a:rPr lang="en-US" sz="1400" dirty="0"/>
+              <a:t>).</a:t>
+            </a:r>
+          </a:p>
+          <a:p>
+            <a:pPr marL="457166" lvl="1" indent="0">
+              <a:buNone/>
+            </a:pPr>
+            <a:br>
+              <a:rPr lang="en-US" sz="1400" dirty="0"/>
+            </a:br>
+            <a:r>
+              <a:rPr lang="en-US" sz="1400" dirty="0"/>
+              <a:t>Since 2008 I'm focused exclusively on </a:t>
+            </a:r>
+            <a:r>
+              <a:rPr lang="en-US" sz="1400" b="1" i="1" dirty="0">
+                <a:solidFill>
+                  <a:schemeClr val="accent5"/>
+                </a:solidFill>
+              </a:rPr>
+              <a:t>Microsoft SQL Server</a:t>
+            </a:r>
+            <a:r>
+              <a:rPr lang="en-US" sz="1400" dirty="0"/>
+              <a:t> and I was working in 3rd level support teams for enterprise companies, banks and insurances.</a:t>
+            </a:r>
+          </a:p>
+          <a:p>
+            <a:pPr marL="457166" lvl="1" indent="0">
+              <a:buNone/>
+            </a:pPr>
+            <a:endParaRPr lang="en-US" sz="1400" dirty="0"/>
+          </a:p>
+          <a:p>
+            <a:pPr marL="457166" lvl="1" indent="0">
+              <a:buNone/>
+            </a:pPr>
+            <a:r>
+              <a:rPr lang="en-US" sz="1400" dirty="0"/>
+              <a:t>Since May 2013 I'm a </a:t>
+            </a:r>
+            <a:r>
+              <a:rPr lang="en-US" sz="1400" b="1" dirty="0">
+                <a:solidFill>
+                  <a:srgbClr val="FF0000"/>
+                </a:solidFill>
+              </a:rPr>
+              <a:t>Microsoft Certified Master: SQL Server 2008 </a:t>
+            </a:r>
+            <a:r>
+              <a:rPr lang="en-US" sz="1400" dirty="0"/>
+              <a:t>which was an amazing way into the depth of </a:t>
+            </a:r>
+            <a:r>
+              <a:rPr lang="en-US" sz="1400" b="1" i="1" dirty="0">
+                <a:solidFill>
+                  <a:schemeClr val="accent5"/>
+                </a:solidFill>
+              </a:rPr>
+              <a:t>Microsoft SQL Server</a:t>
+            </a:r>
+            <a:r>
+              <a:rPr lang="en-US" sz="1400" dirty="0"/>
+              <a:t>.</a:t>
+            </a:r>
+          </a:p>
+          <a:p>
+            <a:pPr marL="457166" lvl="1" indent="0">
+              <a:buNone/>
+            </a:pPr>
+            <a:endParaRPr lang="en-US" sz="1400" dirty="0"/>
+          </a:p>
+          <a:p>
+            <a:pPr marL="457166" lvl="1" indent="0">
+              <a:buNone/>
+            </a:pPr>
+            <a:r>
+              <a:rPr lang="en-US" sz="1400" dirty="0"/>
+              <a:t>In July 2013 I have been awarded with the MVP Award for </a:t>
+            </a:r>
+            <a:r>
+              <a:rPr lang="en-US" sz="1400" b="1" i="1" dirty="0">
+                <a:solidFill>
+                  <a:schemeClr val="accent5"/>
+                </a:solidFill>
+              </a:rPr>
+              <a:t>Microsoft SQL Server</a:t>
+            </a:r>
+            <a:r>
+              <a:rPr lang="en-US" sz="1400" dirty="0"/>
+              <a:t>.</a:t>
+            </a:r>
+            <a:endParaRPr lang="de-DE" sz="1400" dirty="0"/>
+          </a:p>
+        </p:txBody>
+      </p:sp>
+      <p:sp>
+        <p:nvSpPr>
+          <p:cNvPr id="6" name="Textplatzhalter 5">
+            <a:extLst>
+              <a:ext uri="{FF2B5EF4-FFF2-40B4-BE49-F238E27FC236}">
+                <a16:creationId xmlns:a16="http://schemas.microsoft.com/office/drawing/2014/main" id="{F3F8CA9D-1575-616F-3AE4-C247EA022D12}"/>
+              </a:ext>
+            </a:extLst>
+          </p:cNvPr>
+          <p:cNvSpPr>
+            <a:spLocks noGrp="1"/>
+          </p:cNvSpPr>
+          <p:nvPr>
+            <p:ph sz="half" idx="2"/>
+          </p:nvPr>
+        </p:nvSpPr>
+        <p:spPr>
+          <a:prstGeom prst="rect">
+            <a:avLst/>
+          </a:prstGeom>
+        </p:spPr>
+        <p:txBody>
+          <a:bodyPr>
+            <a:noAutofit/>
+          </a:bodyPr>
+          <a:lstStyle/>
+          <a:p>
+            <a:pPr marL="0" indent="0">
+              <a:buNone/>
+              <a:tabLst>
+                <a:tab pos="903243" algn="l"/>
+              </a:tabLst>
+            </a:pPr>
+            <a:r>
+              <a:rPr lang="de-DE" sz="1400" b="1" dirty="0" err="1"/>
+              <a:t>www</a:t>
+            </a:r>
+            <a:r>
+              <a:rPr lang="de-DE" sz="1400" dirty="0"/>
+              <a:t>:	</a:t>
+            </a:r>
+            <a:r>
+              <a:rPr lang="de-DE" sz="1400" dirty="0">
+                <a:hlinkClick r:id="rId2"/>
+              </a:rPr>
+              <a:t>http://www.db-berater.de</a:t>
+            </a:r>
+            <a:endParaRPr lang="de-DE" sz="1400" dirty="0"/>
+          </a:p>
+          <a:p>
+            <a:pPr marL="0" indent="0">
+              <a:buNone/>
+              <a:tabLst>
+                <a:tab pos="903243" algn="l"/>
+              </a:tabLst>
+            </a:pPr>
+            <a:r>
+              <a:rPr lang="de-DE" sz="1400" b="1" dirty="0"/>
+              <a:t>email</a:t>
+            </a:r>
+            <a:r>
+              <a:rPr lang="de-DE" sz="1400" dirty="0"/>
+              <a:t>:	</a:t>
+            </a:r>
+            <a:r>
+              <a:rPr lang="de-DE" sz="1400" dirty="0">
+                <a:hlinkClick r:id="rId3"/>
+              </a:rPr>
+              <a:t>uwe.ricken@db-berater.de</a:t>
+            </a:r>
+            <a:endParaRPr lang="de-DE" sz="1400" dirty="0"/>
+          </a:p>
+          <a:p>
+            <a:pPr marL="0" indent="0">
+              <a:buNone/>
+              <a:tabLst>
+                <a:tab pos="903243" algn="l"/>
+              </a:tabLst>
+            </a:pPr>
+            <a:r>
+              <a:rPr lang="de-DE" sz="1400" b="1" dirty="0" err="1"/>
+              <a:t>blog</a:t>
+            </a:r>
+            <a:r>
+              <a:rPr lang="de-DE" sz="1400" dirty="0"/>
+              <a:t>:	</a:t>
+            </a:r>
+            <a:r>
+              <a:rPr lang="de-DE" sz="1400" dirty="0">
+                <a:hlinkClick r:id="rId4"/>
+              </a:rPr>
+              <a:t>http://www.sqlmaster.de</a:t>
+            </a:r>
+            <a:endParaRPr lang="de-DE" sz="1400" dirty="0"/>
+          </a:p>
+          <a:p>
+            <a:pPr marL="0" indent="0">
+              <a:buNone/>
+              <a:tabLst>
+                <a:tab pos="903243" algn="l"/>
+              </a:tabLst>
+            </a:pPr>
+            <a:r>
+              <a:rPr lang="de-DE" sz="1400" dirty="0"/>
+              <a:t>LinkedIn:	</a:t>
+            </a:r>
+            <a:r>
+              <a:rPr lang="de-DE" sz="1400" dirty="0">
+                <a:hlinkClick r:id="rId5"/>
+              </a:rPr>
+              <a:t>https://www.linkedin.com/in/uwericken</a:t>
+            </a:r>
+            <a:endParaRPr lang="de-DE" sz="1400" dirty="0"/>
+          </a:p>
+          <a:p>
+            <a:pPr marL="0" indent="0">
+              <a:buNone/>
+              <a:tabLst>
+                <a:tab pos="903243" algn="l"/>
+              </a:tabLst>
+            </a:pPr>
+            <a:endParaRPr lang="de-DE" sz="1400" dirty="0"/>
+          </a:p>
+          <a:p>
+            <a:pPr marL="0" indent="0">
+              <a:buNone/>
+              <a:tabLst>
+                <a:tab pos="903243" algn="l"/>
+              </a:tabLst>
+            </a:pPr>
+            <a:endParaRPr lang="de-DE" sz="1400" dirty="0"/>
+          </a:p>
+        </p:txBody>
+      </p:sp>
+      <p:pic>
+        <p:nvPicPr>
+          <p:cNvPr id="7" name="Grafik 6">
+            <a:extLst>
+              <a:ext uri="{FF2B5EF4-FFF2-40B4-BE49-F238E27FC236}">
+                <a16:creationId xmlns:a16="http://schemas.microsoft.com/office/drawing/2014/main" id="{2ED1F381-15F0-0F93-CB70-E56765532E8D}"/>
+              </a:ext>
+            </a:extLst>
+          </p:cNvPr>
+          <p:cNvPicPr>
+            <a:picLocks noChangeAspect="1"/>
+          </p:cNvPicPr>
+          <p:nvPr/>
+        </p:nvPicPr>
+        <p:blipFill>
+          <a:blip r:embed="rId6">
+            <a:extLst>
+              <a:ext uri="{28A0092B-C50C-407E-A947-70E740481C1C}">
+                <a14:useLocalDpi xmlns:a14="http://schemas.microsoft.com/office/drawing/2010/main" val="0"/>
+              </a:ext>
+            </a:extLst>
+          </a:blip>
+          <a:stretch>
+            <a:fillRect/>
+          </a:stretch>
+        </p:blipFill>
+        <p:spPr>
+          <a:xfrm>
+            <a:off x="8544272" y="3494589"/>
+            <a:ext cx="1143000" cy="835819"/>
+          </a:xfrm>
+          <a:prstGeom prst="rect">
+            <a:avLst/>
+          </a:prstGeom>
+        </p:spPr>
+      </p:pic>
+      <p:pic>
+        <p:nvPicPr>
+          <p:cNvPr id="8" name="Grafik 7">
+            <a:extLst>
+              <a:ext uri="{FF2B5EF4-FFF2-40B4-BE49-F238E27FC236}">
+                <a16:creationId xmlns:a16="http://schemas.microsoft.com/office/drawing/2014/main" id="{506EB400-85F4-B5EC-4437-B2820189B66A}"/>
+              </a:ext>
+            </a:extLst>
+          </p:cNvPr>
+          <p:cNvPicPr>
+            <a:picLocks noChangeAspect="1"/>
+          </p:cNvPicPr>
+          <p:nvPr/>
+        </p:nvPicPr>
+        <p:blipFill>
+          <a:blip r:embed="rId7">
+            <a:extLst>
+              <a:ext uri="{28A0092B-C50C-407E-A947-70E740481C1C}">
+                <a14:useLocalDpi xmlns:a14="http://schemas.microsoft.com/office/drawing/2010/main" val="0"/>
+              </a:ext>
+            </a:extLst>
+          </a:blip>
+          <a:stretch>
+            <a:fillRect/>
+          </a:stretch>
+        </p:blipFill>
+        <p:spPr>
+          <a:xfrm>
+            <a:off x="9890472" y="3494589"/>
+            <a:ext cx="1143000" cy="857251"/>
+          </a:xfrm>
+          <a:prstGeom prst="rect">
+            <a:avLst/>
+          </a:prstGeom>
+        </p:spPr>
+      </p:pic>
+      <p:pic>
+        <p:nvPicPr>
+          <p:cNvPr id="9" name="Grafik 8">
+            <a:extLst>
+              <a:ext uri="{FF2B5EF4-FFF2-40B4-BE49-F238E27FC236}">
+                <a16:creationId xmlns:a16="http://schemas.microsoft.com/office/drawing/2014/main" id="{F89EEA63-3C62-10F0-909D-E8D8CDD7FD3D}"/>
+              </a:ext>
+            </a:extLst>
+          </p:cNvPr>
+          <p:cNvPicPr>
+            <a:picLocks noChangeAspect="1"/>
+          </p:cNvPicPr>
+          <p:nvPr/>
+        </p:nvPicPr>
+        <p:blipFill>
+          <a:blip r:embed="rId8" cstate="print">
+            <a:extLst>
+              <a:ext uri="{28A0092B-C50C-407E-A947-70E740481C1C}">
+                <a14:useLocalDpi xmlns:a14="http://schemas.microsoft.com/office/drawing/2010/main" val="0"/>
+              </a:ext>
+            </a:extLst>
+          </a:blip>
+          <a:stretch>
+            <a:fillRect/>
+          </a:stretch>
+        </p:blipFill>
+        <p:spPr>
+          <a:xfrm>
+            <a:off x="8544273" y="4682333"/>
+            <a:ext cx="1458955" cy="598545"/>
+          </a:xfrm>
+          <a:prstGeom prst="rect">
+            <a:avLst/>
+          </a:prstGeom>
+        </p:spPr>
+      </p:pic>
+      <p:pic>
+        <p:nvPicPr>
+          <p:cNvPr id="5" name="Grafik 4" descr="Ein Bild, das Person, Mann, Brille, tragen enthält.&#10;&#10;Automatisch generierte Beschreibung">
+            <a:extLst>
+              <a:ext uri="{FF2B5EF4-FFF2-40B4-BE49-F238E27FC236}">
+                <a16:creationId xmlns:a16="http://schemas.microsoft.com/office/drawing/2014/main" id="{FC812551-D60F-E16A-1C75-97E32FDFE934}"/>
+              </a:ext>
+            </a:extLst>
+          </p:cNvPr>
+          <p:cNvPicPr>
+            <a:picLocks noChangeAspect="1"/>
+          </p:cNvPicPr>
+          <p:nvPr/>
+        </p:nvPicPr>
+        <p:blipFill rotWithShape="1">
+          <a:blip r:embed="rId9">
+            <a:extLst>
+              <a:ext uri="{28A0092B-C50C-407E-A947-70E740481C1C}">
+                <a14:useLocalDpi xmlns:a14="http://schemas.microsoft.com/office/drawing/2010/main" val="0"/>
+              </a:ext>
+            </a:extLst>
+          </a:blip>
+          <a:srcRect l="38258"/>
+          <a:stretch/>
+        </p:blipFill>
+        <p:spPr>
+          <a:xfrm>
+            <a:off x="6499642" y="3429000"/>
+            <a:ext cx="1715073" cy="1851877"/>
+          </a:xfrm>
+          <a:prstGeom prst="rect">
+            <a:avLst/>
+          </a:prstGeom>
+        </p:spPr>
+      </p:pic>
+    </p:spTree>
+    <p:extLst>
+      <p:ext uri="{BB962C8B-B14F-4D97-AF65-F5344CB8AC3E}">
+        <p14:creationId xmlns:p14="http://schemas.microsoft.com/office/powerpoint/2010/main" val="1302213217"/>
+      </p:ext>
+    </p:extLst>
+  </p:cSld>
+  <p:clrMapOvr>
+    <a:masterClrMapping/>
+  </p:clrMapOvr>
+</p:sld>
+</file>
+
 <file path=ppt/slides/slide3.xml><?xml version="1.0" encoding="utf-8"?>
 <p:sld xmlns:a="http://schemas.openxmlformats.org/drawingml/2006/main" xmlns:r="http://schemas.openxmlformats.org/officeDocument/2006/relationships" xmlns:p="http://schemas.openxmlformats.org/presentationml/2006/main">
   <p:cSld>
@@ -9491,6 +10256,1970 @@
 </p:sld>
 </file>
 
+<file path=ppt/slides/slide30.xml><?xml version="1.0" encoding="utf-8"?>
+<p:sld xmlns:a="http://schemas.openxmlformats.org/drawingml/2006/main" xmlns:r="http://schemas.openxmlformats.org/officeDocument/2006/relationships" xmlns:p="http://schemas.openxmlformats.org/presentationml/2006/main">
+  <p:cSld>
+    <p:spTree>
+      <p:nvGrpSpPr>
+        <p:cNvPr id="1" name="">
+          <a:extLst>
+            <a:ext uri="{FF2B5EF4-FFF2-40B4-BE49-F238E27FC236}">
+              <a16:creationId xmlns:a16="http://schemas.microsoft.com/office/drawing/2014/main" id="{0FE49F49-1445-8FD1-1A80-85A8599CD91A}"/>
+            </a:ext>
+          </a:extLst>
+        </p:cNvPr>
+        <p:cNvGrpSpPr/>
+        <p:nvPr/>
+      </p:nvGrpSpPr>
+      <p:grpSpPr>
+        <a:xfrm>
+          <a:off x="0" y="0"/>
+          <a:ext cx="0" cy="0"/>
+          <a:chOff x="0" y="0"/>
+          <a:chExt cx="0" cy="0"/>
+        </a:xfrm>
+      </p:grpSpPr>
+      <p:sp>
+        <p:nvSpPr>
+          <p:cNvPr id="5" name="Titel 4">
+            <a:extLst>
+              <a:ext uri="{FF2B5EF4-FFF2-40B4-BE49-F238E27FC236}">
+                <a16:creationId xmlns:a16="http://schemas.microsoft.com/office/drawing/2014/main" id="{2EB9AA48-DE16-8C46-27C7-CC1ED98FEEDC}"/>
+              </a:ext>
+            </a:extLst>
+          </p:cNvPr>
+          <p:cNvSpPr>
+            <a:spLocks noGrp="1"/>
+          </p:cNvSpPr>
+          <p:nvPr>
+            <p:ph type="title"/>
+          </p:nvPr>
+        </p:nvSpPr>
+        <p:spPr/>
+        <p:txBody>
+          <a:bodyPr/>
+          <a:lstStyle/>
+          <a:p>
+            <a:r>
+              <a:rPr lang="de-DE" dirty="0"/>
+              <a:t>Break Times</a:t>
+            </a:r>
+          </a:p>
+        </p:txBody>
+      </p:sp>
+      <p:sp>
+        <p:nvSpPr>
+          <p:cNvPr id="6" name="Inhaltsplatzhalter 5">
+            <a:extLst>
+              <a:ext uri="{FF2B5EF4-FFF2-40B4-BE49-F238E27FC236}">
+                <a16:creationId xmlns:a16="http://schemas.microsoft.com/office/drawing/2014/main" id="{1A59CA95-7BC5-5A03-3FAC-E0EE945073F9}"/>
+              </a:ext>
+            </a:extLst>
+          </p:cNvPr>
+          <p:cNvSpPr>
+            <a:spLocks noGrp="1"/>
+          </p:cNvSpPr>
+          <p:nvPr>
+            <p:ph idx="1"/>
+          </p:nvPr>
+        </p:nvSpPr>
+        <p:spPr/>
+        <p:txBody>
+          <a:bodyPr>
+            <a:normAutofit/>
+          </a:bodyPr>
+          <a:lstStyle/>
+          <a:p>
+            <a:pPr lvl="1"/>
+            <a:r>
+              <a:rPr lang="de-DE" dirty="0"/>
+              <a:t>09:00 – 10:30		Session</a:t>
+            </a:r>
+            <a:br>
+              <a:rPr lang="de-DE" dirty="0"/>
+            </a:br>
+            <a:endParaRPr lang="de-DE" dirty="0"/>
+          </a:p>
+          <a:p>
+            <a:pPr lvl="1"/>
+            <a:r>
+              <a:rPr lang="de-DE" dirty="0"/>
+              <a:t>10:30 – 11:00		Coffee Break</a:t>
+            </a:r>
+            <a:br>
+              <a:rPr lang="de-DE" dirty="0"/>
+            </a:br>
+            <a:endParaRPr lang="de-DE" dirty="0"/>
+          </a:p>
+          <a:p>
+            <a:pPr lvl="1"/>
+            <a:r>
+              <a:rPr lang="de-DE" dirty="0"/>
+              <a:t>11:00 – 12:30		Session</a:t>
+            </a:r>
+            <a:br>
+              <a:rPr lang="de-DE" dirty="0"/>
+            </a:br>
+            <a:endParaRPr lang="de-DE" dirty="0"/>
+          </a:p>
+          <a:p>
+            <a:pPr lvl="1"/>
+            <a:r>
+              <a:rPr lang="de-DE" dirty="0"/>
+              <a:t>12:30 – 13:30		Lunch Break</a:t>
+            </a:r>
+            <a:br>
+              <a:rPr lang="de-DE" dirty="0"/>
+            </a:br>
+            <a:endParaRPr lang="de-DE" dirty="0"/>
+          </a:p>
+          <a:p>
+            <a:pPr lvl="1"/>
+            <a:r>
+              <a:rPr lang="de-DE" dirty="0"/>
+              <a:t>13:30 – 15:00		Session</a:t>
+            </a:r>
+            <a:br>
+              <a:rPr lang="de-DE" dirty="0"/>
+            </a:br>
+            <a:endParaRPr lang="de-DE" dirty="0"/>
+          </a:p>
+          <a:p>
+            <a:pPr lvl="1"/>
+            <a:r>
+              <a:rPr lang="de-DE" dirty="0"/>
+              <a:t>15:00 – 15:30		Coffee Break</a:t>
+            </a:r>
+            <a:br>
+              <a:rPr lang="de-DE" dirty="0"/>
+            </a:br>
+            <a:endParaRPr lang="de-DE" dirty="0"/>
+          </a:p>
+          <a:p>
+            <a:pPr lvl="1"/>
+            <a:r>
+              <a:rPr lang="de-DE" dirty="0"/>
+              <a:t>15:30 – 16:45 / 17:00	Session</a:t>
+            </a:r>
+          </a:p>
+        </p:txBody>
+      </p:sp>
+    </p:spTree>
+    <p:extLst>
+      <p:ext uri="{BB962C8B-B14F-4D97-AF65-F5344CB8AC3E}">
+        <p14:creationId xmlns:p14="http://schemas.microsoft.com/office/powerpoint/2010/main" val="300652429"/>
+      </p:ext>
+    </p:extLst>
+  </p:cSld>
+  <p:clrMapOvr>
+    <a:masterClrMapping/>
+  </p:clrMapOvr>
+</p:sld>
+</file>
+
+<file path=ppt/slides/slide31.xml><?xml version="1.0" encoding="utf-8"?>
+<p:sld xmlns:a="http://schemas.openxmlformats.org/drawingml/2006/main" xmlns:r="http://schemas.openxmlformats.org/officeDocument/2006/relationships" xmlns:p="http://schemas.openxmlformats.org/presentationml/2006/main">
+  <p:cSld>
+    <p:spTree>
+      <p:nvGrpSpPr>
+        <p:cNvPr id="1" name="">
+          <a:extLst>
+            <a:ext uri="{FF2B5EF4-FFF2-40B4-BE49-F238E27FC236}">
+              <a16:creationId xmlns:a16="http://schemas.microsoft.com/office/drawing/2014/main" id="{98AF3503-EF3E-15BB-C6F6-5FF786137E4E}"/>
+            </a:ext>
+          </a:extLst>
+        </p:cNvPr>
+        <p:cNvGrpSpPr/>
+        <p:nvPr/>
+      </p:nvGrpSpPr>
+      <p:grpSpPr>
+        <a:xfrm>
+          <a:off x="0" y="0"/>
+          <a:ext cx="0" cy="0"/>
+          <a:chOff x="0" y="0"/>
+          <a:chExt cx="0" cy="0"/>
+        </a:xfrm>
+      </p:grpSpPr>
+      <p:sp>
+        <p:nvSpPr>
+          <p:cNvPr id="2" name="Titel 1">
+            <a:extLst>
+              <a:ext uri="{FF2B5EF4-FFF2-40B4-BE49-F238E27FC236}">
+                <a16:creationId xmlns:a16="http://schemas.microsoft.com/office/drawing/2014/main" id="{3FF76EFF-BE30-C725-F746-D07D1A4460E0}"/>
+              </a:ext>
+            </a:extLst>
+          </p:cNvPr>
+          <p:cNvSpPr>
+            <a:spLocks noGrp="1"/>
+          </p:cNvSpPr>
+          <p:nvPr>
+            <p:ph type="title"/>
+          </p:nvPr>
+        </p:nvSpPr>
+        <p:spPr/>
+        <p:txBody>
+          <a:bodyPr/>
+          <a:lstStyle/>
+          <a:p>
+            <a:r>
+              <a:rPr lang="en-US" dirty="0"/>
+              <a:t>Action List</a:t>
+            </a:r>
+          </a:p>
+        </p:txBody>
+      </p:sp>
+      <p:sp>
+        <p:nvSpPr>
+          <p:cNvPr id="3" name="Inhaltsplatzhalter 2">
+            <a:extLst>
+              <a:ext uri="{FF2B5EF4-FFF2-40B4-BE49-F238E27FC236}">
+                <a16:creationId xmlns:a16="http://schemas.microsoft.com/office/drawing/2014/main" id="{EBACF0D0-06BF-FDC9-B57D-8996C0BB70A4}"/>
+              </a:ext>
+            </a:extLst>
+          </p:cNvPr>
+          <p:cNvSpPr>
+            <a:spLocks noGrp="1"/>
+          </p:cNvSpPr>
+          <p:nvPr>
+            <p:ph sz="half" idx="1"/>
+          </p:nvPr>
+        </p:nvSpPr>
+        <p:spPr>
+          <a:xfrm>
+            <a:off x="334964" y="1665288"/>
+            <a:ext cx="7333384" cy="4572000"/>
+          </a:xfrm>
+        </p:spPr>
+        <p:txBody>
+          <a:bodyPr>
+            <a:normAutofit/>
+          </a:bodyPr>
+          <a:lstStyle/>
+          <a:p>
+            <a:r>
+              <a:rPr lang="en-US" sz="1600" dirty="0"/>
+              <a:t>Download </a:t>
+            </a:r>
+            <a:r>
+              <a:rPr lang="en-US" sz="1600" dirty="0" err="1"/>
+              <a:t>ERP_Demo</a:t>
+            </a:r>
+            <a:r>
+              <a:rPr lang="en-US" sz="1600" dirty="0"/>
+              <a:t> Database</a:t>
+            </a:r>
+            <a:br>
+              <a:rPr lang="en-US" sz="1600" dirty="0"/>
+            </a:br>
+            <a:r>
+              <a:rPr lang="en-US" sz="1600" dirty="0">
+                <a:hlinkClick r:id="rId2"/>
+              </a:rPr>
+              <a:t>https://www.db-berater.de/downloads/ERP_DEMO_2012.BAK</a:t>
+            </a:r>
+            <a:endParaRPr lang="en-US" sz="1600" dirty="0"/>
+          </a:p>
+          <a:p>
+            <a:r>
+              <a:rPr lang="en-US" sz="1600" dirty="0"/>
+              <a:t>Download Workshop Solution</a:t>
+            </a:r>
+            <a:br>
+              <a:rPr lang="en-US" sz="1600" dirty="0"/>
+            </a:br>
+            <a:r>
+              <a:rPr lang="en-US" sz="1600" dirty="0">
+                <a:hlinkClick r:id="rId3"/>
+              </a:rPr>
+              <a:t>https://github.com/uricken1964/Workshop---Making-Bad-Codes-Better</a:t>
+            </a:r>
+            <a:endParaRPr lang="en-US" sz="1600" dirty="0"/>
+          </a:p>
+          <a:p>
+            <a:r>
+              <a:rPr lang="en-US" sz="1600" dirty="0"/>
+              <a:t>Open the SSMS Project File in SSMS</a:t>
+            </a:r>
+          </a:p>
+          <a:p>
+            <a:r>
+              <a:rPr lang="en-US" sz="1600" dirty="0"/>
+              <a:t>Execute the following scripts</a:t>
+            </a:r>
+          </a:p>
+          <a:p>
+            <a:pPr lvl="1"/>
+            <a:r>
+              <a:rPr lang="en-US" sz="1600" b="1" dirty="0">
+                <a:solidFill>
+                  <a:schemeClr val="accent5">
+                    <a:lumMod val="50000"/>
+                  </a:schemeClr>
+                </a:solidFill>
+                <a:latin typeface="Lucida Console" panose="020B0609040504020204" pitchFamily="49" charset="0"/>
+              </a:rPr>
+              <a:t>0000 - </a:t>
+            </a:r>
+            <a:r>
+              <a:rPr lang="en-US" sz="1600" b="1" dirty="0" err="1">
+                <a:solidFill>
+                  <a:schemeClr val="accent5">
+                    <a:lumMod val="50000"/>
+                  </a:schemeClr>
+                </a:solidFill>
+                <a:latin typeface="Lucida Console" panose="020B0609040504020204" pitchFamily="49" charset="0"/>
+              </a:rPr>
+              <a:t>dbo.sp_restore_erp_demo.sql</a:t>
+            </a:r>
+            <a:endParaRPr lang="en-US" sz="1600" b="1" dirty="0">
+              <a:solidFill>
+                <a:schemeClr val="accent5">
+                  <a:lumMod val="50000"/>
+                </a:schemeClr>
+              </a:solidFill>
+              <a:latin typeface="Lucida Console" panose="020B0609040504020204" pitchFamily="49" charset="0"/>
+            </a:endParaRPr>
+          </a:p>
+          <a:p>
+            <a:pPr lvl="1"/>
+            <a:r>
+              <a:rPr lang="en-US" sz="1600" b="1" dirty="0">
+                <a:solidFill>
+                  <a:schemeClr val="accent5">
+                    <a:lumMod val="50000"/>
+                  </a:schemeClr>
+                </a:solidFill>
+                <a:latin typeface="Lucida Console" panose="020B0609040504020204" pitchFamily="49" charset="0"/>
+              </a:rPr>
+              <a:t>0002 - Preparation of demo </a:t>
+            </a:r>
+            <a:r>
+              <a:rPr lang="en-US" sz="1600" b="1" dirty="0" err="1">
+                <a:solidFill>
+                  <a:schemeClr val="accent5">
+                    <a:lumMod val="50000"/>
+                  </a:schemeClr>
+                </a:solidFill>
+                <a:latin typeface="Lucida Console" panose="020B0609040504020204" pitchFamily="49" charset="0"/>
+              </a:rPr>
+              <a:t>databases.sql</a:t>
+            </a:r>
+            <a:endParaRPr lang="en-US" sz="1600" b="1" dirty="0">
+              <a:solidFill>
+                <a:schemeClr val="accent5">
+                  <a:lumMod val="50000"/>
+                </a:schemeClr>
+              </a:solidFill>
+              <a:latin typeface="Lucida Console" panose="020B0609040504020204" pitchFamily="49" charset="0"/>
+            </a:endParaRPr>
+          </a:p>
+          <a:p>
+            <a:r>
+              <a:rPr lang="en-US" sz="1600" dirty="0"/>
+              <a:t>Check the version of the demo database</a:t>
+            </a:r>
+            <a:br>
+              <a:rPr lang="en-US" sz="1600" dirty="0"/>
+            </a:br>
+            <a:r>
+              <a:rPr lang="en-US" sz="1600" dirty="0">
+                <a:solidFill>
+                  <a:srgbClr val="0000FF"/>
+                </a:solidFill>
+                <a:highlight>
+                  <a:srgbClr val="FFFFFF"/>
+                </a:highlight>
+                <a:latin typeface="Cascadia Mono" panose="020B0609020000020004" pitchFamily="49" charset="0"/>
+              </a:rPr>
+              <a:t>SELECT</a:t>
+            </a:r>
+            <a:r>
+              <a:rPr lang="en-US" sz="1600" dirty="0">
+                <a:solidFill>
+                  <a:srgbClr val="000000"/>
+                </a:solidFill>
+                <a:highlight>
+                  <a:srgbClr val="FFFFFF"/>
+                </a:highlight>
+                <a:latin typeface="Cascadia Mono" panose="020B0609020000020004" pitchFamily="49" charset="0"/>
+              </a:rPr>
+              <a:t> </a:t>
+            </a:r>
+            <a:r>
+              <a:rPr lang="en-US" sz="1600" dirty="0">
+                <a:solidFill>
+                  <a:srgbClr val="808080"/>
+                </a:solidFill>
+                <a:highlight>
+                  <a:srgbClr val="FFFFFF"/>
+                </a:highlight>
+                <a:latin typeface="Cascadia Mono" panose="020B0609020000020004" pitchFamily="49" charset="0"/>
+              </a:rPr>
+              <a:t>*</a:t>
+            </a:r>
+            <a:r>
+              <a:rPr lang="en-US" sz="1600" dirty="0">
+                <a:solidFill>
+                  <a:srgbClr val="000000"/>
+                </a:solidFill>
+                <a:highlight>
+                  <a:srgbClr val="FFFFFF"/>
+                </a:highlight>
+                <a:latin typeface="Cascadia Mono" panose="020B0609020000020004" pitchFamily="49" charset="0"/>
+              </a:rPr>
+              <a:t> </a:t>
+            </a:r>
+            <a:r>
+              <a:rPr lang="en-US" sz="1600" dirty="0">
+                <a:solidFill>
+                  <a:srgbClr val="0000FF"/>
+                </a:solidFill>
+                <a:highlight>
+                  <a:srgbClr val="FFFFFF"/>
+                </a:highlight>
+                <a:latin typeface="Cascadia Mono" panose="020B0609020000020004" pitchFamily="49" charset="0"/>
+              </a:rPr>
+              <a:t>FROM</a:t>
+            </a:r>
+            <a:r>
+              <a:rPr lang="en-US" sz="1600" dirty="0">
+                <a:solidFill>
+                  <a:srgbClr val="000000"/>
+                </a:solidFill>
+                <a:highlight>
+                  <a:srgbClr val="FFFFFF"/>
+                </a:highlight>
+                <a:latin typeface="Cascadia Mono" panose="020B0609020000020004" pitchFamily="49" charset="0"/>
+              </a:rPr>
+              <a:t> </a:t>
+            </a:r>
+            <a:r>
+              <a:rPr lang="en-US" sz="1600" dirty="0" err="1">
+                <a:solidFill>
+                  <a:srgbClr val="000000"/>
+                </a:solidFill>
+                <a:highlight>
+                  <a:srgbClr val="FFFFFF"/>
+                </a:highlight>
+                <a:latin typeface="Cascadia Mono" panose="020B0609020000020004" pitchFamily="49" charset="0"/>
+              </a:rPr>
+              <a:t>ERP_Demo</a:t>
+            </a:r>
+            <a:r>
+              <a:rPr lang="en-US" sz="1600" dirty="0" err="1">
+                <a:solidFill>
+                  <a:srgbClr val="808080"/>
+                </a:solidFill>
+                <a:highlight>
+                  <a:srgbClr val="FFFFFF"/>
+                </a:highlight>
+                <a:latin typeface="Cascadia Mono" panose="020B0609020000020004" pitchFamily="49" charset="0"/>
+              </a:rPr>
+              <a:t>.</a:t>
+            </a:r>
+            <a:r>
+              <a:rPr lang="en-US" sz="1600" dirty="0" err="1">
+                <a:solidFill>
+                  <a:srgbClr val="000000"/>
+                </a:solidFill>
+                <a:highlight>
+                  <a:srgbClr val="FFFFFF"/>
+                </a:highlight>
+                <a:latin typeface="Cascadia Mono" panose="020B0609020000020004" pitchFamily="49" charset="0"/>
+              </a:rPr>
+              <a:t>dbo</a:t>
+            </a:r>
+            <a:r>
+              <a:rPr lang="en-US" sz="1600" dirty="0" err="1">
+                <a:solidFill>
+                  <a:srgbClr val="808080"/>
+                </a:solidFill>
+                <a:highlight>
+                  <a:srgbClr val="FFFFFF"/>
+                </a:highlight>
+                <a:latin typeface="Cascadia Mono" panose="020B0609020000020004" pitchFamily="49" charset="0"/>
+              </a:rPr>
+              <a:t>.</a:t>
+            </a:r>
+            <a:r>
+              <a:rPr lang="en-US" sz="1600" dirty="0" err="1">
+                <a:solidFill>
+                  <a:srgbClr val="000000"/>
+                </a:solidFill>
+                <a:highlight>
+                  <a:srgbClr val="FFFFFF"/>
+                </a:highlight>
+                <a:latin typeface="Cascadia Mono" panose="020B0609020000020004" pitchFamily="49" charset="0"/>
+              </a:rPr>
+              <a:t>get_database_help_info</a:t>
+            </a:r>
+            <a:r>
+              <a:rPr lang="en-US" sz="1600" dirty="0">
+                <a:solidFill>
+                  <a:srgbClr val="808080"/>
+                </a:solidFill>
+                <a:highlight>
+                  <a:srgbClr val="FFFFFF"/>
+                </a:highlight>
+                <a:latin typeface="Cascadia Mono" panose="020B0609020000020004" pitchFamily="49" charset="0"/>
+              </a:rPr>
+              <a:t>();</a:t>
+            </a:r>
+            <a:r>
+              <a:rPr lang="en-US" sz="1600" dirty="0">
+                <a:solidFill>
+                  <a:srgbClr val="808080"/>
+                </a:solidFill>
+                <a:latin typeface="Consolas" panose="020B0609020204030204" pitchFamily="49" charset="0"/>
+              </a:rPr>
+              <a:t>;</a:t>
+            </a:r>
+            <a:endParaRPr lang="en-US" sz="1600" dirty="0"/>
+          </a:p>
+        </p:txBody>
+      </p:sp>
+      <p:pic>
+        <p:nvPicPr>
+          <p:cNvPr id="8" name="Inhaltsplatzhalter 7">
+            <a:extLst>
+              <a:ext uri="{FF2B5EF4-FFF2-40B4-BE49-F238E27FC236}">
+                <a16:creationId xmlns:a16="http://schemas.microsoft.com/office/drawing/2014/main" id="{0C6F4731-FE94-6F56-140E-F8C4C5829819}"/>
+              </a:ext>
+            </a:extLst>
+          </p:cNvPr>
+          <p:cNvPicPr>
+            <a:picLocks noGrp="1" noChangeAspect="1"/>
+          </p:cNvPicPr>
+          <p:nvPr>
+            <p:ph sz="half" idx="2"/>
+          </p:nvPr>
+        </p:nvPicPr>
+        <p:blipFill>
+          <a:blip r:embed="rId4"/>
+          <a:stretch>
+            <a:fillRect/>
+          </a:stretch>
+        </p:blipFill>
+        <p:spPr>
+          <a:xfrm>
+            <a:off x="7833386" y="1794456"/>
+            <a:ext cx="4023650" cy="1337051"/>
+          </a:xfrm>
+        </p:spPr>
+      </p:pic>
+    </p:spTree>
+    <p:extLst>
+      <p:ext uri="{BB962C8B-B14F-4D97-AF65-F5344CB8AC3E}">
+        <p14:creationId xmlns:p14="http://schemas.microsoft.com/office/powerpoint/2010/main" val="2594430820"/>
+      </p:ext>
+    </p:extLst>
+  </p:cSld>
+  <p:clrMapOvr>
+    <a:masterClrMapping/>
+  </p:clrMapOvr>
+</p:sld>
+</file>
+
+<file path=ppt/slides/slide32.xml><?xml version="1.0" encoding="utf-8"?>
+<p:sld xmlns:a="http://schemas.openxmlformats.org/drawingml/2006/main" xmlns:r="http://schemas.openxmlformats.org/officeDocument/2006/relationships" xmlns:p="http://schemas.openxmlformats.org/presentationml/2006/main">
+  <p:cSld>
+    <p:spTree>
+      <p:nvGrpSpPr>
+        <p:cNvPr id="1" name="">
+          <a:extLst>
+            <a:ext uri="{FF2B5EF4-FFF2-40B4-BE49-F238E27FC236}">
+              <a16:creationId xmlns:a16="http://schemas.microsoft.com/office/drawing/2014/main" id="{ABBDE795-1971-F0DF-2D8E-56945250DE9C}"/>
+            </a:ext>
+          </a:extLst>
+        </p:cNvPr>
+        <p:cNvGrpSpPr/>
+        <p:nvPr/>
+      </p:nvGrpSpPr>
+      <p:grpSpPr>
+        <a:xfrm>
+          <a:off x="0" y="0"/>
+          <a:ext cx="0" cy="0"/>
+          <a:chOff x="0" y="0"/>
+          <a:chExt cx="0" cy="0"/>
+        </a:xfrm>
+      </p:grpSpPr>
+      <p:sp>
+        <p:nvSpPr>
+          <p:cNvPr id="4" name="Titel 3">
+            <a:extLst>
+              <a:ext uri="{FF2B5EF4-FFF2-40B4-BE49-F238E27FC236}">
+                <a16:creationId xmlns:a16="http://schemas.microsoft.com/office/drawing/2014/main" id="{4F872CDB-1EAE-E762-088F-174E2A601E80}"/>
+              </a:ext>
+            </a:extLst>
+          </p:cNvPr>
+          <p:cNvSpPr>
+            <a:spLocks noGrp="1"/>
+          </p:cNvSpPr>
+          <p:nvPr>
+            <p:ph type="title"/>
+          </p:nvPr>
+        </p:nvSpPr>
+        <p:spPr/>
+        <p:txBody>
+          <a:bodyPr/>
+          <a:lstStyle/>
+          <a:p>
+            <a:r>
+              <a:rPr lang="en-US" dirty="0"/>
+              <a:t>Make your SQL Code fast again</a:t>
+            </a:r>
+          </a:p>
+        </p:txBody>
+      </p:sp>
+      <p:sp>
+        <p:nvSpPr>
+          <p:cNvPr id="5" name="Inhaltsplatzhalter 4">
+            <a:extLst>
+              <a:ext uri="{FF2B5EF4-FFF2-40B4-BE49-F238E27FC236}">
+                <a16:creationId xmlns:a16="http://schemas.microsoft.com/office/drawing/2014/main" id="{3027A74F-5DED-64CA-7A93-80B3C2AA19AD}"/>
+              </a:ext>
+            </a:extLst>
+          </p:cNvPr>
+          <p:cNvSpPr>
+            <a:spLocks noGrp="1"/>
+          </p:cNvSpPr>
+          <p:nvPr>
+            <p:ph sz="half" idx="1"/>
+          </p:nvPr>
+        </p:nvSpPr>
+        <p:spPr>
+          <a:xfrm>
+            <a:off x="334964" y="1665288"/>
+            <a:ext cx="6777718" cy="4572000"/>
+          </a:xfrm>
+        </p:spPr>
+        <p:txBody>
+          <a:bodyPr>
+            <a:normAutofit fontScale="92500" lnSpcReduction="20000"/>
+          </a:bodyPr>
+          <a:lstStyle/>
+          <a:p>
+            <a:r>
+              <a:rPr lang="en-US" dirty="0"/>
+              <a:t>Why is SQL optimization important?</a:t>
+            </a:r>
+          </a:p>
+          <a:p>
+            <a:pPr lvl="1"/>
+            <a:r>
+              <a:rPr lang="en-US" b="1" dirty="0"/>
+              <a:t>Performance Improvement</a:t>
+            </a:r>
+          </a:p>
+          <a:p>
+            <a:pPr lvl="2"/>
+            <a:r>
+              <a:rPr lang="en-US" dirty="0"/>
+              <a:t>Efficient SQL code enhances database performance by reducing execution time and resource consumption.</a:t>
+            </a:r>
+          </a:p>
+          <a:p>
+            <a:pPr lvl="1"/>
+            <a:r>
+              <a:rPr lang="en-US" b="1" dirty="0"/>
+              <a:t>Resource Utilization</a:t>
+            </a:r>
+          </a:p>
+          <a:p>
+            <a:pPr lvl="2"/>
+            <a:r>
+              <a:rPr lang="en-US" dirty="0"/>
+              <a:t>Optimized SQL queries use fewer system resources like CPU, memory, and disk I/O for better scaling.</a:t>
+            </a:r>
+          </a:p>
+          <a:p>
+            <a:pPr lvl="1"/>
+            <a:r>
+              <a:rPr lang="en-US" b="1" dirty="0"/>
+              <a:t>Scalability</a:t>
+            </a:r>
+          </a:p>
+          <a:p>
+            <a:pPr lvl="2"/>
+            <a:r>
+              <a:rPr lang="en-US" dirty="0"/>
+              <a:t>Efficiently written SQL code can better handle increased data volume and user load.</a:t>
+            </a:r>
+          </a:p>
+          <a:p>
+            <a:pPr lvl="1"/>
+            <a:r>
+              <a:rPr lang="en-US" b="1" dirty="0"/>
+              <a:t>Cost Savings</a:t>
+            </a:r>
+          </a:p>
+          <a:p>
+            <a:pPr lvl="2"/>
+            <a:r>
+              <a:rPr lang="en-US" dirty="0"/>
+              <a:t>Reduced resource usage translates to cost savings, especially in cloud environments.</a:t>
+            </a:r>
+          </a:p>
+          <a:p>
+            <a:pPr lvl="1"/>
+            <a:r>
+              <a:rPr lang="en-US" b="1" dirty="0"/>
+              <a:t>Reliability and Stability</a:t>
+            </a:r>
+          </a:p>
+          <a:p>
+            <a:pPr lvl="2"/>
+            <a:r>
+              <a:rPr lang="en-US" dirty="0"/>
+              <a:t>Efficient queries are less likely to cause unexpected issues, such as timeouts or server crashes.</a:t>
+            </a:r>
+          </a:p>
+        </p:txBody>
+      </p:sp>
+      <p:pic>
+        <p:nvPicPr>
+          <p:cNvPr id="13" name="Inhaltsplatzhalter 12">
+            <a:extLst>
+              <a:ext uri="{FF2B5EF4-FFF2-40B4-BE49-F238E27FC236}">
+                <a16:creationId xmlns:a16="http://schemas.microsoft.com/office/drawing/2014/main" id="{7C969A79-0539-DDAA-D633-CB1E8F1A4403}"/>
+              </a:ext>
+            </a:extLst>
+          </p:cNvPr>
+          <p:cNvPicPr>
+            <a:picLocks noGrp="1" noChangeAspect="1"/>
+          </p:cNvPicPr>
+          <p:nvPr>
+            <p:ph sz="half" idx="2"/>
+          </p:nvPr>
+        </p:nvPicPr>
+        <p:blipFill>
+          <a:blip r:embed="rId2"/>
+          <a:stretch>
+            <a:fillRect/>
+          </a:stretch>
+        </p:blipFill>
+        <p:spPr bwMode="auto">
+          <a:xfrm>
+            <a:off x="7580878" y="1665288"/>
+            <a:ext cx="3924852" cy="3904844"/>
+          </a:xfrm>
+          <a:prstGeom prst="rect">
+            <a:avLst/>
+          </a:prstGeom>
+          <a:noFill/>
+          <a:ln>
+            <a:solidFill>
+              <a:schemeClr val="tx1"/>
+            </a:solidFill>
+          </a:ln>
+          <a:effectLst>
+            <a:outerShdw blurRad="50800" dist="38100" dir="2700000" algn="tl" rotWithShape="0">
+              <a:prstClr val="black">
+                <a:alpha val="40000"/>
+              </a:prstClr>
+            </a:outerShdw>
+          </a:effectLst>
+          <a:extLst>
+            <a:ext uri="{909E8E84-426E-40DD-AFC4-6F175D3DCCD1}">
+              <a14:hiddenFill xmlns:a14="http://schemas.microsoft.com/office/drawing/2010/main">
+                <a:solidFill>
+                  <a:srgbClr val="FFFFFF"/>
+                </a:solidFill>
+              </a14:hiddenFill>
+            </a:ext>
+          </a:extLst>
+        </p:spPr>
+      </p:pic>
+    </p:spTree>
+    <p:extLst>
+      <p:ext uri="{BB962C8B-B14F-4D97-AF65-F5344CB8AC3E}">
+        <p14:creationId xmlns:p14="http://schemas.microsoft.com/office/powerpoint/2010/main" val="3908561497"/>
+      </p:ext>
+    </p:extLst>
+  </p:cSld>
+  <p:clrMapOvr>
+    <a:masterClrMapping/>
+  </p:clrMapOvr>
+</p:sld>
+</file>
+
+<file path=ppt/slides/slide33.xml><?xml version="1.0" encoding="utf-8"?>
+<p:sld xmlns:a="http://schemas.openxmlformats.org/drawingml/2006/main" xmlns:r="http://schemas.openxmlformats.org/officeDocument/2006/relationships" xmlns:p="http://schemas.openxmlformats.org/presentationml/2006/main">
+  <p:cSld>
+    <p:spTree>
+      <p:nvGrpSpPr>
+        <p:cNvPr id="1" name="">
+          <a:extLst>
+            <a:ext uri="{FF2B5EF4-FFF2-40B4-BE49-F238E27FC236}">
+              <a16:creationId xmlns:a16="http://schemas.microsoft.com/office/drawing/2014/main" id="{21C8F6E0-471E-4200-5540-4E0FC28AD496}"/>
+            </a:ext>
+          </a:extLst>
+        </p:cNvPr>
+        <p:cNvGrpSpPr/>
+        <p:nvPr/>
+      </p:nvGrpSpPr>
+      <p:grpSpPr>
+        <a:xfrm>
+          <a:off x="0" y="0"/>
+          <a:ext cx="0" cy="0"/>
+          <a:chOff x="0" y="0"/>
+          <a:chExt cx="0" cy="0"/>
+        </a:xfrm>
+      </p:grpSpPr>
+      <p:sp>
+        <p:nvSpPr>
+          <p:cNvPr id="2" name="Titel 1">
+            <a:extLst>
+              <a:ext uri="{FF2B5EF4-FFF2-40B4-BE49-F238E27FC236}">
+                <a16:creationId xmlns:a16="http://schemas.microsoft.com/office/drawing/2014/main" id="{AD08987C-EF50-9473-76A0-22AF6ECD2337}"/>
+              </a:ext>
+            </a:extLst>
+          </p:cNvPr>
+          <p:cNvSpPr>
+            <a:spLocks noGrp="1"/>
+          </p:cNvSpPr>
+          <p:nvPr>
+            <p:ph type="title"/>
+          </p:nvPr>
+        </p:nvSpPr>
+        <p:spPr/>
+        <p:txBody>
+          <a:bodyPr/>
+          <a:lstStyle/>
+          <a:p>
+            <a:r>
+              <a:rPr lang="en-US" dirty="0"/>
+              <a:t>Make your SQL Code fast again</a:t>
+            </a:r>
+          </a:p>
+        </p:txBody>
+      </p:sp>
+      <p:sp>
+        <p:nvSpPr>
+          <p:cNvPr id="3" name="Inhaltsplatzhalter 2">
+            <a:extLst>
+              <a:ext uri="{FF2B5EF4-FFF2-40B4-BE49-F238E27FC236}">
+                <a16:creationId xmlns:a16="http://schemas.microsoft.com/office/drawing/2014/main" id="{88F11D62-DA4B-3107-0073-F7115BE7DF82}"/>
+              </a:ext>
+            </a:extLst>
+          </p:cNvPr>
+          <p:cNvSpPr>
+            <a:spLocks noGrp="1"/>
+          </p:cNvSpPr>
+          <p:nvPr>
+            <p:ph sz="half" idx="1"/>
+          </p:nvPr>
+        </p:nvSpPr>
+        <p:spPr/>
+        <p:txBody>
+          <a:bodyPr/>
+          <a:lstStyle/>
+          <a:p>
+            <a:r>
+              <a:rPr lang="en-US" dirty="0"/>
+              <a:t>Objectives of this workshop</a:t>
+            </a:r>
+          </a:p>
+          <a:p>
+            <a:pPr lvl="1"/>
+            <a:r>
+              <a:rPr lang="en-US" dirty="0"/>
+              <a:t>Identification of common SQL errors and their impact on performance.</a:t>
+            </a:r>
+          </a:p>
+          <a:p>
+            <a:pPr lvl="1"/>
+            <a:r>
+              <a:rPr lang="en-US" dirty="0"/>
+              <a:t>Techniques to improve the efficiency of SQL queries.</a:t>
+            </a:r>
+          </a:p>
+          <a:p>
+            <a:pPr lvl="1"/>
+            <a:r>
+              <a:rPr lang="en-US" dirty="0"/>
+              <a:t>Practical examples and best practices to improve performance.</a:t>
+            </a:r>
+          </a:p>
+        </p:txBody>
+      </p:sp>
+      <p:pic>
+        <p:nvPicPr>
+          <p:cNvPr id="6" name="Inhaltsplatzhalter 5">
+            <a:extLst>
+              <a:ext uri="{FF2B5EF4-FFF2-40B4-BE49-F238E27FC236}">
+                <a16:creationId xmlns:a16="http://schemas.microsoft.com/office/drawing/2014/main" id="{EC3F02D7-24D8-9CE2-041F-A079B0E40547}"/>
+              </a:ext>
+            </a:extLst>
+          </p:cNvPr>
+          <p:cNvPicPr>
+            <a:picLocks noGrp="1" noChangeAspect="1"/>
+          </p:cNvPicPr>
+          <p:nvPr>
+            <p:ph sz="half" idx="2"/>
+          </p:nvPr>
+        </p:nvPicPr>
+        <p:blipFill>
+          <a:blip r:embed="rId2"/>
+          <a:stretch>
+            <a:fillRect/>
+          </a:stretch>
+        </p:blipFill>
+        <p:spPr>
+          <a:xfrm>
+            <a:off x="6272211" y="1665288"/>
+            <a:ext cx="5584825" cy="4204145"/>
+          </a:xfrm>
+          <a:ln>
+            <a:solidFill>
+              <a:schemeClr val="tx1"/>
+            </a:solidFill>
+          </a:ln>
+          <a:effectLst>
+            <a:outerShdw blurRad="50800" dist="38100" dir="2700000" algn="tl" rotWithShape="0">
+              <a:prstClr val="black">
+                <a:alpha val="40000"/>
+              </a:prstClr>
+            </a:outerShdw>
+          </a:effectLst>
+        </p:spPr>
+      </p:pic>
+    </p:spTree>
+    <p:extLst>
+      <p:ext uri="{BB962C8B-B14F-4D97-AF65-F5344CB8AC3E}">
+        <p14:creationId xmlns:p14="http://schemas.microsoft.com/office/powerpoint/2010/main" val="3644587536"/>
+      </p:ext>
+    </p:extLst>
+  </p:cSld>
+  <p:clrMapOvr>
+    <a:masterClrMapping/>
+  </p:clrMapOvr>
+</p:sld>
+</file>
+
+<file path=ppt/slides/slide34.xml><?xml version="1.0" encoding="utf-8"?>
+<p:sld xmlns:a="http://schemas.openxmlformats.org/drawingml/2006/main" xmlns:r="http://schemas.openxmlformats.org/officeDocument/2006/relationships" xmlns:p="http://schemas.openxmlformats.org/presentationml/2006/main">
+  <p:cSld>
+    <p:spTree>
+      <p:nvGrpSpPr>
+        <p:cNvPr id="1" name="">
+          <a:extLst>
+            <a:ext uri="{FF2B5EF4-FFF2-40B4-BE49-F238E27FC236}">
+              <a16:creationId xmlns:a16="http://schemas.microsoft.com/office/drawing/2014/main" id="{EAAE15DE-1F3B-4E43-0B54-AEB81F914273}"/>
+            </a:ext>
+          </a:extLst>
+        </p:cNvPr>
+        <p:cNvGrpSpPr/>
+        <p:nvPr/>
+      </p:nvGrpSpPr>
+      <p:grpSpPr>
+        <a:xfrm>
+          <a:off x="0" y="0"/>
+          <a:ext cx="0" cy="0"/>
+          <a:chOff x="0" y="0"/>
+          <a:chExt cx="0" cy="0"/>
+        </a:xfrm>
+      </p:grpSpPr>
+      <p:sp>
+        <p:nvSpPr>
+          <p:cNvPr id="5" name="Titel 4">
+            <a:extLst>
+              <a:ext uri="{FF2B5EF4-FFF2-40B4-BE49-F238E27FC236}">
+                <a16:creationId xmlns:a16="http://schemas.microsoft.com/office/drawing/2014/main" id="{28EA30BF-2CF7-DC7B-A9B0-DAF09E54A862}"/>
+              </a:ext>
+            </a:extLst>
+          </p:cNvPr>
+          <p:cNvSpPr>
+            <a:spLocks noGrp="1"/>
+          </p:cNvSpPr>
+          <p:nvPr>
+            <p:ph type="title"/>
+          </p:nvPr>
+        </p:nvSpPr>
+        <p:spPr/>
+        <p:txBody>
+          <a:bodyPr/>
+          <a:lstStyle/>
+          <a:p>
+            <a:r>
+              <a:rPr lang="de-DE" dirty="0"/>
+              <a:t>Key Topics</a:t>
+            </a:r>
+          </a:p>
+        </p:txBody>
+      </p:sp>
+      <p:sp>
+        <p:nvSpPr>
+          <p:cNvPr id="6" name="Inhaltsplatzhalter 5">
+            <a:extLst>
+              <a:ext uri="{FF2B5EF4-FFF2-40B4-BE49-F238E27FC236}">
+                <a16:creationId xmlns:a16="http://schemas.microsoft.com/office/drawing/2014/main" id="{4749EB48-992B-4E26-92DC-76AB8ADE677B}"/>
+              </a:ext>
+            </a:extLst>
+          </p:cNvPr>
+          <p:cNvSpPr>
+            <a:spLocks noGrp="1"/>
+          </p:cNvSpPr>
+          <p:nvPr>
+            <p:ph idx="1"/>
+          </p:nvPr>
+        </p:nvSpPr>
+        <p:spPr/>
+        <p:txBody>
+          <a:bodyPr/>
+          <a:lstStyle/>
+          <a:p>
+            <a:r>
+              <a:rPr lang="en-US" dirty="0"/>
+              <a:t>Tools and best practices</a:t>
+            </a:r>
+          </a:p>
+          <a:p>
+            <a:pPr lvl="1"/>
+            <a:r>
+              <a:rPr lang="en-US" dirty="0"/>
+              <a:t>using analysis and optimization tools </a:t>
+            </a:r>
+          </a:p>
+          <a:p>
+            <a:pPr lvl="1"/>
+            <a:r>
+              <a:rPr lang="en-US" dirty="0"/>
+              <a:t>recommendations for improving query speed.</a:t>
+            </a:r>
+          </a:p>
+          <a:p>
+            <a:r>
+              <a:rPr lang="en-US" dirty="0"/>
+              <a:t>Detecting bad SQL code</a:t>
+            </a:r>
+          </a:p>
+          <a:p>
+            <a:pPr lvl="1"/>
+            <a:r>
+              <a:rPr lang="en-US" dirty="0"/>
+              <a:t>Identifying inefficient queries and potential performance bottlenecks.</a:t>
+            </a:r>
+          </a:p>
+          <a:p>
+            <a:r>
+              <a:rPr lang="en-US" dirty="0"/>
+              <a:t>Optimization techniques</a:t>
+            </a:r>
+          </a:p>
+          <a:p>
+            <a:pPr lvl="1"/>
+            <a:r>
+              <a:rPr lang="en-US" dirty="0"/>
+              <a:t>reducing hardware resources (CPU / IO)</a:t>
+            </a:r>
+          </a:p>
+          <a:p>
+            <a:pPr lvl="1"/>
+            <a:r>
+              <a:rPr lang="en-US" dirty="0"/>
+              <a:t>reducing redundant queries</a:t>
+            </a:r>
+          </a:p>
+          <a:p>
+            <a:pPr lvl="1"/>
+            <a:r>
+              <a:rPr lang="en-US" dirty="0"/>
+              <a:t>avoiding unnecessary joins</a:t>
+            </a:r>
+          </a:p>
+          <a:p>
+            <a:pPr lvl="1"/>
+            <a:r>
+              <a:rPr lang="en-US" dirty="0"/>
+              <a:t>Using indexes</a:t>
+            </a:r>
+          </a:p>
+        </p:txBody>
+      </p:sp>
+    </p:spTree>
+    <p:extLst>
+      <p:ext uri="{BB962C8B-B14F-4D97-AF65-F5344CB8AC3E}">
+        <p14:creationId xmlns:p14="http://schemas.microsoft.com/office/powerpoint/2010/main" val="4271110123"/>
+      </p:ext>
+    </p:extLst>
+  </p:cSld>
+  <p:clrMapOvr>
+    <a:masterClrMapping/>
+  </p:clrMapOvr>
+</p:sld>
+</file>
+
+<file path=ppt/slides/slide35.xml><?xml version="1.0" encoding="utf-8"?>
+<p:sld xmlns:a="http://schemas.openxmlformats.org/drawingml/2006/main" xmlns:r="http://schemas.openxmlformats.org/officeDocument/2006/relationships" xmlns:p="http://schemas.openxmlformats.org/presentationml/2006/main">
+  <p:cSld>
+    <p:spTree>
+      <p:nvGrpSpPr>
+        <p:cNvPr id="1" name="">
+          <a:extLst>
+            <a:ext uri="{FF2B5EF4-FFF2-40B4-BE49-F238E27FC236}">
+              <a16:creationId xmlns:a16="http://schemas.microsoft.com/office/drawing/2014/main" id="{B4AA17F7-2817-2258-64A0-5DE6565BE77B}"/>
+            </a:ext>
+          </a:extLst>
+        </p:cNvPr>
+        <p:cNvGrpSpPr/>
+        <p:nvPr/>
+      </p:nvGrpSpPr>
+      <p:grpSpPr>
+        <a:xfrm>
+          <a:off x="0" y="0"/>
+          <a:ext cx="0" cy="0"/>
+          <a:chOff x="0" y="0"/>
+          <a:chExt cx="0" cy="0"/>
+        </a:xfrm>
+      </p:grpSpPr>
+      <p:sp>
+        <p:nvSpPr>
+          <p:cNvPr id="2" name="Titel 1">
+            <a:extLst>
+              <a:ext uri="{FF2B5EF4-FFF2-40B4-BE49-F238E27FC236}">
+                <a16:creationId xmlns:a16="http://schemas.microsoft.com/office/drawing/2014/main" id="{5EBA95FD-DE36-B0A5-2D15-078301077612}"/>
+              </a:ext>
+            </a:extLst>
+          </p:cNvPr>
+          <p:cNvSpPr>
+            <a:spLocks noGrp="1"/>
+          </p:cNvSpPr>
+          <p:nvPr>
+            <p:ph type="title"/>
+          </p:nvPr>
+        </p:nvSpPr>
+        <p:spPr/>
+        <p:txBody>
+          <a:bodyPr/>
+          <a:lstStyle/>
+          <a:p>
+            <a:r>
+              <a:rPr lang="en-US" dirty="0"/>
+              <a:t>Tools and best practices</a:t>
+            </a:r>
+          </a:p>
+        </p:txBody>
+      </p:sp>
+      <p:sp>
+        <p:nvSpPr>
+          <p:cNvPr id="3" name="Inhaltsplatzhalter 2">
+            <a:extLst>
+              <a:ext uri="{FF2B5EF4-FFF2-40B4-BE49-F238E27FC236}">
+                <a16:creationId xmlns:a16="http://schemas.microsoft.com/office/drawing/2014/main" id="{11DD82CA-9BC4-415E-6DD2-695602D5254F}"/>
+              </a:ext>
+            </a:extLst>
+          </p:cNvPr>
+          <p:cNvSpPr>
+            <a:spLocks noGrp="1"/>
+          </p:cNvSpPr>
+          <p:nvPr>
+            <p:ph idx="1"/>
+          </p:nvPr>
+        </p:nvSpPr>
+        <p:spPr/>
+        <p:txBody>
+          <a:bodyPr/>
+          <a:lstStyle/>
+          <a:p>
+            <a:r>
+              <a:rPr lang="de-DE" dirty="0"/>
+              <a:t>Query Store</a:t>
+            </a:r>
+          </a:p>
+          <a:p>
+            <a:r>
+              <a:rPr lang="de-DE" dirty="0"/>
+              <a:t>Performance Monitor / Resource Monitor</a:t>
+            </a:r>
+          </a:p>
+          <a:p>
+            <a:r>
+              <a:rPr lang="de-DE" dirty="0"/>
+              <a:t>Windows Admin Center</a:t>
+            </a:r>
+          </a:p>
+          <a:p>
+            <a:r>
+              <a:rPr lang="de-DE" dirty="0"/>
+              <a:t>Third Party Tools</a:t>
+            </a:r>
+          </a:p>
+          <a:p>
+            <a:pPr lvl="1"/>
+            <a:r>
+              <a:rPr lang="de-DE" dirty="0"/>
+              <a:t>Redgate</a:t>
+            </a:r>
+          </a:p>
+          <a:p>
+            <a:pPr lvl="1"/>
+            <a:r>
+              <a:rPr lang="de-DE" dirty="0" err="1"/>
+              <a:t>Idera</a:t>
+            </a:r>
+            <a:endParaRPr lang="de-DE" dirty="0"/>
+          </a:p>
+          <a:p>
+            <a:pPr lvl="1"/>
+            <a:r>
+              <a:rPr lang="de-DE" dirty="0"/>
+              <a:t>Solarwinds</a:t>
+            </a:r>
+          </a:p>
+          <a:p>
+            <a:pPr lvl="1"/>
+            <a:r>
+              <a:rPr lang="de-DE" dirty="0"/>
+              <a:t>…</a:t>
+            </a:r>
+          </a:p>
+        </p:txBody>
+      </p:sp>
+    </p:spTree>
+    <p:extLst>
+      <p:ext uri="{BB962C8B-B14F-4D97-AF65-F5344CB8AC3E}">
+        <p14:creationId xmlns:p14="http://schemas.microsoft.com/office/powerpoint/2010/main" val="1515760421"/>
+      </p:ext>
+    </p:extLst>
+  </p:cSld>
+  <p:clrMapOvr>
+    <a:masterClrMapping/>
+  </p:clrMapOvr>
+</p:sld>
+</file>
+
+<file path=ppt/slides/slide36.xml><?xml version="1.0" encoding="utf-8"?>
+<p:sld xmlns:a="http://schemas.openxmlformats.org/drawingml/2006/main" xmlns:r="http://schemas.openxmlformats.org/officeDocument/2006/relationships" xmlns:p="http://schemas.openxmlformats.org/presentationml/2006/main">
+  <p:cSld>
+    <p:spTree>
+      <p:nvGrpSpPr>
+        <p:cNvPr id="1" name="">
+          <a:extLst>
+            <a:ext uri="{FF2B5EF4-FFF2-40B4-BE49-F238E27FC236}">
+              <a16:creationId xmlns:a16="http://schemas.microsoft.com/office/drawing/2014/main" id="{DAC40444-EBBE-8247-D874-5EE632B4B28F}"/>
+            </a:ext>
+          </a:extLst>
+        </p:cNvPr>
+        <p:cNvGrpSpPr/>
+        <p:nvPr/>
+      </p:nvGrpSpPr>
+      <p:grpSpPr>
+        <a:xfrm>
+          <a:off x="0" y="0"/>
+          <a:ext cx="0" cy="0"/>
+          <a:chOff x="0" y="0"/>
+          <a:chExt cx="0" cy="0"/>
+        </a:xfrm>
+      </p:grpSpPr>
+      <p:sp>
+        <p:nvSpPr>
+          <p:cNvPr id="4" name="Titel 3">
+            <a:extLst>
+              <a:ext uri="{FF2B5EF4-FFF2-40B4-BE49-F238E27FC236}">
+                <a16:creationId xmlns:a16="http://schemas.microsoft.com/office/drawing/2014/main" id="{88B6C6D2-CA7C-96A9-65B1-7FCCC3E0E2B6}"/>
+              </a:ext>
+            </a:extLst>
+          </p:cNvPr>
+          <p:cNvSpPr>
+            <a:spLocks noGrp="1"/>
+          </p:cNvSpPr>
+          <p:nvPr>
+            <p:ph type="ctrTitle"/>
+          </p:nvPr>
+        </p:nvSpPr>
+        <p:spPr/>
+        <p:txBody>
+          <a:bodyPr/>
+          <a:lstStyle/>
+          <a:p>
+            <a:r>
+              <a:rPr lang="de-DE" dirty="0"/>
+              <a:t>Query Store</a:t>
+            </a:r>
+          </a:p>
+        </p:txBody>
+      </p:sp>
+      <p:sp>
+        <p:nvSpPr>
+          <p:cNvPr id="5" name="Untertitel 4">
+            <a:extLst>
+              <a:ext uri="{FF2B5EF4-FFF2-40B4-BE49-F238E27FC236}">
+                <a16:creationId xmlns:a16="http://schemas.microsoft.com/office/drawing/2014/main" id="{AE2FA538-6018-07DA-ABFC-0D64B027755F}"/>
+              </a:ext>
+            </a:extLst>
+          </p:cNvPr>
+          <p:cNvSpPr>
+            <a:spLocks noGrp="1"/>
+          </p:cNvSpPr>
+          <p:nvPr>
+            <p:ph type="subTitle" idx="1"/>
+          </p:nvPr>
+        </p:nvSpPr>
+        <p:spPr/>
+        <p:txBody>
+          <a:bodyPr/>
+          <a:lstStyle/>
+          <a:p>
+            <a:r>
+              <a:rPr lang="de-DE" dirty="0"/>
+              <a:t>Source Tool for Query Performance</a:t>
+            </a:r>
+          </a:p>
+        </p:txBody>
+      </p:sp>
+    </p:spTree>
+    <p:extLst>
+      <p:ext uri="{BB962C8B-B14F-4D97-AF65-F5344CB8AC3E}">
+        <p14:creationId xmlns:p14="http://schemas.microsoft.com/office/powerpoint/2010/main" val="3194235068"/>
+      </p:ext>
+    </p:extLst>
+  </p:cSld>
+  <p:clrMapOvr>
+    <a:masterClrMapping/>
+  </p:clrMapOvr>
+</p:sld>
+</file>
+
+<file path=ppt/slides/slide37.xml><?xml version="1.0" encoding="utf-8"?>
+<p:sld xmlns:a="http://schemas.openxmlformats.org/drawingml/2006/main" xmlns:r="http://schemas.openxmlformats.org/officeDocument/2006/relationships" xmlns:p="http://schemas.openxmlformats.org/presentationml/2006/main">
+  <p:cSld>
+    <p:spTree>
+      <p:nvGrpSpPr>
+        <p:cNvPr id="1" name="">
+          <a:extLst>
+            <a:ext uri="{FF2B5EF4-FFF2-40B4-BE49-F238E27FC236}">
+              <a16:creationId xmlns:a16="http://schemas.microsoft.com/office/drawing/2014/main" id="{EA9CC520-68BC-E665-81B9-8807A1321DC0}"/>
+            </a:ext>
+          </a:extLst>
+        </p:cNvPr>
+        <p:cNvGrpSpPr/>
+        <p:nvPr/>
+      </p:nvGrpSpPr>
+      <p:grpSpPr>
+        <a:xfrm>
+          <a:off x="0" y="0"/>
+          <a:ext cx="0" cy="0"/>
+          <a:chOff x="0" y="0"/>
+          <a:chExt cx="0" cy="0"/>
+        </a:xfrm>
+      </p:grpSpPr>
+      <p:sp>
+        <p:nvSpPr>
+          <p:cNvPr id="2" name="Titel 1">
+            <a:extLst>
+              <a:ext uri="{FF2B5EF4-FFF2-40B4-BE49-F238E27FC236}">
+                <a16:creationId xmlns:a16="http://schemas.microsoft.com/office/drawing/2014/main" id="{99FFFD9A-B8C7-5D09-3997-377E931A7304}"/>
+              </a:ext>
+            </a:extLst>
+          </p:cNvPr>
+          <p:cNvSpPr>
+            <a:spLocks noGrp="1"/>
+          </p:cNvSpPr>
+          <p:nvPr>
+            <p:ph type="title"/>
+          </p:nvPr>
+        </p:nvSpPr>
+        <p:spPr/>
+        <p:txBody>
+          <a:bodyPr/>
+          <a:lstStyle/>
+          <a:p>
+            <a:r>
+              <a:rPr lang="de-DE" dirty="0"/>
+              <a:t>Query Store – Microsoft SQL Server</a:t>
+            </a:r>
+          </a:p>
+        </p:txBody>
+      </p:sp>
+      <p:sp>
+        <p:nvSpPr>
+          <p:cNvPr id="4" name="Inhaltsplatzhalter 3">
+            <a:extLst>
+              <a:ext uri="{FF2B5EF4-FFF2-40B4-BE49-F238E27FC236}">
+                <a16:creationId xmlns:a16="http://schemas.microsoft.com/office/drawing/2014/main" id="{95FF551F-0C2E-EC85-B6BB-1E44EB8FEEAF}"/>
+              </a:ext>
+            </a:extLst>
+          </p:cNvPr>
+          <p:cNvSpPr>
+            <a:spLocks noGrp="1"/>
+          </p:cNvSpPr>
+          <p:nvPr>
+            <p:ph sz="half" idx="1"/>
+          </p:nvPr>
+        </p:nvSpPr>
+        <p:spPr/>
+        <p:txBody>
+          <a:bodyPr>
+            <a:normAutofit lnSpcReduction="10000"/>
+          </a:bodyPr>
+          <a:lstStyle/>
+          <a:p>
+            <a:pPr lvl="1"/>
+            <a:r>
+              <a:rPr lang="en-US" dirty="0"/>
+              <a:t>When a query gets compiled for the first time, query text and the initial plan are sent to Query Store.</a:t>
+            </a:r>
+          </a:p>
+          <a:p>
+            <a:pPr lvl="1"/>
+            <a:r>
+              <a:rPr lang="en-US" dirty="0"/>
+              <a:t>When a query gets recompiled, the plan is updated in Query Store.</a:t>
+            </a:r>
+          </a:p>
+          <a:p>
+            <a:pPr lvl="1"/>
+            <a:r>
+              <a:rPr lang="en-US" dirty="0"/>
+              <a:t>If a new plan is created, Query Store adds the new plan entry for the query and keeps the previous ones along with their execution statistics.</a:t>
+            </a:r>
+          </a:p>
+          <a:p>
+            <a:pPr lvl="1"/>
+            <a:r>
+              <a:rPr lang="en-US" dirty="0"/>
+              <a:t>Upon the query execution, runtime statistics are sent to Query Store.</a:t>
+            </a:r>
+          </a:p>
+          <a:p>
+            <a:pPr lvl="1"/>
+            <a:r>
+              <a:rPr lang="en-US" dirty="0"/>
+              <a:t>During the compile and check for recompile phases, SQL Server determines if there's a plan in Query Store that should be applied for the currently running query.</a:t>
+            </a:r>
+            <a:endParaRPr lang="de-DE" dirty="0"/>
+          </a:p>
+        </p:txBody>
+      </p:sp>
+      <p:pic>
+        <p:nvPicPr>
+          <p:cNvPr id="2054" name="Picture 6" descr="Query Store process plan">
+            <a:extLst>
+              <a:ext uri="{FF2B5EF4-FFF2-40B4-BE49-F238E27FC236}">
+                <a16:creationId xmlns:a16="http://schemas.microsoft.com/office/drawing/2014/main" id="{A3434C69-F37F-475B-09FD-766FCED23BF9}"/>
+              </a:ext>
+            </a:extLst>
+          </p:cNvPr>
+          <p:cNvPicPr>
+            <a:picLocks noGrp="1" noChangeAspect="1" noChangeArrowheads="1"/>
+          </p:cNvPicPr>
+          <p:nvPr>
+            <p:ph sz="half" idx="2"/>
+          </p:nvPr>
+        </p:nvPicPr>
+        <p:blipFill>
+          <a:blip r:embed="rId2">
+            <a:extLst>
+              <a:ext uri="{28A0092B-C50C-407E-A947-70E740481C1C}">
+                <a14:useLocalDpi xmlns:a14="http://schemas.microsoft.com/office/drawing/2010/main" val="0"/>
+              </a:ext>
+            </a:extLst>
+          </a:blip>
+          <a:srcRect/>
+          <a:stretch>
+            <a:fillRect/>
+          </a:stretch>
+        </p:blipFill>
+        <p:spPr bwMode="auto">
+          <a:xfrm>
+            <a:off x="6275295" y="1665288"/>
+            <a:ext cx="5584825" cy="2381243"/>
+          </a:xfrm>
+          <a:prstGeom prst="rect">
+            <a:avLst/>
+          </a:prstGeom>
+          <a:noFill/>
+          <a:extLst>
+            <a:ext uri="{909E8E84-426E-40DD-AFC4-6F175D3DCCD1}">
+              <a14:hiddenFill xmlns:a14="http://schemas.microsoft.com/office/drawing/2010/main">
+                <a:solidFill>
+                  <a:srgbClr val="FFFFFF"/>
+                </a:solidFill>
+              </a14:hiddenFill>
+            </a:ext>
+          </a:extLst>
+        </p:spPr>
+      </p:pic>
+    </p:spTree>
+    <p:extLst>
+      <p:ext uri="{BB962C8B-B14F-4D97-AF65-F5344CB8AC3E}">
+        <p14:creationId xmlns:p14="http://schemas.microsoft.com/office/powerpoint/2010/main" val="3791215495"/>
+      </p:ext>
+    </p:extLst>
+  </p:cSld>
+  <p:clrMapOvr>
+    <a:masterClrMapping/>
+  </p:clrMapOvr>
+</p:sld>
+</file>
+
+<file path=ppt/slides/slide38.xml><?xml version="1.0" encoding="utf-8"?>
+<p:sld xmlns:a="http://schemas.openxmlformats.org/drawingml/2006/main" xmlns:r="http://schemas.openxmlformats.org/officeDocument/2006/relationships" xmlns:p="http://schemas.openxmlformats.org/presentationml/2006/main">
+  <p:cSld>
+    <p:spTree>
+      <p:nvGrpSpPr>
+        <p:cNvPr id="1" name="">
+          <a:extLst>
+            <a:ext uri="{FF2B5EF4-FFF2-40B4-BE49-F238E27FC236}">
+              <a16:creationId xmlns:a16="http://schemas.microsoft.com/office/drawing/2014/main" id="{E1B152E5-416E-AA8D-1B61-ECA3E0F66D6A}"/>
+            </a:ext>
+          </a:extLst>
+        </p:cNvPr>
+        <p:cNvGrpSpPr/>
+        <p:nvPr/>
+      </p:nvGrpSpPr>
+      <p:grpSpPr>
+        <a:xfrm>
+          <a:off x="0" y="0"/>
+          <a:ext cx="0" cy="0"/>
+          <a:chOff x="0" y="0"/>
+          <a:chExt cx="0" cy="0"/>
+        </a:xfrm>
+      </p:grpSpPr>
+      <p:sp>
+        <p:nvSpPr>
+          <p:cNvPr id="2" name="Titel 1">
+            <a:extLst>
+              <a:ext uri="{FF2B5EF4-FFF2-40B4-BE49-F238E27FC236}">
+                <a16:creationId xmlns:a16="http://schemas.microsoft.com/office/drawing/2014/main" id="{DDF133A8-0E00-E51B-F427-094493ACCC6B}"/>
+              </a:ext>
+            </a:extLst>
+          </p:cNvPr>
+          <p:cNvSpPr>
+            <a:spLocks noGrp="1"/>
+          </p:cNvSpPr>
+          <p:nvPr>
+            <p:ph type="title"/>
+          </p:nvPr>
+        </p:nvSpPr>
+        <p:spPr/>
+        <p:txBody>
+          <a:bodyPr/>
+          <a:lstStyle/>
+          <a:p>
+            <a:r>
+              <a:rPr lang="de-DE" dirty="0"/>
+              <a:t>Query Store – Recommended Settings</a:t>
+            </a:r>
+          </a:p>
+        </p:txBody>
+      </p:sp>
+      <p:sp>
+        <p:nvSpPr>
+          <p:cNvPr id="3" name="Inhaltsplatzhalter 2">
+            <a:extLst>
+              <a:ext uri="{FF2B5EF4-FFF2-40B4-BE49-F238E27FC236}">
+                <a16:creationId xmlns:a16="http://schemas.microsoft.com/office/drawing/2014/main" id="{868E6BFF-7B97-D30C-0230-4AF000A32148}"/>
+              </a:ext>
+            </a:extLst>
+          </p:cNvPr>
+          <p:cNvSpPr>
+            <a:spLocks noGrp="1"/>
+          </p:cNvSpPr>
+          <p:nvPr>
+            <p:ph sz="half" idx="1"/>
+          </p:nvPr>
+        </p:nvSpPr>
+        <p:spPr/>
+        <p:txBody>
+          <a:bodyPr/>
+          <a:lstStyle/>
+          <a:p>
+            <a:pPr>
+              <a:tabLst>
+                <a:tab pos="5019675" algn="r"/>
+              </a:tabLst>
+            </a:pPr>
+            <a:r>
+              <a:rPr lang="de-DE" dirty="0"/>
+              <a:t>Data </a:t>
+            </a:r>
+            <a:r>
+              <a:rPr lang="de-DE" dirty="0" err="1"/>
+              <a:t>Flush</a:t>
+            </a:r>
+            <a:r>
+              <a:rPr lang="de-DE" dirty="0"/>
+              <a:t> </a:t>
+            </a:r>
+            <a:r>
+              <a:rPr lang="de-DE" dirty="0" err="1"/>
+              <a:t>Interval</a:t>
+            </a:r>
+            <a:r>
+              <a:rPr lang="de-DE" dirty="0"/>
+              <a:t>	15 </a:t>
+            </a:r>
+            <a:r>
+              <a:rPr lang="de-DE" dirty="0" err="1"/>
+              <a:t>mins</a:t>
+            </a:r>
+            <a:endParaRPr lang="de-DE" dirty="0"/>
+          </a:p>
+          <a:p>
+            <a:pPr>
+              <a:tabLst>
+                <a:tab pos="5019675" algn="r"/>
+              </a:tabLst>
+            </a:pPr>
+            <a:r>
+              <a:rPr lang="de-DE" dirty="0" err="1"/>
+              <a:t>Statistics</a:t>
+            </a:r>
+            <a:r>
+              <a:rPr lang="de-DE" dirty="0"/>
+              <a:t> </a:t>
+            </a:r>
+            <a:r>
+              <a:rPr lang="de-DE" dirty="0" err="1"/>
+              <a:t>Collector</a:t>
+            </a:r>
+            <a:r>
+              <a:rPr lang="de-DE" dirty="0"/>
+              <a:t> </a:t>
+            </a:r>
+            <a:r>
+              <a:rPr lang="de-DE" dirty="0" err="1"/>
+              <a:t>Interval</a:t>
+            </a:r>
+            <a:r>
+              <a:rPr lang="de-DE" dirty="0"/>
+              <a:t>	1 Hour</a:t>
+            </a:r>
+          </a:p>
+          <a:p>
+            <a:pPr>
+              <a:tabLst>
+                <a:tab pos="5019675" algn="r"/>
+              </a:tabLst>
+            </a:pPr>
+            <a:r>
+              <a:rPr lang="de-DE" dirty="0"/>
+              <a:t>Max Size (MB)	1.024 MB</a:t>
+            </a:r>
+          </a:p>
+          <a:p>
+            <a:pPr>
+              <a:tabLst>
+                <a:tab pos="5019675" algn="r"/>
+              </a:tabLst>
+            </a:pPr>
+            <a:r>
+              <a:rPr lang="de-DE" dirty="0"/>
+              <a:t>Query Store Capture Mode	Auto</a:t>
+            </a:r>
+          </a:p>
+          <a:p>
+            <a:pPr>
+              <a:tabLst>
+                <a:tab pos="5019675" algn="r"/>
+              </a:tabLst>
+            </a:pPr>
+            <a:r>
+              <a:rPr lang="de-DE" dirty="0" err="1"/>
+              <a:t>Stale</a:t>
+            </a:r>
+            <a:r>
+              <a:rPr lang="de-DE" dirty="0"/>
+              <a:t> Query Threshold	7 Days</a:t>
+            </a:r>
+          </a:p>
+          <a:p>
+            <a:pPr>
+              <a:tabLst>
+                <a:tab pos="5019675" algn="r"/>
+              </a:tabLst>
+            </a:pPr>
+            <a:r>
+              <a:rPr lang="de-DE" dirty="0"/>
+              <a:t>Wait </a:t>
+            </a:r>
+            <a:r>
+              <a:rPr lang="de-DE" dirty="0" err="1"/>
+              <a:t>Statistics</a:t>
+            </a:r>
+            <a:r>
+              <a:rPr lang="de-DE" dirty="0"/>
+              <a:t> Capture Mode	On</a:t>
+            </a:r>
+          </a:p>
+        </p:txBody>
+      </p:sp>
+      <p:pic>
+        <p:nvPicPr>
+          <p:cNvPr id="6" name="Inhaltsplatzhalter 5">
+            <a:extLst>
+              <a:ext uri="{FF2B5EF4-FFF2-40B4-BE49-F238E27FC236}">
+                <a16:creationId xmlns:a16="http://schemas.microsoft.com/office/drawing/2014/main" id="{C03D30BE-D5E1-CA4F-010C-44E3E73E4AAE}"/>
+              </a:ext>
+            </a:extLst>
+          </p:cNvPr>
+          <p:cNvPicPr>
+            <a:picLocks noGrp="1" noChangeAspect="1"/>
+          </p:cNvPicPr>
+          <p:nvPr>
+            <p:ph sz="half" idx="2"/>
+          </p:nvPr>
+        </p:nvPicPr>
+        <p:blipFill>
+          <a:blip r:embed="rId2"/>
+          <a:stretch>
+            <a:fillRect/>
+          </a:stretch>
+        </p:blipFill>
+        <p:spPr>
+          <a:xfrm>
+            <a:off x="6665792" y="1665288"/>
+            <a:ext cx="4797666" cy="4572000"/>
+          </a:xfrm>
+        </p:spPr>
+      </p:pic>
+    </p:spTree>
+    <p:extLst>
+      <p:ext uri="{BB962C8B-B14F-4D97-AF65-F5344CB8AC3E}">
+        <p14:creationId xmlns:p14="http://schemas.microsoft.com/office/powerpoint/2010/main" val="845285008"/>
+      </p:ext>
+    </p:extLst>
+  </p:cSld>
+  <p:clrMapOvr>
+    <a:masterClrMapping/>
+  </p:clrMapOvr>
+</p:sld>
+</file>
+
+<file path=ppt/slides/slide39.xml><?xml version="1.0" encoding="utf-8"?>
+<p:sld xmlns:a="http://schemas.openxmlformats.org/drawingml/2006/main" xmlns:r="http://schemas.openxmlformats.org/officeDocument/2006/relationships" xmlns:p="http://schemas.openxmlformats.org/presentationml/2006/main">
+  <p:cSld>
+    <p:spTree>
+      <p:nvGrpSpPr>
+        <p:cNvPr id="1" name="">
+          <a:extLst>
+            <a:ext uri="{FF2B5EF4-FFF2-40B4-BE49-F238E27FC236}">
+              <a16:creationId xmlns:a16="http://schemas.microsoft.com/office/drawing/2014/main" id="{6FD5916D-2EB1-25E3-A786-5F62E1C25E5B}"/>
+            </a:ext>
+          </a:extLst>
+        </p:cNvPr>
+        <p:cNvGrpSpPr/>
+        <p:nvPr/>
+      </p:nvGrpSpPr>
+      <p:grpSpPr>
+        <a:xfrm>
+          <a:off x="0" y="0"/>
+          <a:ext cx="0" cy="0"/>
+          <a:chOff x="0" y="0"/>
+          <a:chExt cx="0" cy="0"/>
+        </a:xfrm>
+      </p:grpSpPr>
+      <p:sp>
+        <p:nvSpPr>
+          <p:cNvPr id="2" name="Titel 1">
+            <a:extLst>
+              <a:ext uri="{FF2B5EF4-FFF2-40B4-BE49-F238E27FC236}">
+                <a16:creationId xmlns:a16="http://schemas.microsoft.com/office/drawing/2014/main" id="{C68F946E-8513-9194-200C-E73C7BB38B46}"/>
+              </a:ext>
+            </a:extLst>
+          </p:cNvPr>
+          <p:cNvSpPr>
+            <a:spLocks noGrp="1"/>
+          </p:cNvSpPr>
+          <p:nvPr>
+            <p:ph type="title"/>
+          </p:nvPr>
+        </p:nvSpPr>
+        <p:spPr/>
+        <p:txBody>
+          <a:bodyPr/>
+          <a:lstStyle/>
+          <a:p>
+            <a:r>
+              <a:rPr lang="en-US" dirty="0"/>
+              <a:t>Query Store – Hands On/Demo</a:t>
+            </a:r>
+          </a:p>
+        </p:txBody>
+      </p:sp>
+      <p:sp>
+        <p:nvSpPr>
+          <p:cNvPr id="3" name="Inhaltsplatzhalter 2">
+            <a:extLst>
+              <a:ext uri="{FF2B5EF4-FFF2-40B4-BE49-F238E27FC236}">
+                <a16:creationId xmlns:a16="http://schemas.microsoft.com/office/drawing/2014/main" id="{7FD1229D-F81C-BE7D-8166-81E054A86F09}"/>
+              </a:ext>
+            </a:extLst>
+          </p:cNvPr>
+          <p:cNvSpPr>
+            <a:spLocks noGrp="1"/>
+          </p:cNvSpPr>
+          <p:nvPr>
+            <p:ph sz="half" idx="1"/>
+          </p:nvPr>
+        </p:nvSpPr>
+        <p:spPr/>
+        <p:txBody>
+          <a:bodyPr/>
+          <a:lstStyle/>
+          <a:p>
+            <a:pPr lvl="1"/>
+            <a:r>
+              <a:rPr lang="en-US" dirty="0"/>
+              <a:t>open the script</a:t>
+            </a:r>
+            <a:br>
+              <a:rPr lang="en-US" dirty="0"/>
+            </a:br>
+            <a:r>
+              <a:rPr lang="en-US" dirty="0"/>
+              <a:t>	</a:t>
+            </a:r>
+            <a:r>
+              <a:rPr lang="en-US" sz="1400" b="1" dirty="0">
+                <a:solidFill>
+                  <a:schemeClr val="accent5">
+                    <a:lumMod val="75000"/>
+                  </a:schemeClr>
+                </a:solidFill>
+                <a:latin typeface="Lucida Console" panose="020B0609040504020204" pitchFamily="49" charset="0"/>
+              </a:rPr>
+              <a:t>0001 – demo of Query </a:t>
+            </a:r>
+            <a:r>
+              <a:rPr lang="en-US" sz="1400" b="1" dirty="0" err="1">
+                <a:solidFill>
+                  <a:schemeClr val="accent5">
+                    <a:lumMod val="75000"/>
+                  </a:schemeClr>
+                </a:solidFill>
+                <a:latin typeface="Lucida Console" panose="020B0609040504020204" pitchFamily="49" charset="0"/>
+              </a:rPr>
+              <a:t>Store.sql</a:t>
+            </a:r>
+            <a:endParaRPr lang="en-US" sz="1400" b="1" dirty="0">
+              <a:solidFill>
+                <a:schemeClr val="accent5">
+                  <a:lumMod val="75000"/>
+                </a:schemeClr>
+              </a:solidFill>
+              <a:latin typeface="Lucida Console" panose="020B0609040504020204" pitchFamily="49" charset="0"/>
+            </a:endParaRPr>
+          </a:p>
+          <a:p>
+            <a:pPr lvl="1"/>
+            <a:r>
+              <a:rPr lang="en-US" dirty="0"/>
+              <a:t>follow the instructions of the instructor</a:t>
+            </a:r>
+            <a:endParaRPr lang="en-US" sz="1400" b="1" dirty="0">
+              <a:solidFill>
+                <a:schemeClr val="accent5">
+                  <a:lumMod val="75000"/>
+                </a:schemeClr>
+              </a:solidFill>
+              <a:latin typeface="Lucida Console" panose="020B0609040504020204" pitchFamily="49" charset="0"/>
+            </a:endParaRPr>
+          </a:p>
+          <a:p>
+            <a:pPr lvl="1"/>
+            <a:r>
+              <a:rPr lang="en-US" dirty="0"/>
+              <a:t>start SQL Query Stress</a:t>
+            </a:r>
+          </a:p>
+          <a:p>
+            <a:pPr lvl="1"/>
+            <a:r>
+              <a:rPr lang="en-US" dirty="0"/>
+              <a:t>Load the pre-</a:t>
+            </a:r>
+            <a:r>
+              <a:rPr lang="en-US" dirty="0" err="1"/>
+              <a:t>configuratino</a:t>
+            </a:r>
+            <a:r>
+              <a:rPr lang="en-US" dirty="0"/>
+              <a:t> set:</a:t>
+            </a:r>
+            <a:br>
+              <a:rPr lang="en-US" dirty="0"/>
+            </a:br>
+            <a:r>
+              <a:rPr lang="en-US" dirty="0"/>
+              <a:t>	</a:t>
+            </a:r>
+            <a:r>
+              <a:rPr lang="en-US" sz="1400" b="1" dirty="0">
+                <a:latin typeface="Lucida Console" panose="020B0609040504020204" pitchFamily="49" charset="0"/>
+              </a:rPr>
+              <a:t>01 – demo of Query </a:t>
+            </a:r>
+            <a:r>
+              <a:rPr lang="en-US" sz="1400" b="1" dirty="0" err="1">
+                <a:latin typeface="Lucida Console" panose="020B0609040504020204" pitchFamily="49" charset="0"/>
+              </a:rPr>
+              <a:t>Store.json</a:t>
+            </a:r>
+            <a:endParaRPr lang="en-US" sz="1400" b="1" dirty="0">
+              <a:latin typeface="Lucida Console" panose="020B0609040504020204" pitchFamily="49" charset="0"/>
+            </a:endParaRPr>
+          </a:p>
+          <a:p>
+            <a:pPr lvl="1"/>
+            <a:r>
+              <a:rPr lang="en-US" dirty="0"/>
+              <a:t>follow the next instructions of the instructor</a:t>
+            </a:r>
+            <a:br>
+              <a:rPr lang="en-US" dirty="0"/>
+            </a:br>
+            <a:r>
+              <a:rPr lang="en-US" dirty="0"/>
+              <a:t>see the different execution plans in Query Store</a:t>
+            </a:r>
+          </a:p>
+        </p:txBody>
+      </p:sp>
+      <p:pic>
+        <p:nvPicPr>
+          <p:cNvPr id="6" name="Inhaltsplatzhalter 5">
+            <a:extLst>
+              <a:ext uri="{FF2B5EF4-FFF2-40B4-BE49-F238E27FC236}">
+                <a16:creationId xmlns:a16="http://schemas.microsoft.com/office/drawing/2014/main" id="{399291E5-D9E3-2528-5EF0-E60975DBAA6F}"/>
+              </a:ext>
+            </a:extLst>
+          </p:cNvPr>
+          <p:cNvPicPr>
+            <a:picLocks noGrp="1" noChangeAspect="1"/>
+          </p:cNvPicPr>
+          <p:nvPr>
+            <p:ph sz="half" idx="2"/>
+          </p:nvPr>
+        </p:nvPicPr>
+        <p:blipFill>
+          <a:blip r:embed="rId2"/>
+          <a:stretch>
+            <a:fillRect/>
+          </a:stretch>
+        </p:blipFill>
+        <p:spPr>
+          <a:xfrm>
+            <a:off x="6272211" y="1665288"/>
+            <a:ext cx="5584825" cy="3989938"/>
+          </a:xfrm>
+        </p:spPr>
+      </p:pic>
+    </p:spTree>
+    <p:extLst>
+      <p:ext uri="{BB962C8B-B14F-4D97-AF65-F5344CB8AC3E}">
+        <p14:creationId xmlns:p14="http://schemas.microsoft.com/office/powerpoint/2010/main" val="124401768"/>
+      </p:ext>
+    </p:extLst>
+  </p:cSld>
+  <p:clrMapOvr>
+    <a:masterClrMapping/>
+  </p:clrMapOvr>
+</p:sld>
+</file>
+
 <file path=ppt/slides/slide4.xml><?xml version="1.0" encoding="utf-8"?>
 <p:sld xmlns:a="http://schemas.openxmlformats.org/drawingml/2006/main" xmlns:r="http://schemas.openxmlformats.org/officeDocument/2006/relationships" xmlns:p="http://schemas.openxmlformats.org/presentationml/2006/main">
   <p:cSld>
@@ -9879,6 +12608,2800 @@
     <p:extLst>
       <p:ext uri="{BB962C8B-B14F-4D97-AF65-F5344CB8AC3E}">
         <p14:creationId xmlns:p14="http://schemas.microsoft.com/office/powerpoint/2010/main" val="3550364278"/>
+      </p:ext>
+    </p:extLst>
+  </p:cSld>
+  <p:clrMapOvr>
+    <a:masterClrMapping/>
+  </p:clrMapOvr>
+</p:sld>
+</file>
+
+<file path=ppt/slides/slide40.xml><?xml version="1.0" encoding="utf-8"?>
+<p:sld xmlns:a="http://schemas.openxmlformats.org/drawingml/2006/main" xmlns:r="http://schemas.openxmlformats.org/officeDocument/2006/relationships" xmlns:p="http://schemas.openxmlformats.org/presentationml/2006/main">
+  <p:cSld>
+    <p:spTree>
+      <p:nvGrpSpPr>
+        <p:cNvPr id="1" name="">
+          <a:extLst>
+            <a:ext uri="{FF2B5EF4-FFF2-40B4-BE49-F238E27FC236}">
+              <a16:creationId xmlns:a16="http://schemas.microsoft.com/office/drawing/2014/main" id="{EDD3E30B-1B84-E0C1-C916-9B0463F3E0DB}"/>
+            </a:ext>
+          </a:extLst>
+        </p:cNvPr>
+        <p:cNvGrpSpPr/>
+        <p:nvPr/>
+      </p:nvGrpSpPr>
+      <p:grpSpPr>
+        <a:xfrm>
+          <a:off x="0" y="0"/>
+          <a:ext cx="0" cy="0"/>
+          <a:chOff x="0" y="0"/>
+          <a:chExt cx="0" cy="0"/>
+        </a:xfrm>
+      </p:grpSpPr>
+      <p:sp>
+        <p:nvSpPr>
+          <p:cNvPr id="5" name="Titel 4">
+            <a:extLst>
+              <a:ext uri="{FF2B5EF4-FFF2-40B4-BE49-F238E27FC236}">
+                <a16:creationId xmlns:a16="http://schemas.microsoft.com/office/drawing/2014/main" id="{6384208D-AFE2-2358-A6D7-6F658171A73B}"/>
+              </a:ext>
+            </a:extLst>
+          </p:cNvPr>
+          <p:cNvSpPr>
+            <a:spLocks noGrp="1"/>
+          </p:cNvSpPr>
+          <p:nvPr>
+            <p:ph type="ctrTitle"/>
+          </p:nvPr>
+        </p:nvSpPr>
+        <p:spPr/>
+        <p:txBody>
+          <a:bodyPr/>
+          <a:lstStyle/>
+          <a:p>
+            <a:r>
+              <a:rPr lang="de-DE" dirty="0"/>
+              <a:t>Performance Monitor</a:t>
+            </a:r>
+            <a:br>
+              <a:rPr lang="de-DE" dirty="0"/>
+            </a:br>
+            <a:r>
+              <a:rPr lang="de-DE" dirty="0"/>
+              <a:t>Windows Admin Center</a:t>
+            </a:r>
+          </a:p>
+        </p:txBody>
+      </p:sp>
+      <p:sp>
+        <p:nvSpPr>
+          <p:cNvPr id="6" name="Untertitel 5">
+            <a:extLst>
+              <a:ext uri="{FF2B5EF4-FFF2-40B4-BE49-F238E27FC236}">
+                <a16:creationId xmlns:a16="http://schemas.microsoft.com/office/drawing/2014/main" id="{BFDC81CA-CCC1-889C-6621-5FEE171C3DD4}"/>
+              </a:ext>
+            </a:extLst>
+          </p:cNvPr>
+          <p:cNvSpPr>
+            <a:spLocks noGrp="1"/>
+          </p:cNvSpPr>
+          <p:nvPr>
+            <p:ph type="subTitle" idx="1"/>
+          </p:nvPr>
+        </p:nvSpPr>
+        <p:spPr/>
+        <p:txBody>
+          <a:bodyPr/>
+          <a:lstStyle/>
+          <a:p>
+            <a:r>
+              <a:rPr lang="de-DE" dirty="0"/>
+              <a:t>Source Tool for Resource Performance</a:t>
+            </a:r>
+          </a:p>
+        </p:txBody>
+      </p:sp>
+    </p:spTree>
+    <p:extLst>
+      <p:ext uri="{BB962C8B-B14F-4D97-AF65-F5344CB8AC3E}">
+        <p14:creationId xmlns:p14="http://schemas.microsoft.com/office/powerpoint/2010/main" val="1307778200"/>
+      </p:ext>
+    </p:extLst>
+  </p:cSld>
+  <p:clrMapOvr>
+    <a:masterClrMapping/>
+  </p:clrMapOvr>
+</p:sld>
+</file>
+
+<file path=ppt/slides/slide41.xml><?xml version="1.0" encoding="utf-8"?>
+<p:sld xmlns:a="http://schemas.openxmlformats.org/drawingml/2006/main" xmlns:r="http://schemas.openxmlformats.org/officeDocument/2006/relationships" xmlns:p="http://schemas.openxmlformats.org/presentationml/2006/main">
+  <p:cSld>
+    <p:spTree>
+      <p:nvGrpSpPr>
+        <p:cNvPr id="1" name="">
+          <a:extLst>
+            <a:ext uri="{FF2B5EF4-FFF2-40B4-BE49-F238E27FC236}">
+              <a16:creationId xmlns:a16="http://schemas.microsoft.com/office/drawing/2014/main" id="{1C0848E3-FB7A-C2E1-28E7-4BD9A96DDD00}"/>
+            </a:ext>
+          </a:extLst>
+        </p:cNvPr>
+        <p:cNvGrpSpPr/>
+        <p:nvPr/>
+      </p:nvGrpSpPr>
+      <p:grpSpPr>
+        <a:xfrm>
+          <a:off x="0" y="0"/>
+          <a:ext cx="0" cy="0"/>
+          <a:chOff x="0" y="0"/>
+          <a:chExt cx="0" cy="0"/>
+        </a:xfrm>
+      </p:grpSpPr>
+      <p:sp>
+        <p:nvSpPr>
+          <p:cNvPr id="2" name="Titel 1">
+            <a:extLst>
+              <a:ext uri="{FF2B5EF4-FFF2-40B4-BE49-F238E27FC236}">
+                <a16:creationId xmlns:a16="http://schemas.microsoft.com/office/drawing/2014/main" id="{F953F5B2-E3DB-2102-79AF-ED718A453363}"/>
+              </a:ext>
+            </a:extLst>
+          </p:cNvPr>
+          <p:cNvSpPr>
+            <a:spLocks noGrp="1"/>
+          </p:cNvSpPr>
+          <p:nvPr>
+            <p:ph type="title"/>
+          </p:nvPr>
+        </p:nvSpPr>
+        <p:spPr/>
+        <p:txBody>
+          <a:bodyPr/>
+          <a:lstStyle/>
+          <a:p>
+            <a:r>
+              <a:rPr lang="de-DE" dirty="0"/>
+              <a:t>Windows Admin Center vs. PerfMon</a:t>
+            </a:r>
+          </a:p>
+        </p:txBody>
+      </p:sp>
+      <p:sp>
+        <p:nvSpPr>
+          <p:cNvPr id="3" name="Inhaltsplatzhalter 2">
+            <a:extLst>
+              <a:ext uri="{FF2B5EF4-FFF2-40B4-BE49-F238E27FC236}">
+                <a16:creationId xmlns:a16="http://schemas.microsoft.com/office/drawing/2014/main" id="{88A25A4A-44B4-A5A7-927D-67E2A22F146D}"/>
+              </a:ext>
+            </a:extLst>
+          </p:cNvPr>
+          <p:cNvSpPr>
+            <a:spLocks noGrp="1"/>
+          </p:cNvSpPr>
+          <p:nvPr>
+            <p:ph sz="half" idx="1"/>
+          </p:nvPr>
+        </p:nvSpPr>
+        <p:spPr/>
+        <p:txBody>
+          <a:bodyPr>
+            <a:normAutofit fontScale="85000" lnSpcReduction="10000"/>
+          </a:bodyPr>
+          <a:lstStyle/>
+          <a:p>
+            <a:r>
+              <a:rPr lang="en-US" dirty="0"/>
+              <a:t>Windows Admin Server</a:t>
+            </a:r>
+          </a:p>
+          <a:p>
+            <a:pPr lvl="1"/>
+            <a:r>
+              <a:rPr lang="en-US" dirty="0"/>
+              <a:t>Windows Admin Center is generally more suitable for administrators looking for an all-in-one, user-friendly tool for managing multiple servers</a:t>
+            </a:r>
+          </a:p>
+          <a:p>
+            <a:pPr lvl="1"/>
+            <a:r>
+              <a:rPr lang="en-US" dirty="0"/>
+              <a:t>ease of use</a:t>
+            </a:r>
+          </a:p>
+          <a:p>
+            <a:pPr lvl="1"/>
+            <a:r>
+              <a:rPr lang="en-US" dirty="0"/>
+              <a:t>centralized management.</a:t>
+            </a:r>
+          </a:p>
+          <a:p>
+            <a:r>
+              <a:rPr lang="en-US" dirty="0"/>
+              <a:t>Performance Monitor</a:t>
+            </a:r>
+          </a:p>
+          <a:p>
+            <a:pPr lvl="1"/>
+            <a:r>
+              <a:rPr lang="en-US" dirty="0"/>
+              <a:t> PerfMon remains a powerful tool for more in-depth, counter-specific monitoring on individual servers, </a:t>
+            </a:r>
+          </a:p>
+          <a:p>
+            <a:pPr lvl="1"/>
+            <a:r>
+              <a:rPr lang="en-US" dirty="0"/>
+              <a:t>use may be limited to specific scenarios where detailed monitoring is required without needing broader server management features.</a:t>
+            </a:r>
+          </a:p>
+          <a:p>
+            <a:pPr marL="0" indent="0">
+              <a:buNone/>
+            </a:pPr>
+            <a:r>
+              <a:rPr lang="en-US" dirty="0">
+                <a:solidFill>
+                  <a:schemeClr val="accent6">
+                    <a:lumMod val="75000"/>
+                  </a:schemeClr>
+                </a:solidFill>
+              </a:rPr>
+              <a:t>Use Windows Admin Center for day-to-day management</a:t>
+            </a:r>
+          </a:p>
+          <a:p>
+            <a:pPr marL="0" indent="0">
+              <a:buNone/>
+            </a:pPr>
+            <a:r>
+              <a:rPr lang="en-US" dirty="0">
+                <a:solidFill>
+                  <a:schemeClr val="accent6">
+                    <a:lumMod val="75000"/>
+                  </a:schemeClr>
+                </a:solidFill>
+              </a:rPr>
+              <a:t>Use PerfMon as a specialized tool for deep performance diagnostics</a:t>
+            </a:r>
+            <a:endParaRPr lang="de-DE" dirty="0">
+              <a:solidFill>
+                <a:schemeClr val="accent6">
+                  <a:lumMod val="75000"/>
+                </a:schemeClr>
+              </a:solidFill>
+            </a:endParaRPr>
+          </a:p>
+        </p:txBody>
+      </p:sp>
+      <p:pic>
+        <p:nvPicPr>
+          <p:cNvPr id="6" name="Inhaltsplatzhalter 5">
+            <a:extLst>
+              <a:ext uri="{FF2B5EF4-FFF2-40B4-BE49-F238E27FC236}">
+                <a16:creationId xmlns:a16="http://schemas.microsoft.com/office/drawing/2014/main" id="{B5EE98F5-3302-8A63-19D2-BD2EE8AFD45D}"/>
+              </a:ext>
+            </a:extLst>
+          </p:cNvPr>
+          <p:cNvPicPr>
+            <a:picLocks noGrp="1" noChangeAspect="1"/>
+          </p:cNvPicPr>
+          <p:nvPr>
+            <p:ph sz="half" idx="2"/>
+          </p:nvPr>
+        </p:nvPicPr>
+        <p:blipFill>
+          <a:blip r:embed="rId2"/>
+          <a:stretch>
+            <a:fillRect/>
+          </a:stretch>
+        </p:blipFill>
+        <p:spPr>
+          <a:xfrm>
+            <a:off x="6557214" y="1665288"/>
+            <a:ext cx="5014822" cy="4572000"/>
+          </a:xfrm>
+          <a:ln>
+            <a:solidFill>
+              <a:schemeClr val="tx1"/>
+            </a:solidFill>
+          </a:ln>
+          <a:effectLst>
+            <a:outerShdw blurRad="50800" dist="38100" dir="2700000" algn="tl" rotWithShape="0">
+              <a:prstClr val="black">
+                <a:alpha val="40000"/>
+              </a:prstClr>
+            </a:outerShdw>
+          </a:effectLst>
+        </p:spPr>
+      </p:pic>
+    </p:spTree>
+    <p:extLst>
+      <p:ext uri="{BB962C8B-B14F-4D97-AF65-F5344CB8AC3E}">
+        <p14:creationId xmlns:p14="http://schemas.microsoft.com/office/powerpoint/2010/main" val="3618388199"/>
+      </p:ext>
+    </p:extLst>
+  </p:cSld>
+  <p:clrMapOvr>
+    <a:masterClrMapping/>
+  </p:clrMapOvr>
+</p:sld>
+</file>
+
+<file path=ppt/slides/slide42.xml><?xml version="1.0" encoding="utf-8"?>
+<p:sld xmlns:a="http://schemas.openxmlformats.org/drawingml/2006/main" xmlns:r="http://schemas.openxmlformats.org/officeDocument/2006/relationships" xmlns:p="http://schemas.openxmlformats.org/presentationml/2006/main">
+  <p:cSld>
+    <p:spTree>
+      <p:nvGrpSpPr>
+        <p:cNvPr id="1" name="">
+          <a:extLst>
+            <a:ext uri="{FF2B5EF4-FFF2-40B4-BE49-F238E27FC236}">
+              <a16:creationId xmlns:a16="http://schemas.microsoft.com/office/drawing/2014/main" id="{4B3FF029-EE77-725F-4B2A-12C0F2D2A995}"/>
+            </a:ext>
+          </a:extLst>
+        </p:cNvPr>
+        <p:cNvGrpSpPr/>
+        <p:nvPr/>
+      </p:nvGrpSpPr>
+      <p:grpSpPr>
+        <a:xfrm>
+          <a:off x="0" y="0"/>
+          <a:ext cx="0" cy="0"/>
+          <a:chOff x="0" y="0"/>
+          <a:chExt cx="0" cy="0"/>
+        </a:xfrm>
+      </p:grpSpPr>
+      <p:sp>
+        <p:nvSpPr>
+          <p:cNvPr id="2" name="Titel 1">
+            <a:extLst>
+              <a:ext uri="{FF2B5EF4-FFF2-40B4-BE49-F238E27FC236}">
+                <a16:creationId xmlns:a16="http://schemas.microsoft.com/office/drawing/2014/main" id="{032C3991-64BD-808D-D4EB-5BE59A829DF8}"/>
+              </a:ext>
+            </a:extLst>
+          </p:cNvPr>
+          <p:cNvSpPr>
+            <a:spLocks noGrp="1"/>
+          </p:cNvSpPr>
+          <p:nvPr>
+            <p:ph type="title"/>
+          </p:nvPr>
+        </p:nvSpPr>
+        <p:spPr/>
+        <p:txBody>
+          <a:bodyPr/>
+          <a:lstStyle/>
+          <a:p>
+            <a:r>
+              <a:rPr lang="en-US" dirty="0"/>
+              <a:t>Windows Admin Center – Hands On/Demo</a:t>
+            </a:r>
+          </a:p>
+        </p:txBody>
+      </p:sp>
+      <p:sp>
+        <p:nvSpPr>
+          <p:cNvPr id="3" name="Inhaltsplatzhalter 2">
+            <a:extLst>
+              <a:ext uri="{FF2B5EF4-FFF2-40B4-BE49-F238E27FC236}">
+                <a16:creationId xmlns:a16="http://schemas.microsoft.com/office/drawing/2014/main" id="{121738CC-A59A-7A44-4212-303D5D82548B}"/>
+              </a:ext>
+            </a:extLst>
+          </p:cNvPr>
+          <p:cNvSpPr>
+            <a:spLocks noGrp="1"/>
+          </p:cNvSpPr>
+          <p:nvPr>
+            <p:ph sz="half" idx="1"/>
+          </p:nvPr>
+        </p:nvSpPr>
+        <p:spPr/>
+        <p:txBody>
+          <a:bodyPr/>
+          <a:lstStyle/>
+          <a:p>
+            <a:pPr lvl="1"/>
+            <a:r>
+              <a:rPr lang="en-US" dirty="0"/>
+              <a:t>open the script</a:t>
+            </a:r>
+            <a:br>
+              <a:rPr lang="en-US" dirty="0"/>
+            </a:br>
+            <a:r>
+              <a:rPr lang="en-US" dirty="0"/>
+              <a:t>	</a:t>
+            </a:r>
+            <a:r>
+              <a:rPr lang="en-US" sz="1400" b="1" dirty="0">
+                <a:solidFill>
+                  <a:schemeClr val="accent5">
+                    <a:lumMod val="75000"/>
+                  </a:schemeClr>
+                </a:solidFill>
+                <a:latin typeface="Lucida Console" panose="020B0609040504020204" pitchFamily="49" charset="0"/>
+              </a:rPr>
+              <a:t>02 – demo of Windows Admin </a:t>
+            </a:r>
+            <a:r>
+              <a:rPr lang="en-US" sz="1400" b="1" dirty="0" err="1">
+                <a:solidFill>
+                  <a:schemeClr val="accent5">
+                    <a:lumMod val="75000"/>
+                  </a:schemeClr>
+                </a:solidFill>
+                <a:latin typeface="Lucida Console" panose="020B0609040504020204" pitchFamily="49" charset="0"/>
+              </a:rPr>
+              <a:t>Center.sql</a:t>
+            </a:r>
+            <a:endParaRPr lang="en-US" sz="1400" b="1" dirty="0">
+              <a:solidFill>
+                <a:schemeClr val="accent5">
+                  <a:lumMod val="75000"/>
+                </a:schemeClr>
+              </a:solidFill>
+              <a:latin typeface="Lucida Console" panose="020B0609040504020204" pitchFamily="49" charset="0"/>
+            </a:endParaRPr>
+          </a:p>
+          <a:p>
+            <a:pPr lvl="1"/>
+            <a:r>
+              <a:rPr lang="en-US" dirty="0"/>
+              <a:t>follow the instructions of the instructor</a:t>
+            </a:r>
+            <a:endParaRPr lang="en-US" sz="1400" b="1" dirty="0">
+              <a:solidFill>
+                <a:schemeClr val="accent5">
+                  <a:lumMod val="75000"/>
+                </a:schemeClr>
+              </a:solidFill>
+              <a:latin typeface="Lucida Console" panose="020B0609040504020204" pitchFamily="49" charset="0"/>
+            </a:endParaRPr>
+          </a:p>
+          <a:p>
+            <a:pPr lvl="1"/>
+            <a:r>
+              <a:rPr lang="en-US" dirty="0"/>
+              <a:t>start SQL Query Stress</a:t>
+            </a:r>
+          </a:p>
+          <a:p>
+            <a:pPr lvl="1"/>
+            <a:r>
+              <a:rPr lang="en-US" dirty="0"/>
+              <a:t>Load the pre-configuration set:</a:t>
+            </a:r>
+            <a:br>
+              <a:rPr lang="en-US" dirty="0"/>
+            </a:br>
+            <a:r>
+              <a:rPr lang="en-US" dirty="0"/>
+              <a:t>	</a:t>
+            </a:r>
+            <a:r>
+              <a:rPr lang="en-US" sz="1400" b="1" dirty="0">
+                <a:latin typeface="Lucida Console" panose="020B0609040504020204" pitchFamily="49" charset="0"/>
+              </a:rPr>
+              <a:t>Windows Admin Center </a:t>
+            </a:r>
+            <a:r>
+              <a:rPr lang="en-US" sz="1400" b="1" dirty="0" err="1">
+                <a:latin typeface="Lucida Console" panose="020B0609040504020204" pitchFamily="49" charset="0"/>
+              </a:rPr>
+              <a:t>Demo.json</a:t>
+            </a:r>
+            <a:endParaRPr lang="en-US" sz="1400" b="1" dirty="0">
+              <a:latin typeface="Lucida Console" panose="020B0609040504020204" pitchFamily="49" charset="0"/>
+            </a:endParaRPr>
+          </a:p>
+          <a:p>
+            <a:pPr lvl="1"/>
+            <a:r>
+              <a:rPr lang="en-US" dirty="0"/>
+              <a:t>follow the next instructions of the instructor</a:t>
+            </a:r>
+            <a:br>
+              <a:rPr lang="en-US" dirty="0"/>
+            </a:br>
+            <a:r>
+              <a:rPr lang="en-US" dirty="0"/>
+              <a:t>see the different execution plans in Query Store</a:t>
+            </a:r>
+          </a:p>
+        </p:txBody>
+      </p:sp>
+      <p:pic>
+        <p:nvPicPr>
+          <p:cNvPr id="7" name="Inhaltsplatzhalter 5">
+            <a:extLst>
+              <a:ext uri="{FF2B5EF4-FFF2-40B4-BE49-F238E27FC236}">
+                <a16:creationId xmlns:a16="http://schemas.microsoft.com/office/drawing/2014/main" id="{4CA110E9-541B-45F2-36E2-979C1B882ADC}"/>
+              </a:ext>
+            </a:extLst>
+          </p:cNvPr>
+          <p:cNvPicPr>
+            <a:picLocks noGrp="1" noChangeAspect="1"/>
+          </p:cNvPicPr>
+          <p:nvPr>
+            <p:ph sz="half" idx="2"/>
+          </p:nvPr>
+        </p:nvPicPr>
+        <p:blipFill>
+          <a:blip r:embed="rId2"/>
+          <a:stretch>
+            <a:fillRect/>
+          </a:stretch>
+        </p:blipFill>
+        <p:spPr>
+          <a:xfrm>
+            <a:off x="6557214" y="1665288"/>
+            <a:ext cx="5014822" cy="4572000"/>
+          </a:xfrm>
+          <a:ln>
+            <a:solidFill>
+              <a:schemeClr val="tx1"/>
+            </a:solidFill>
+          </a:ln>
+          <a:effectLst>
+            <a:outerShdw blurRad="50800" dist="38100" dir="2700000" algn="tl" rotWithShape="0">
+              <a:prstClr val="black">
+                <a:alpha val="40000"/>
+              </a:prstClr>
+            </a:outerShdw>
+          </a:effectLst>
+        </p:spPr>
+      </p:pic>
+    </p:spTree>
+    <p:extLst>
+      <p:ext uri="{BB962C8B-B14F-4D97-AF65-F5344CB8AC3E}">
+        <p14:creationId xmlns:p14="http://schemas.microsoft.com/office/powerpoint/2010/main" val="2685282423"/>
+      </p:ext>
+    </p:extLst>
+  </p:cSld>
+  <p:clrMapOvr>
+    <a:masterClrMapping/>
+  </p:clrMapOvr>
+</p:sld>
+</file>
+
+<file path=ppt/slides/slide43.xml><?xml version="1.0" encoding="utf-8"?>
+<p:sld xmlns:a="http://schemas.openxmlformats.org/drawingml/2006/main" xmlns:r="http://schemas.openxmlformats.org/officeDocument/2006/relationships" xmlns:p="http://schemas.openxmlformats.org/presentationml/2006/main">
+  <p:cSld>
+    <p:spTree>
+      <p:nvGrpSpPr>
+        <p:cNvPr id="1" name="">
+          <a:extLst>
+            <a:ext uri="{FF2B5EF4-FFF2-40B4-BE49-F238E27FC236}">
+              <a16:creationId xmlns:a16="http://schemas.microsoft.com/office/drawing/2014/main" id="{F0135408-E787-E472-63E4-E0044E5C9B63}"/>
+            </a:ext>
+          </a:extLst>
+        </p:cNvPr>
+        <p:cNvGrpSpPr/>
+        <p:nvPr/>
+      </p:nvGrpSpPr>
+      <p:grpSpPr>
+        <a:xfrm>
+          <a:off x="0" y="0"/>
+          <a:ext cx="0" cy="0"/>
+          <a:chOff x="0" y="0"/>
+          <a:chExt cx="0" cy="0"/>
+        </a:xfrm>
+      </p:grpSpPr>
+      <p:sp>
+        <p:nvSpPr>
+          <p:cNvPr id="4" name="Titel 3">
+            <a:extLst>
+              <a:ext uri="{FF2B5EF4-FFF2-40B4-BE49-F238E27FC236}">
+                <a16:creationId xmlns:a16="http://schemas.microsoft.com/office/drawing/2014/main" id="{C922FD68-91DB-79B5-ECEB-C9629CB96C29}"/>
+              </a:ext>
+            </a:extLst>
+          </p:cNvPr>
+          <p:cNvSpPr>
+            <a:spLocks noGrp="1"/>
+          </p:cNvSpPr>
+          <p:nvPr>
+            <p:ph type="ctrTitle"/>
+          </p:nvPr>
+        </p:nvSpPr>
+        <p:spPr/>
+        <p:txBody>
+          <a:bodyPr/>
+          <a:lstStyle/>
+          <a:p>
+            <a:r>
+              <a:rPr lang="en-US" dirty="0"/>
+              <a:t>Scenario #1</a:t>
+            </a:r>
+          </a:p>
+        </p:txBody>
+      </p:sp>
+      <p:sp>
+        <p:nvSpPr>
+          <p:cNvPr id="5" name="Untertitel 4">
+            <a:extLst>
+              <a:ext uri="{FF2B5EF4-FFF2-40B4-BE49-F238E27FC236}">
+                <a16:creationId xmlns:a16="http://schemas.microsoft.com/office/drawing/2014/main" id="{13B71540-8EBC-48E7-ECBC-BAD44C1642D8}"/>
+              </a:ext>
+            </a:extLst>
+          </p:cNvPr>
+          <p:cNvSpPr>
+            <a:spLocks noGrp="1"/>
+          </p:cNvSpPr>
+          <p:nvPr>
+            <p:ph type="subTitle" idx="1"/>
+          </p:nvPr>
+        </p:nvSpPr>
+        <p:spPr/>
+        <p:txBody>
+          <a:bodyPr/>
+          <a:lstStyle/>
+          <a:p>
+            <a:r>
+              <a:rPr lang="en-US" dirty="0"/>
+              <a:t>When functions don‘t function</a:t>
+            </a:r>
+          </a:p>
+        </p:txBody>
+      </p:sp>
+    </p:spTree>
+    <p:extLst>
+      <p:ext uri="{BB962C8B-B14F-4D97-AF65-F5344CB8AC3E}">
+        <p14:creationId xmlns:p14="http://schemas.microsoft.com/office/powerpoint/2010/main" val="3896721346"/>
+      </p:ext>
+    </p:extLst>
+  </p:cSld>
+  <p:clrMapOvr>
+    <a:masterClrMapping/>
+  </p:clrMapOvr>
+</p:sld>
+</file>
+
+<file path=ppt/slides/slide44.xml><?xml version="1.0" encoding="utf-8"?>
+<p:sld xmlns:a="http://schemas.openxmlformats.org/drawingml/2006/main" xmlns:r="http://schemas.openxmlformats.org/officeDocument/2006/relationships" xmlns:p="http://schemas.openxmlformats.org/presentationml/2006/main">
+  <p:cSld>
+    <p:spTree>
+      <p:nvGrpSpPr>
+        <p:cNvPr id="1" name="">
+          <a:extLst>
+            <a:ext uri="{FF2B5EF4-FFF2-40B4-BE49-F238E27FC236}">
+              <a16:creationId xmlns:a16="http://schemas.microsoft.com/office/drawing/2014/main" id="{545BEFD2-5499-97F3-61BA-803DBDD25C2F}"/>
+            </a:ext>
+          </a:extLst>
+        </p:cNvPr>
+        <p:cNvGrpSpPr/>
+        <p:nvPr/>
+      </p:nvGrpSpPr>
+      <p:grpSpPr>
+        <a:xfrm>
+          <a:off x="0" y="0"/>
+          <a:ext cx="0" cy="0"/>
+          <a:chOff x="0" y="0"/>
+          <a:chExt cx="0" cy="0"/>
+        </a:xfrm>
+      </p:grpSpPr>
+      <p:sp>
+        <p:nvSpPr>
+          <p:cNvPr id="2" name="Titel 1">
+            <a:extLst>
+              <a:ext uri="{FF2B5EF4-FFF2-40B4-BE49-F238E27FC236}">
+                <a16:creationId xmlns:a16="http://schemas.microsoft.com/office/drawing/2014/main" id="{43F62C6D-627C-5C7B-C884-7DA344E83D65}"/>
+              </a:ext>
+            </a:extLst>
+          </p:cNvPr>
+          <p:cNvSpPr>
+            <a:spLocks noGrp="1"/>
+          </p:cNvSpPr>
+          <p:nvPr>
+            <p:ph type="title"/>
+          </p:nvPr>
+        </p:nvSpPr>
+        <p:spPr/>
+        <p:txBody>
+          <a:bodyPr/>
+          <a:lstStyle/>
+          <a:p>
+            <a:r>
+              <a:rPr lang="de-DE" dirty="0"/>
+              <a:t>Scenario 1 – Problem Description</a:t>
+            </a:r>
+          </a:p>
+        </p:txBody>
+      </p:sp>
+      <p:sp>
+        <p:nvSpPr>
+          <p:cNvPr id="3" name="Inhaltsplatzhalter 2">
+            <a:extLst>
+              <a:ext uri="{FF2B5EF4-FFF2-40B4-BE49-F238E27FC236}">
+                <a16:creationId xmlns:a16="http://schemas.microsoft.com/office/drawing/2014/main" id="{B8D76036-C55F-4F22-4EAD-64C6E0D9E0AF}"/>
+              </a:ext>
+            </a:extLst>
+          </p:cNvPr>
+          <p:cNvSpPr>
+            <a:spLocks noGrp="1"/>
+          </p:cNvSpPr>
+          <p:nvPr>
+            <p:ph idx="1"/>
+          </p:nvPr>
+        </p:nvSpPr>
+        <p:spPr/>
+        <p:txBody>
+          <a:bodyPr/>
+          <a:lstStyle/>
+          <a:p>
+            <a:r>
+              <a:rPr lang="en-US" b="1" dirty="0"/>
+              <a:t>Description</a:t>
+            </a:r>
+          </a:p>
+          <a:p>
+            <a:pPr lvl="1"/>
+            <a:r>
+              <a:rPr lang="en-US" dirty="0"/>
+              <a:t>A job engine produces 24/7 for ~16.000.000 customers on a daily basis a class type calculation. Since lots of customers must be recalculated every day, the job engine is working with 20 simultaneous processes.</a:t>
+            </a:r>
+          </a:p>
+          <a:p>
+            <a:pPr lvl="1"/>
+            <a:r>
+              <a:rPr lang="en-US" dirty="0"/>
+              <a:t>The developers are using a User Defined Function for the calculation of the class type!</a:t>
+            </a:r>
+          </a:p>
+          <a:p>
+            <a:r>
+              <a:rPr lang="en-US" b="1" dirty="0"/>
+              <a:t>Problem</a:t>
+            </a:r>
+          </a:p>
+          <a:p>
+            <a:pPr lvl="1"/>
+            <a:r>
+              <a:rPr lang="en-US" dirty="0"/>
+              <a:t>If the job queue has a particularly large number of entries (&gt; 1,000,000), performance drops and the system is no longer able to respond!</a:t>
+            </a:r>
+          </a:p>
+          <a:p>
+            <a:pPr lvl="1"/>
+            <a:r>
+              <a:rPr lang="en-US" dirty="0"/>
+              <a:t>We observe high latency on the system database TEMPDB when the number of entries raise (correlation!).</a:t>
+            </a:r>
+            <a:endParaRPr lang="de-DE" dirty="0"/>
+          </a:p>
+        </p:txBody>
+      </p:sp>
+    </p:spTree>
+    <p:extLst>
+      <p:ext uri="{BB962C8B-B14F-4D97-AF65-F5344CB8AC3E}">
+        <p14:creationId xmlns:p14="http://schemas.microsoft.com/office/powerpoint/2010/main" val="2284248756"/>
+      </p:ext>
+    </p:extLst>
+  </p:cSld>
+  <p:clrMapOvr>
+    <a:masterClrMapping/>
+  </p:clrMapOvr>
+</p:sld>
+</file>
+
+<file path=ppt/slides/slide45.xml><?xml version="1.0" encoding="utf-8"?>
+<p:sld xmlns:a="http://schemas.openxmlformats.org/drawingml/2006/main" xmlns:r="http://schemas.openxmlformats.org/officeDocument/2006/relationships" xmlns:p="http://schemas.openxmlformats.org/presentationml/2006/main">
+  <p:cSld>
+    <p:spTree>
+      <p:nvGrpSpPr>
+        <p:cNvPr id="1" name="">
+          <a:extLst>
+            <a:ext uri="{FF2B5EF4-FFF2-40B4-BE49-F238E27FC236}">
+              <a16:creationId xmlns:a16="http://schemas.microsoft.com/office/drawing/2014/main" id="{D37D8A85-354D-EB8B-5753-8AA7799A9879}"/>
+            </a:ext>
+          </a:extLst>
+        </p:cNvPr>
+        <p:cNvGrpSpPr/>
+        <p:nvPr/>
+      </p:nvGrpSpPr>
+      <p:grpSpPr>
+        <a:xfrm>
+          <a:off x="0" y="0"/>
+          <a:ext cx="0" cy="0"/>
+          <a:chOff x="0" y="0"/>
+          <a:chExt cx="0" cy="0"/>
+        </a:xfrm>
+      </p:grpSpPr>
+      <p:sp>
+        <p:nvSpPr>
+          <p:cNvPr id="2" name="Titel 1">
+            <a:extLst>
+              <a:ext uri="{FF2B5EF4-FFF2-40B4-BE49-F238E27FC236}">
+                <a16:creationId xmlns:a16="http://schemas.microsoft.com/office/drawing/2014/main" id="{A87B6BD0-170B-233E-38E5-1E8B51B4F677}"/>
+              </a:ext>
+            </a:extLst>
+          </p:cNvPr>
+          <p:cNvSpPr>
+            <a:spLocks noGrp="1"/>
+          </p:cNvSpPr>
+          <p:nvPr>
+            <p:ph type="title"/>
+          </p:nvPr>
+        </p:nvSpPr>
+        <p:spPr/>
+        <p:txBody>
+          <a:bodyPr/>
+          <a:lstStyle/>
+          <a:p>
+            <a:r>
+              <a:rPr lang="en-US" dirty="0"/>
+              <a:t>Scenario 1 - Preparation</a:t>
+            </a:r>
+          </a:p>
+        </p:txBody>
+      </p:sp>
+      <p:sp>
+        <p:nvSpPr>
+          <p:cNvPr id="3" name="Inhaltsplatzhalter 2">
+            <a:extLst>
+              <a:ext uri="{FF2B5EF4-FFF2-40B4-BE49-F238E27FC236}">
+                <a16:creationId xmlns:a16="http://schemas.microsoft.com/office/drawing/2014/main" id="{2E9DC908-7F69-C678-D378-0152B8850C6B}"/>
+              </a:ext>
+            </a:extLst>
+          </p:cNvPr>
+          <p:cNvSpPr>
+            <a:spLocks noGrp="1"/>
+          </p:cNvSpPr>
+          <p:nvPr>
+            <p:ph idx="1"/>
+          </p:nvPr>
+        </p:nvSpPr>
+        <p:spPr/>
+        <p:txBody>
+          <a:bodyPr/>
+          <a:lstStyle/>
+          <a:p>
+            <a:r>
+              <a:rPr lang="en-US" b="1" dirty="0"/>
+              <a:t>Demo Configuration</a:t>
+            </a:r>
+          </a:p>
+          <a:p>
+            <a:pPr lvl="1"/>
+            <a:r>
+              <a:rPr lang="en-US" dirty="0"/>
+              <a:t>To demonstrate the problem, two tables (</a:t>
+            </a:r>
+            <a:r>
+              <a:rPr lang="en-US" b="1" dirty="0"/>
+              <a:t>[</a:t>
+            </a:r>
+            <a:r>
+              <a:rPr lang="en-US" b="1" dirty="0" err="1"/>
+              <a:t>dbo</a:t>
+            </a:r>
+            <a:r>
+              <a:rPr lang="en-US" b="1" dirty="0"/>
+              <a:t>].[customers] </a:t>
+            </a:r>
+            <a:r>
+              <a:rPr lang="en-US" dirty="0"/>
+              <a:t>and </a:t>
+            </a:r>
+            <a:r>
+              <a:rPr lang="en-US" b="1" dirty="0"/>
+              <a:t>[</a:t>
+            </a:r>
+            <a:r>
+              <a:rPr lang="en-US" b="1" dirty="0" err="1"/>
+              <a:t>dbo</a:t>
+            </a:r>
+            <a:r>
+              <a:rPr lang="en-US" b="1" dirty="0"/>
+              <a:t>].[orders]</a:t>
+            </a:r>
+            <a:r>
+              <a:rPr lang="en-US" dirty="0"/>
+              <a:t>) are used.</a:t>
+            </a:r>
+          </a:p>
+          <a:p>
+            <a:pPr lvl="1"/>
+            <a:r>
+              <a:rPr lang="en-US" dirty="0"/>
+              <a:t>A user-defined function </a:t>
+            </a:r>
+            <a:r>
+              <a:rPr lang="en-US" sz="1800" dirty="0" err="1">
+                <a:solidFill>
+                  <a:srgbClr val="000000"/>
+                </a:solidFill>
+                <a:highlight>
+                  <a:srgbClr val="FFFFFF"/>
+                </a:highlight>
+                <a:latin typeface="Cascadia Mono" panose="020B0609020000020004" pitchFamily="49" charset="0"/>
+              </a:rPr>
+              <a:t>dbo</a:t>
+            </a:r>
+            <a:r>
+              <a:rPr lang="en-US" sz="1800" dirty="0" err="1">
+                <a:solidFill>
+                  <a:srgbClr val="808080"/>
+                </a:solidFill>
+                <a:highlight>
+                  <a:srgbClr val="FFFFFF"/>
+                </a:highlight>
+                <a:latin typeface="Cascadia Mono" panose="020B0609020000020004" pitchFamily="49" charset="0"/>
+              </a:rPr>
+              <a:t>.</a:t>
+            </a:r>
+            <a:r>
+              <a:rPr lang="en-US" sz="1800" dirty="0" err="1">
+                <a:solidFill>
+                  <a:srgbClr val="000000"/>
+                </a:solidFill>
+                <a:highlight>
+                  <a:srgbClr val="FFFFFF"/>
+                </a:highlight>
+                <a:latin typeface="Cascadia Mono" panose="020B0609020000020004" pitchFamily="49" charset="0"/>
+              </a:rPr>
+              <a:t>calculate_customer_category</a:t>
+            </a:r>
+            <a:r>
+              <a:rPr lang="en-US" sz="1800" dirty="0">
+                <a:solidFill>
+                  <a:srgbClr val="000000"/>
+                </a:solidFill>
+                <a:highlight>
+                  <a:srgbClr val="FFFFFF"/>
+                </a:highlight>
+                <a:latin typeface="Cascadia Mono" panose="020B0609020000020004" pitchFamily="49" charset="0"/>
+              </a:rPr>
+              <a:t>()</a:t>
+            </a:r>
+            <a:r>
+              <a:rPr lang="en-US" dirty="0"/>
+              <a:t> is implemented.</a:t>
+            </a:r>
+          </a:p>
+          <a:p>
+            <a:pPr lvl="1"/>
+            <a:r>
+              <a:rPr lang="en-US" dirty="0"/>
+              <a:t>It analyze the orders for a customer (identified by customer number (</a:t>
+            </a:r>
+            <a:r>
+              <a:rPr lang="en-US" b="1" dirty="0"/>
+              <a:t>[</a:t>
+            </a:r>
+            <a:r>
+              <a:rPr lang="en-US" b="1" dirty="0" err="1"/>
+              <a:t>c_custkey</a:t>
+            </a:r>
+            <a:r>
+              <a:rPr lang="en-US" b="1" dirty="0"/>
+              <a:t>]</a:t>
+            </a:r>
+            <a:r>
+              <a:rPr lang="en-US" dirty="0"/>
+              <a:t>) and categorizes the customer.</a:t>
+            </a:r>
+          </a:p>
+          <a:p>
+            <a:r>
+              <a:rPr lang="en-US" b="1" dirty="0"/>
+              <a:t>Demo Setup</a:t>
+            </a:r>
+          </a:p>
+          <a:p>
+            <a:pPr lvl="1"/>
+            <a:r>
+              <a:rPr lang="en-US" dirty="0"/>
+              <a:t>execute the script </a:t>
+            </a:r>
+            <a:r>
+              <a:rPr lang="en-US" sz="2000" b="1" dirty="0">
+                <a:solidFill>
+                  <a:schemeClr val="accent5"/>
+                </a:solidFill>
+                <a:latin typeface="Lucida Console" panose="020B0609040504020204" pitchFamily="49" charset="0"/>
+              </a:rPr>
+              <a:t>0001 - scenario 01 – </a:t>
+            </a:r>
+            <a:r>
+              <a:rPr lang="en-US" sz="2000" b="1" dirty="0" err="1">
+                <a:solidFill>
+                  <a:schemeClr val="accent5"/>
+                </a:solidFill>
+                <a:latin typeface="Lucida Console" panose="020B0609040504020204" pitchFamily="49" charset="0"/>
+              </a:rPr>
+              <a:t>preparation.sql</a:t>
+            </a:r>
+            <a:r>
+              <a:rPr lang="en-US" sz="2000" dirty="0"/>
+              <a:t> </a:t>
+            </a:r>
+            <a:r>
+              <a:rPr lang="en-US" dirty="0"/>
+              <a:t>to prepare [</a:t>
+            </a:r>
+            <a:r>
+              <a:rPr lang="en-US" dirty="0" err="1"/>
+              <a:t>dbo</a:t>
+            </a:r>
+            <a:r>
+              <a:rPr lang="en-US" dirty="0"/>
+              <a:t>].[customers] and [</a:t>
+            </a:r>
+            <a:r>
+              <a:rPr lang="en-US" dirty="0" err="1"/>
+              <a:t>dbo</a:t>
+            </a:r>
+            <a:r>
+              <a:rPr lang="en-US" dirty="0"/>
+              <a:t>].[orders] with indexes and Foreign Key References.</a:t>
+            </a:r>
+          </a:p>
+          <a:p>
+            <a:pPr lvl="1"/>
+            <a:r>
+              <a:rPr lang="en-US" dirty="0"/>
+              <a:t>execute the script </a:t>
+            </a:r>
+            <a:r>
+              <a:rPr lang="en-US" sz="2000" b="1" dirty="0">
+                <a:solidFill>
+                  <a:schemeClr val="accent5"/>
+                </a:solidFill>
+                <a:latin typeface="Lucida Console" panose="020B0609040504020204" pitchFamily="49" charset="0"/>
+              </a:rPr>
+              <a:t>0002 - scenario 01 - user defined </a:t>
+            </a:r>
+            <a:r>
+              <a:rPr lang="en-US" sz="2000" b="1" dirty="0" err="1">
+                <a:solidFill>
+                  <a:schemeClr val="accent5"/>
+                </a:solidFill>
+                <a:latin typeface="Lucida Console" panose="020B0609040504020204" pitchFamily="49" charset="0"/>
+              </a:rPr>
+              <a:t>function.sql</a:t>
+            </a:r>
+            <a:r>
+              <a:rPr lang="en-US" sz="2000" b="1" dirty="0">
+                <a:solidFill>
+                  <a:schemeClr val="accent5"/>
+                </a:solidFill>
+                <a:latin typeface="Lucida Console" panose="020B0609040504020204" pitchFamily="49" charset="0"/>
+              </a:rPr>
+              <a:t> </a:t>
+            </a:r>
+            <a:r>
+              <a:rPr lang="en-US" dirty="0"/>
+              <a:t>to create the user defined function.</a:t>
+            </a:r>
+          </a:p>
+          <a:p>
+            <a:pPr lvl="1"/>
+            <a:r>
+              <a:rPr lang="en-US" dirty="0"/>
+              <a:t>Execute the script </a:t>
+            </a:r>
+            <a:r>
+              <a:rPr lang="en-US" sz="2000" b="1" dirty="0">
+                <a:solidFill>
+                  <a:schemeClr val="accent5"/>
+                </a:solidFill>
+                <a:latin typeface="Lucida Console" panose="020B0609040504020204" pitchFamily="49" charset="0"/>
+              </a:rPr>
+              <a:t>0003 - scenario 01 – </a:t>
+            </a:r>
+            <a:r>
+              <a:rPr lang="en-US" sz="2000" b="1" dirty="0" err="1">
+                <a:solidFill>
+                  <a:schemeClr val="accent5"/>
+                </a:solidFill>
+                <a:latin typeface="Lucida Console" panose="020B0609040504020204" pitchFamily="49" charset="0"/>
+              </a:rPr>
+              <a:t>sp_stress_test.sql</a:t>
+            </a:r>
+            <a:r>
+              <a:rPr lang="en-US" sz="2000" b="1" dirty="0">
+                <a:solidFill>
+                  <a:schemeClr val="accent5"/>
+                </a:solidFill>
+                <a:latin typeface="Lucida Console" panose="020B0609040504020204" pitchFamily="49" charset="0"/>
+              </a:rPr>
+              <a:t> </a:t>
+            </a:r>
+            <a:r>
+              <a:rPr lang="en-US" dirty="0"/>
+              <a:t>to create the user defined function.</a:t>
+            </a:r>
+          </a:p>
+        </p:txBody>
+      </p:sp>
+    </p:spTree>
+    <p:extLst>
+      <p:ext uri="{BB962C8B-B14F-4D97-AF65-F5344CB8AC3E}">
+        <p14:creationId xmlns:p14="http://schemas.microsoft.com/office/powerpoint/2010/main" val="3622975896"/>
+      </p:ext>
+    </p:extLst>
+  </p:cSld>
+  <p:clrMapOvr>
+    <a:masterClrMapping/>
+  </p:clrMapOvr>
+</p:sld>
+</file>
+
+<file path=ppt/slides/slide46.xml><?xml version="1.0" encoding="utf-8"?>
+<p:sld xmlns:a="http://schemas.openxmlformats.org/drawingml/2006/main" xmlns:r="http://schemas.openxmlformats.org/officeDocument/2006/relationships" xmlns:p="http://schemas.openxmlformats.org/presentationml/2006/main">
+  <p:cSld>
+    <p:spTree>
+      <p:nvGrpSpPr>
+        <p:cNvPr id="1" name="">
+          <a:extLst>
+            <a:ext uri="{FF2B5EF4-FFF2-40B4-BE49-F238E27FC236}">
+              <a16:creationId xmlns:a16="http://schemas.microsoft.com/office/drawing/2014/main" id="{3CD69D41-A8AD-EB50-7C8E-E551066438A0}"/>
+            </a:ext>
+          </a:extLst>
+        </p:cNvPr>
+        <p:cNvGrpSpPr/>
+        <p:nvPr/>
+      </p:nvGrpSpPr>
+      <p:grpSpPr>
+        <a:xfrm>
+          <a:off x="0" y="0"/>
+          <a:ext cx="0" cy="0"/>
+          <a:chOff x="0" y="0"/>
+          <a:chExt cx="0" cy="0"/>
+        </a:xfrm>
+      </p:grpSpPr>
+      <p:sp>
+        <p:nvSpPr>
+          <p:cNvPr id="2" name="Titel 1">
+            <a:extLst>
+              <a:ext uri="{FF2B5EF4-FFF2-40B4-BE49-F238E27FC236}">
+                <a16:creationId xmlns:a16="http://schemas.microsoft.com/office/drawing/2014/main" id="{4E60BBC2-F532-B59A-707B-C6F760B14ACE}"/>
+              </a:ext>
+            </a:extLst>
+          </p:cNvPr>
+          <p:cNvSpPr>
+            <a:spLocks noGrp="1"/>
+          </p:cNvSpPr>
+          <p:nvPr>
+            <p:ph type="title"/>
+          </p:nvPr>
+        </p:nvSpPr>
+        <p:spPr/>
+        <p:txBody>
+          <a:bodyPr/>
+          <a:lstStyle/>
+          <a:p>
+            <a:r>
+              <a:rPr lang="en-US" dirty="0"/>
+              <a:t>Scenario 1 - Findings </a:t>
+            </a:r>
+          </a:p>
+        </p:txBody>
+      </p:sp>
+      <p:sp>
+        <p:nvSpPr>
+          <p:cNvPr id="4" name="Inhaltsplatzhalter 3">
+            <a:extLst>
+              <a:ext uri="{FF2B5EF4-FFF2-40B4-BE49-F238E27FC236}">
+                <a16:creationId xmlns:a16="http://schemas.microsoft.com/office/drawing/2014/main" id="{533686F6-A5AA-B82C-9C68-EF268328DFA6}"/>
+              </a:ext>
+            </a:extLst>
+          </p:cNvPr>
+          <p:cNvSpPr>
+            <a:spLocks noGrp="1"/>
+          </p:cNvSpPr>
+          <p:nvPr>
+            <p:ph idx="1"/>
+          </p:nvPr>
+        </p:nvSpPr>
+        <p:spPr/>
+        <p:txBody>
+          <a:bodyPr/>
+          <a:lstStyle/>
+          <a:p>
+            <a:r>
+              <a:rPr lang="en-US" dirty="0"/>
+              <a:t>Avoid multiple manipulations on temporary objects</a:t>
+            </a:r>
+            <a:br>
+              <a:rPr lang="en-US" dirty="0"/>
+            </a:br>
+            <a:r>
+              <a:rPr lang="en-US" dirty="0"/>
+              <a:t>This technique will reduce TEMPDB activity</a:t>
+            </a:r>
+          </a:p>
+          <a:p>
+            <a:r>
+              <a:rPr lang="en-US" dirty="0"/>
+              <a:t>Avoid </a:t>
+            </a:r>
+            <a:r>
+              <a:rPr lang="en-US" dirty="0" err="1"/>
+              <a:t>NONSargable</a:t>
+            </a:r>
+            <a:r>
+              <a:rPr lang="en-US" dirty="0"/>
+              <a:t> expressions and replace them with </a:t>
+            </a:r>
+            <a:r>
+              <a:rPr lang="en-US" dirty="0" err="1"/>
+              <a:t>SARGable</a:t>
+            </a:r>
+            <a:r>
+              <a:rPr lang="en-US" dirty="0"/>
+              <a:t> expressions</a:t>
+            </a:r>
+            <a:br>
+              <a:rPr lang="en-US" dirty="0"/>
+            </a:br>
+            <a:r>
+              <a:rPr lang="en-US" dirty="0" err="1"/>
+              <a:t>NONSargable</a:t>
+            </a:r>
+            <a:r>
+              <a:rPr lang="en-US" dirty="0"/>
+              <a:t> expressions will lead to</a:t>
+            </a:r>
+          </a:p>
+          <a:p>
+            <a:pPr lvl="1"/>
+            <a:r>
+              <a:rPr lang="en-US" dirty="0"/>
+              <a:t>Residual predicates</a:t>
+            </a:r>
+          </a:p>
+          <a:p>
+            <a:pPr lvl="1"/>
+            <a:r>
+              <a:rPr lang="en-US" dirty="0"/>
+              <a:t>FULL scans</a:t>
+            </a:r>
+          </a:p>
+          <a:p>
+            <a:r>
+              <a:rPr lang="en-US" dirty="0"/>
+              <a:t>Avoid to use SCALAR or Multiline functions and try to rewrite them as an</a:t>
+            </a:r>
+            <a:br>
+              <a:rPr lang="en-US" dirty="0"/>
+            </a:br>
+            <a:r>
+              <a:rPr lang="en-US" dirty="0"/>
+              <a:t>Inline-Function.</a:t>
+            </a:r>
+            <a:br>
+              <a:rPr lang="en-US" dirty="0"/>
+            </a:br>
+            <a:r>
+              <a:rPr lang="en-US" dirty="0"/>
+              <a:t>Inline Functions can be interpreted by the compiler as relational operations within the same query (like views – but with parameters!)</a:t>
+            </a:r>
+          </a:p>
+        </p:txBody>
+      </p:sp>
+    </p:spTree>
+    <p:extLst>
+      <p:ext uri="{BB962C8B-B14F-4D97-AF65-F5344CB8AC3E}">
+        <p14:creationId xmlns:p14="http://schemas.microsoft.com/office/powerpoint/2010/main" val="1148597228"/>
+      </p:ext>
+    </p:extLst>
+  </p:cSld>
+  <p:clrMapOvr>
+    <a:masterClrMapping/>
+  </p:clrMapOvr>
+</p:sld>
+</file>
+
+<file path=ppt/slides/slide47.xml><?xml version="1.0" encoding="utf-8"?>
+<p:sld xmlns:a="http://schemas.openxmlformats.org/drawingml/2006/main" xmlns:r="http://schemas.openxmlformats.org/officeDocument/2006/relationships" xmlns:p="http://schemas.openxmlformats.org/presentationml/2006/main">
+  <p:cSld>
+    <p:spTree>
+      <p:nvGrpSpPr>
+        <p:cNvPr id="1" name="">
+          <a:extLst>
+            <a:ext uri="{FF2B5EF4-FFF2-40B4-BE49-F238E27FC236}">
+              <a16:creationId xmlns:a16="http://schemas.microsoft.com/office/drawing/2014/main" id="{8665392A-14EC-E6C2-644A-2F1F325844CD}"/>
+            </a:ext>
+          </a:extLst>
+        </p:cNvPr>
+        <p:cNvGrpSpPr/>
+        <p:nvPr/>
+      </p:nvGrpSpPr>
+      <p:grpSpPr>
+        <a:xfrm>
+          <a:off x="0" y="0"/>
+          <a:ext cx="0" cy="0"/>
+          <a:chOff x="0" y="0"/>
+          <a:chExt cx="0" cy="0"/>
+        </a:xfrm>
+      </p:grpSpPr>
+      <p:sp>
+        <p:nvSpPr>
+          <p:cNvPr id="4" name="Titel 3">
+            <a:extLst>
+              <a:ext uri="{FF2B5EF4-FFF2-40B4-BE49-F238E27FC236}">
+                <a16:creationId xmlns:a16="http://schemas.microsoft.com/office/drawing/2014/main" id="{B16E4EE3-A962-FE89-01B8-149EBA75E15A}"/>
+              </a:ext>
+            </a:extLst>
+          </p:cNvPr>
+          <p:cNvSpPr>
+            <a:spLocks noGrp="1"/>
+          </p:cNvSpPr>
+          <p:nvPr>
+            <p:ph type="ctrTitle"/>
+          </p:nvPr>
+        </p:nvSpPr>
+        <p:spPr/>
+        <p:txBody>
+          <a:bodyPr/>
+          <a:lstStyle/>
+          <a:p>
+            <a:r>
+              <a:rPr lang="en-US" dirty="0"/>
+              <a:t>Scenario #2</a:t>
+            </a:r>
+          </a:p>
+        </p:txBody>
+      </p:sp>
+      <p:sp>
+        <p:nvSpPr>
+          <p:cNvPr id="5" name="Untertitel 4">
+            <a:extLst>
+              <a:ext uri="{FF2B5EF4-FFF2-40B4-BE49-F238E27FC236}">
+                <a16:creationId xmlns:a16="http://schemas.microsoft.com/office/drawing/2014/main" id="{1EA51767-75B2-B674-B5B9-3BED7B145266}"/>
+              </a:ext>
+            </a:extLst>
+          </p:cNvPr>
+          <p:cNvSpPr>
+            <a:spLocks noGrp="1"/>
+          </p:cNvSpPr>
+          <p:nvPr>
+            <p:ph type="subTitle" idx="1"/>
+          </p:nvPr>
+        </p:nvSpPr>
+        <p:spPr/>
+        <p:txBody>
+          <a:bodyPr/>
+          <a:lstStyle/>
+          <a:p>
+            <a:r>
+              <a:rPr lang="en-US" dirty="0"/>
+              <a:t>Stop using table variables and temporary objects</a:t>
+            </a:r>
+          </a:p>
+        </p:txBody>
+      </p:sp>
+    </p:spTree>
+    <p:extLst>
+      <p:ext uri="{BB962C8B-B14F-4D97-AF65-F5344CB8AC3E}">
+        <p14:creationId xmlns:p14="http://schemas.microsoft.com/office/powerpoint/2010/main" val="2575939865"/>
+      </p:ext>
+    </p:extLst>
+  </p:cSld>
+  <p:clrMapOvr>
+    <a:masterClrMapping/>
+  </p:clrMapOvr>
+</p:sld>
+</file>
+
+<file path=ppt/slides/slide48.xml><?xml version="1.0" encoding="utf-8"?>
+<p:sld xmlns:a="http://schemas.openxmlformats.org/drawingml/2006/main" xmlns:r="http://schemas.openxmlformats.org/officeDocument/2006/relationships" xmlns:p="http://schemas.openxmlformats.org/presentationml/2006/main">
+  <p:cSld>
+    <p:spTree>
+      <p:nvGrpSpPr>
+        <p:cNvPr id="1" name="">
+          <a:extLst>
+            <a:ext uri="{FF2B5EF4-FFF2-40B4-BE49-F238E27FC236}">
+              <a16:creationId xmlns:a16="http://schemas.microsoft.com/office/drawing/2014/main" id="{258674A7-BCB9-31B5-5E53-66B9C5FCF2A9}"/>
+            </a:ext>
+          </a:extLst>
+        </p:cNvPr>
+        <p:cNvGrpSpPr/>
+        <p:nvPr/>
+      </p:nvGrpSpPr>
+      <p:grpSpPr>
+        <a:xfrm>
+          <a:off x="0" y="0"/>
+          <a:ext cx="0" cy="0"/>
+          <a:chOff x="0" y="0"/>
+          <a:chExt cx="0" cy="0"/>
+        </a:xfrm>
+      </p:grpSpPr>
+      <p:sp>
+        <p:nvSpPr>
+          <p:cNvPr id="2" name="Titel 1">
+            <a:extLst>
+              <a:ext uri="{FF2B5EF4-FFF2-40B4-BE49-F238E27FC236}">
+                <a16:creationId xmlns:a16="http://schemas.microsoft.com/office/drawing/2014/main" id="{7C3B587C-2144-21BA-6AA5-4E16AE19C6A4}"/>
+              </a:ext>
+            </a:extLst>
+          </p:cNvPr>
+          <p:cNvSpPr>
+            <a:spLocks noGrp="1"/>
+          </p:cNvSpPr>
+          <p:nvPr>
+            <p:ph type="title"/>
+          </p:nvPr>
+        </p:nvSpPr>
+        <p:spPr/>
+        <p:txBody>
+          <a:bodyPr/>
+          <a:lstStyle/>
+          <a:p>
+            <a:r>
+              <a:rPr lang="en-US" dirty="0"/>
+              <a:t>Scenario 2 – Problem Description</a:t>
+            </a:r>
+          </a:p>
+        </p:txBody>
+      </p:sp>
+      <p:sp>
+        <p:nvSpPr>
+          <p:cNvPr id="3" name="Inhaltsplatzhalter 2">
+            <a:extLst>
+              <a:ext uri="{FF2B5EF4-FFF2-40B4-BE49-F238E27FC236}">
+                <a16:creationId xmlns:a16="http://schemas.microsoft.com/office/drawing/2014/main" id="{C164B592-C1CD-F0D0-96C7-811DF3901F91}"/>
+              </a:ext>
+            </a:extLst>
+          </p:cNvPr>
+          <p:cNvSpPr>
+            <a:spLocks noGrp="1"/>
+          </p:cNvSpPr>
+          <p:nvPr>
+            <p:ph sz="half" idx="1"/>
+          </p:nvPr>
+        </p:nvSpPr>
+        <p:spPr/>
+        <p:txBody>
+          <a:bodyPr>
+            <a:normAutofit/>
+          </a:bodyPr>
+          <a:lstStyle/>
+          <a:p>
+            <a:r>
+              <a:rPr lang="en-US" b="1" dirty="0"/>
+              <a:t>Description</a:t>
+            </a:r>
+          </a:p>
+          <a:p>
+            <a:pPr lvl="1"/>
+            <a:r>
+              <a:rPr lang="en-US" sz="1600" b="0" i="0" dirty="0">
+                <a:solidFill>
+                  <a:srgbClr val="1F2328"/>
+                </a:solidFill>
+                <a:effectLst/>
+                <a:latin typeface="-apple-system"/>
+              </a:rPr>
+              <a:t>A software uses a table to queue jobs. Whenever a new job is to be queued, its details are written into this table. The table grows very quickly, as up to 100,000 jobs can be scheduled in one hour.</a:t>
+            </a:r>
+          </a:p>
+          <a:p>
+            <a:pPr lvl="1"/>
+            <a:r>
+              <a:rPr lang="en-US" sz="1600" b="0" i="0" dirty="0">
+                <a:solidFill>
+                  <a:srgbClr val="1F2328"/>
+                </a:solidFill>
+                <a:effectLst/>
+                <a:latin typeface="-apple-system"/>
+              </a:rPr>
+              <a:t>A stored procedure manage the deletion of executed jobs.</a:t>
+            </a:r>
+          </a:p>
+          <a:p>
+            <a:pPr lvl="1"/>
+            <a:r>
+              <a:rPr lang="en-US" sz="1600" b="0" i="0" dirty="0">
+                <a:solidFill>
+                  <a:srgbClr val="1F2328"/>
+                </a:solidFill>
+                <a:effectLst/>
+                <a:latin typeface="-apple-system"/>
+              </a:rPr>
+              <a:t>The first parameter specifies how many job entries should be deleted.</a:t>
+            </a:r>
+          </a:p>
+          <a:p>
+            <a:pPr lvl="1"/>
+            <a:r>
+              <a:rPr lang="en-US" sz="1600" b="0" i="0" dirty="0">
+                <a:solidFill>
+                  <a:srgbClr val="1F2328"/>
+                </a:solidFill>
+                <a:effectLst/>
+                <a:latin typeface="-apple-system"/>
+              </a:rPr>
+              <a:t>The second parameter specifies the batch size.</a:t>
+            </a:r>
+            <a:endParaRPr lang="en-US" sz="1600" b="1" dirty="0"/>
+          </a:p>
+          <a:p>
+            <a:r>
+              <a:rPr lang="en-US" b="1" dirty="0"/>
+              <a:t>Problem</a:t>
+            </a:r>
+          </a:p>
+          <a:p>
+            <a:pPr lvl="1"/>
+            <a:r>
+              <a:rPr lang="en-US" sz="1600" dirty="0"/>
+              <a:t>Sometimes the table is growing very fast and the maintenance job cannot scale.</a:t>
+            </a:r>
+          </a:p>
+          <a:p>
+            <a:pPr lvl="1"/>
+            <a:r>
+              <a:rPr lang="en-US" sz="1600" dirty="0"/>
+              <a:t>The table is growing the system suffers from performance problems.</a:t>
+            </a:r>
+          </a:p>
+        </p:txBody>
+      </p:sp>
+      <p:pic>
+        <p:nvPicPr>
+          <p:cNvPr id="6" name="Inhaltsplatzhalter 5">
+            <a:extLst>
+              <a:ext uri="{FF2B5EF4-FFF2-40B4-BE49-F238E27FC236}">
+                <a16:creationId xmlns:a16="http://schemas.microsoft.com/office/drawing/2014/main" id="{9CFE4CE8-1B75-F0E3-0AAE-EA25B2147E7B}"/>
+              </a:ext>
+            </a:extLst>
+          </p:cNvPr>
+          <p:cNvPicPr>
+            <a:picLocks noGrp="1" noChangeAspect="1"/>
+          </p:cNvPicPr>
+          <p:nvPr>
+            <p:ph sz="half" idx="2"/>
+          </p:nvPr>
+        </p:nvPicPr>
+        <p:blipFill>
+          <a:blip r:embed="rId2"/>
+          <a:stretch>
+            <a:fillRect/>
+          </a:stretch>
+        </p:blipFill>
+        <p:spPr>
+          <a:xfrm>
+            <a:off x="6778625" y="1665288"/>
+            <a:ext cx="4572000" cy="4572000"/>
+          </a:xfrm>
+        </p:spPr>
+      </p:pic>
+    </p:spTree>
+    <p:extLst>
+      <p:ext uri="{BB962C8B-B14F-4D97-AF65-F5344CB8AC3E}">
+        <p14:creationId xmlns:p14="http://schemas.microsoft.com/office/powerpoint/2010/main" val="1156099314"/>
+      </p:ext>
+    </p:extLst>
+  </p:cSld>
+  <p:clrMapOvr>
+    <a:masterClrMapping/>
+  </p:clrMapOvr>
+</p:sld>
+</file>
+
+<file path=ppt/slides/slide49.xml><?xml version="1.0" encoding="utf-8"?>
+<p:sld xmlns:a="http://schemas.openxmlformats.org/drawingml/2006/main" xmlns:r="http://schemas.openxmlformats.org/officeDocument/2006/relationships" xmlns:p="http://schemas.openxmlformats.org/presentationml/2006/main">
+  <p:cSld>
+    <p:spTree>
+      <p:nvGrpSpPr>
+        <p:cNvPr id="1" name="">
+          <a:extLst>
+            <a:ext uri="{FF2B5EF4-FFF2-40B4-BE49-F238E27FC236}">
+              <a16:creationId xmlns:a16="http://schemas.microsoft.com/office/drawing/2014/main" id="{C9EA879B-4539-98DE-864C-1B0B91D1C9A3}"/>
+            </a:ext>
+          </a:extLst>
+        </p:cNvPr>
+        <p:cNvGrpSpPr/>
+        <p:nvPr/>
+      </p:nvGrpSpPr>
+      <p:grpSpPr>
+        <a:xfrm>
+          <a:off x="0" y="0"/>
+          <a:ext cx="0" cy="0"/>
+          <a:chOff x="0" y="0"/>
+          <a:chExt cx="0" cy="0"/>
+        </a:xfrm>
+      </p:grpSpPr>
+      <p:sp>
+        <p:nvSpPr>
+          <p:cNvPr id="5" name="Titel 4">
+            <a:extLst>
+              <a:ext uri="{FF2B5EF4-FFF2-40B4-BE49-F238E27FC236}">
+                <a16:creationId xmlns:a16="http://schemas.microsoft.com/office/drawing/2014/main" id="{EA8B5560-B8F7-4E37-61F3-28986FE72E46}"/>
+              </a:ext>
+            </a:extLst>
+          </p:cNvPr>
+          <p:cNvSpPr>
+            <a:spLocks noGrp="1"/>
+          </p:cNvSpPr>
+          <p:nvPr>
+            <p:ph type="title"/>
+          </p:nvPr>
+        </p:nvSpPr>
+        <p:spPr/>
+        <p:txBody>
+          <a:bodyPr/>
+          <a:lstStyle/>
+          <a:p>
+            <a:r>
+              <a:rPr lang="en-US" dirty="0"/>
+              <a:t>Scenario 2 - Workflow</a:t>
+            </a:r>
+          </a:p>
+        </p:txBody>
+      </p:sp>
+      <p:sp>
+        <p:nvSpPr>
+          <p:cNvPr id="6" name="Textfeld 5">
+            <a:extLst>
+              <a:ext uri="{FF2B5EF4-FFF2-40B4-BE49-F238E27FC236}">
+                <a16:creationId xmlns:a16="http://schemas.microsoft.com/office/drawing/2014/main" id="{FB8DE554-A429-A800-CC70-09999495D0D3}"/>
+              </a:ext>
+            </a:extLst>
+          </p:cNvPr>
+          <p:cNvSpPr txBox="1"/>
+          <p:nvPr/>
+        </p:nvSpPr>
+        <p:spPr>
+          <a:xfrm>
+            <a:off x="334965" y="3059668"/>
+            <a:ext cx="4415426" cy="738664"/>
+          </a:xfrm>
+          <a:prstGeom prst="rect">
+            <a:avLst/>
+          </a:prstGeom>
+          <a:solidFill>
+            <a:schemeClr val="bg1"/>
+          </a:solidFill>
+          <a:ln>
+            <a:solidFill>
+              <a:schemeClr val="tx1"/>
+            </a:solidFill>
+          </a:ln>
+          <a:effectLst>
+            <a:outerShdw blurRad="50800" dist="38100" dir="2700000" algn="tl" rotWithShape="0">
+              <a:prstClr val="black">
+                <a:alpha val="40000"/>
+              </a:prstClr>
+            </a:outerShdw>
+          </a:effectLst>
+        </p:spPr>
+        <p:txBody>
+          <a:bodyPr wrap="square" rtlCol="0">
+            <a:spAutoFit/>
+          </a:bodyPr>
+          <a:lstStyle/>
+          <a:p>
+            <a:r>
+              <a:rPr lang="en-US" sz="1400" dirty="0">
+                <a:solidFill>
+                  <a:srgbClr val="0000FF"/>
+                </a:solidFill>
+                <a:highlight>
+                  <a:srgbClr val="FFFFFF"/>
+                </a:highlight>
+                <a:latin typeface="Cascadia Mono" panose="020B0609020000020004" pitchFamily="49" charset="0"/>
+              </a:rPr>
+              <a:t>EXEC</a:t>
+            </a:r>
+            <a:r>
+              <a:rPr lang="en-US" sz="1400" dirty="0">
+                <a:solidFill>
+                  <a:srgbClr val="000000"/>
+                </a:solidFill>
+                <a:highlight>
+                  <a:srgbClr val="FFFFFF"/>
+                </a:highlight>
+                <a:latin typeface="Cascadia Mono" panose="020B0609020000020004" pitchFamily="49" charset="0"/>
+              </a:rPr>
+              <a:t> @return_value </a:t>
+            </a:r>
+            <a:r>
+              <a:rPr lang="en-US" sz="1400" dirty="0">
+                <a:solidFill>
+                  <a:srgbClr val="808080"/>
+                </a:solidFill>
+                <a:highlight>
+                  <a:srgbClr val="FFFFFF"/>
+                </a:highlight>
+                <a:latin typeface="Cascadia Mono" panose="020B0609020000020004" pitchFamily="49" charset="0"/>
+              </a:rPr>
+              <a:t>=</a:t>
+            </a:r>
+            <a:r>
+              <a:rPr lang="en-US" sz="1400" dirty="0">
+                <a:solidFill>
+                  <a:srgbClr val="000000"/>
+                </a:solidFill>
+                <a:highlight>
+                  <a:srgbClr val="FFFFFF"/>
+                </a:highlight>
+                <a:latin typeface="Cascadia Mono" panose="020B0609020000020004" pitchFamily="49" charset="0"/>
+              </a:rPr>
+              <a:t> </a:t>
+            </a:r>
+            <a:r>
+              <a:rPr lang="en-US" sz="1400" dirty="0" err="1">
+                <a:solidFill>
+                  <a:srgbClr val="000000"/>
+                </a:solidFill>
+                <a:highlight>
+                  <a:srgbClr val="FFFFFF"/>
+                </a:highlight>
+                <a:latin typeface="Cascadia Mono" panose="020B0609020000020004" pitchFamily="49" charset="0"/>
+              </a:rPr>
+              <a:t>dbo</a:t>
+            </a:r>
+            <a:r>
+              <a:rPr lang="en-US" sz="1400" dirty="0" err="1">
+                <a:solidFill>
+                  <a:srgbClr val="808080"/>
+                </a:solidFill>
+                <a:highlight>
+                  <a:srgbClr val="FFFFFF"/>
+                </a:highlight>
+                <a:latin typeface="Cascadia Mono" panose="020B0609020000020004" pitchFamily="49" charset="0"/>
+              </a:rPr>
+              <a:t>.</a:t>
+            </a:r>
+            <a:r>
+              <a:rPr lang="en-US" sz="1400" dirty="0" err="1">
+                <a:solidFill>
+                  <a:srgbClr val="000000"/>
+                </a:solidFill>
+                <a:highlight>
+                  <a:srgbClr val="FFFFFF"/>
+                </a:highlight>
+                <a:latin typeface="Cascadia Mono" panose="020B0609020000020004" pitchFamily="49" charset="0"/>
+              </a:rPr>
+              <a:t>jobqueue_delete</a:t>
+            </a:r>
+            <a:endParaRPr lang="en-US" sz="1400" dirty="0">
+              <a:solidFill>
+                <a:srgbClr val="000000"/>
+              </a:solidFill>
+              <a:highlight>
+                <a:srgbClr val="FFFFFF"/>
+              </a:highlight>
+              <a:latin typeface="Cascadia Mono" panose="020B0609020000020004" pitchFamily="49" charset="0"/>
+            </a:endParaRPr>
+          </a:p>
+          <a:p>
+            <a:r>
+              <a:rPr lang="en-US" sz="1400" dirty="0">
+                <a:solidFill>
+                  <a:srgbClr val="000000"/>
+                </a:solidFill>
+                <a:highlight>
+                  <a:srgbClr val="FFFFFF"/>
+                </a:highlight>
+                <a:latin typeface="Cascadia Mono" panose="020B0609020000020004" pitchFamily="49" charset="0"/>
+              </a:rPr>
+              <a:t>	@rowlimit </a:t>
+            </a:r>
+            <a:r>
+              <a:rPr lang="en-US" sz="1400" dirty="0">
+                <a:solidFill>
+                  <a:srgbClr val="808080"/>
+                </a:solidFill>
+                <a:highlight>
+                  <a:srgbClr val="FFFFFF"/>
+                </a:highlight>
+                <a:latin typeface="Cascadia Mono" panose="020B0609020000020004" pitchFamily="49" charset="0"/>
+              </a:rPr>
+              <a:t>=</a:t>
+            </a:r>
+            <a:r>
+              <a:rPr lang="en-US" sz="1400" dirty="0">
+                <a:solidFill>
+                  <a:srgbClr val="000000"/>
+                </a:solidFill>
+                <a:highlight>
+                  <a:srgbClr val="FFFFFF"/>
+                </a:highlight>
+                <a:latin typeface="Cascadia Mono" panose="020B0609020000020004" pitchFamily="49" charset="0"/>
+              </a:rPr>
+              <a:t> 3000</a:t>
+            </a:r>
+            <a:r>
+              <a:rPr lang="en-US" sz="1400" dirty="0">
+                <a:solidFill>
+                  <a:srgbClr val="808080"/>
+                </a:solidFill>
+                <a:highlight>
+                  <a:srgbClr val="FFFFFF"/>
+                </a:highlight>
+                <a:latin typeface="Cascadia Mono" panose="020B0609020000020004" pitchFamily="49" charset="0"/>
+              </a:rPr>
+              <a:t>,</a:t>
+            </a:r>
+            <a:endParaRPr lang="en-US" sz="1400" dirty="0">
+              <a:solidFill>
+                <a:srgbClr val="000000"/>
+              </a:solidFill>
+              <a:highlight>
+                <a:srgbClr val="FFFFFF"/>
+              </a:highlight>
+              <a:latin typeface="Cascadia Mono" panose="020B0609020000020004" pitchFamily="49" charset="0"/>
+            </a:endParaRPr>
+          </a:p>
+          <a:p>
+            <a:r>
+              <a:rPr lang="en-US" sz="1400" dirty="0">
+                <a:solidFill>
+                  <a:srgbClr val="000000"/>
+                </a:solidFill>
+                <a:highlight>
+                  <a:srgbClr val="FFFFFF"/>
+                </a:highlight>
+                <a:latin typeface="Cascadia Mono" panose="020B0609020000020004" pitchFamily="49" charset="0"/>
+              </a:rPr>
+              <a:t>	@maxlimit </a:t>
+            </a:r>
+            <a:r>
+              <a:rPr lang="en-US" sz="1400" dirty="0">
+                <a:solidFill>
+                  <a:srgbClr val="808080"/>
+                </a:solidFill>
+                <a:highlight>
+                  <a:srgbClr val="FFFFFF"/>
+                </a:highlight>
+                <a:latin typeface="Cascadia Mono" panose="020B0609020000020004" pitchFamily="49" charset="0"/>
+              </a:rPr>
+              <a:t>=</a:t>
+            </a:r>
+            <a:r>
+              <a:rPr lang="en-US" sz="1400" dirty="0">
+                <a:solidFill>
+                  <a:srgbClr val="000000"/>
+                </a:solidFill>
+                <a:highlight>
+                  <a:srgbClr val="FFFFFF"/>
+                </a:highlight>
+                <a:latin typeface="Cascadia Mono" panose="020B0609020000020004" pitchFamily="49" charset="0"/>
+              </a:rPr>
+              <a:t> 50000</a:t>
+            </a:r>
+            <a:r>
+              <a:rPr lang="en-US" sz="1400" dirty="0">
+                <a:solidFill>
+                  <a:srgbClr val="808080"/>
+                </a:solidFill>
+                <a:highlight>
+                  <a:srgbClr val="FFFFFF"/>
+                </a:highlight>
+                <a:latin typeface="Cascadia Mono" panose="020B0609020000020004" pitchFamily="49" charset="0"/>
+              </a:rPr>
+              <a:t>;</a:t>
+            </a:r>
+            <a:endParaRPr lang="en-US" sz="1400" dirty="0"/>
+          </a:p>
+        </p:txBody>
+      </p:sp>
+      <p:graphicFrame>
+        <p:nvGraphicFramePr>
+          <p:cNvPr id="7" name="Tabelle 6">
+            <a:extLst>
+              <a:ext uri="{FF2B5EF4-FFF2-40B4-BE49-F238E27FC236}">
+                <a16:creationId xmlns:a16="http://schemas.microsoft.com/office/drawing/2014/main" id="{8DAA8492-2538-745D-12D6-BB9335AA07B6}"/>
+              </a:ext>
+            </a:extLst>
+          </p:cNvPr>
+          <p:cNvGraphicFramePr>
+            <a:graphicFrameLocks noGrp="1"/>
+          </p:cNvGraphicFramePr>
+          <p:nvPr/>
+        </p:nvGraphicFramePr>
+        <p:xfrm>
+          <a:off x="5438382" y="2971800"/>
+          <a:ext cx="2202493" cy="914400"/>
+        </p:xfrm>
+        <a:graphic>
+          <a:graphicData uri="http://schemas.openxmlformats.org/drawingml/2006/table">
+            <a:tbl>
+              <a:tblPr firstRow="1" bandRow="1">
+                <a:tableStyleId>{5C22544A-7EE6-4342-B048-85BDC9FD1C3A}</a:tableStyleId>
+              </a:tblPr>
+              <a:tblGrid>
+                <a:gridCol w="2202493">
+                  <a:extLst>
+                    <a:ext uri="{9D8B030D-6E8A-4147-A177-3AD203B41FA5}">
+                      <a16:colId xmlns:a16="http://schemas.microsoft.com/office/drawing/2014/main" val="3385209766"/>
+                    </a:ext>
+                  </a:extLst>
+                </a:gridCol>
+              </a:tblGrid>
+              <a:tr h="231732">
+                <a:tc>
+                  <a:txBody>
+                    <a:bodyPr/>
+                    <a:lstStyle/>
+                    <a:p>
+                      <a:pPr algn="ctr"/>
+                      <a:r>
+                        <a:rPr lang="en-US" sz="1400" dirty="0" err="1">
+                          <a:latin typeface="Lucida Console" panose="020B0609040504020204" pitchFamily="49" charset="0"/>
+                        </a:rPr>
+                        <a:t>dbo.jobqueue</a:t>
+                      </a:r>
+                      <a:endParaRPr lang="en-US" sz="1400" dirty="0">
+                        <a:latin typeface="Lucida Console" panose="020B0609040504020204" pitchFamily="49" charset="0"/>
+                      </a:endParaRPr>
+                    </a:p>
+                  </a:txBody>
+                  <a:tcPr/>
+                </a:tc>
+                <a:extLst>
+                  <a:ext uri="{0D108BD9-81ED-4DB2-BD59-A6C34878D82A}">
+                    <a16:rowId xmlns:a16="http://schemas.microsoft.com/office/drawing/2014/main" val="3450080794"/>
+                  </a:ext>
+                </a:extLst>
+              </a:tr>
+              <a:tr h="231732">
+                <a:tc>
+                  <a:txBody>
+                    <a:bodyPr/>
+                    <a:lstStyle/>
+                    <a:p>
+                      <a:pPr algn="ctr"/>
+                      <a:r>
+                        <a:rPr lang="en-US" sz="1400" dirty="0">
+                          <a:latin typeface="Lucida Console" panose="020B0609040504020204" pitchFamily="49" charset="0"/>
+                        </a:rPr>
+                        <a:t>TOP (@maxlimit)</a:t>
+                      </a:r>
+                    </a:p>
+                  </a:txBody>
+                  <a:tcPr/>
+                </a:tc>
+                <a:extLst>
+                  <a:ext uri="{0D108BD9-81ED-4DB2-BD59-A6C34878D82A}">
+                    <a16:rowId xmlns:a16="http://schemas.microsoft.com/office/drawing/2014/main" val="709904626"/>
+                  </a:ext>
+                </a:extLst>
+              </a:tr>
+              <a:tr h="231732">
+                <a:tc>
+                  <a:txBody>
+                    <a:bodyPr/>
+                    <a:lstStyle/>
+                    <a:p>
+                      <a:pPr algn="ctr"/>
+                      <a:r>
+                        <a:rPr lang="en-US" sz="1400" dirty="0">
+                          <a:latin typeface="Lucida Console" panose="020B0609040504020204" pitchFamily="49" charset="0"/>
+                        </a:rPr>
+                        <a:t>WHERE generation</a:t>
+                      </a:r>
+                    </a:p>
+                  </a:txBody>
+                  <a:tcPr/>
+                </a:tc>
+                <a:extLst>
+                  <a:ext uri="{0D108BD9-81ED-4DB2-BD59-A6C34878D82A}">
+                    <a16:rowId xmlns:a16="http://schemas.microsoft.com/office/drawing/2014/main" val="416663872"/>
+                  </a:ext>
+                </a:extLst>
+              </a:tr>
+            </a:tbl>
+          </a:graphicData>
+        </a:graphic>
+      </p:graphicFrame>
+      <p:graphicFrame>
+        <p:nvGraphicFramePr>
+          <p:cNvPr id="8" name="Tabelle 7">
+            <a:extLst>
+              <a:ext uri="{FF2B5EF4-FFF2-40B4-BE49-F238E27FC236}">
+                <a16:creationId xmlns:a16="http://schemas.microsoft.com/office/drawing/2014/main" id="{7B80388B-7C70-4013-2852-42A1EB54CE5D}"/>
+              </a:ext>
+            </a:extLst>
+          </p:cNvPr>
+          <p:cNvGraphicFramePr>
+            <a:graphicFrameLocks noGrp="1"/>
+          </p:cNvGraphicFramePr>
+          <p:nvPr/>
+        </p:nvGraphicFramePr>
+        <p:xfrm>
+          <a:off x="8008305" y="2368463"/>
+          <a:ext cx="2202493" cy="914400"/>
+        </p:xfrm>
+        <a:graphic>
+          <a:graphicData uri="http://schemas.openxmlformats.org/drawingml/2006/table">
+            <a:tbl>
+              <a:tblPr firstRow="1" bandRow="1">
+                <a:tableStyleId>{5C22544A-7EE6-4342-B048-85BDC9FD1C3A}</a:tableStyleId>
+              </a:tblPr>
+              <a:tblGrid>
+                <a:gridCol w="2202493">
+                  <a:extLst>
+                    <a:ext uri="{9D8B030D-6E8A-4147-A177-3AD203B41FA5}">
+                      <a16:colId xmlns:a16="http://schemas.microsoft.com/office/drawing/2014/main" val="3385209766"/>
+                    </a:ext>
+                  </a:extLst>
+                </a:gridCol>
+              </a:tblGrid>
+              <a:tr h="231732">
+                <a:tc>
+                  <a:txBody>
+                    <a:bodyPr/>
+                    <a:lstStyle/>
+                    <a:p>
+                      <a:pPr algn="ctr"/>
+                      <a:r>
+                        <a:rPr lang="en-US" sz="1400" dirty="0">
+                          <a:latin typeface="Lucida Console" panose="020B0609040504020204" pitchFamily="49" charset="0"/>
+                        </a:rPr>
+                        <a:t>@items</a:t>
+                      </a:r>
+                    </a:p>
+                  </a:txBody>
+                  <a:tcPr/>
+                </a:tc>
+                <a:extLst>
+                  <a:ext uri="{0D108BD9-81ED-4DB2-BD59-A6C34878D82A}">
+                    <a16:rowId xmlns:a16="http://schemas.microsoft.com/office/drawing/2014/main" val="3450080794"/>
+                  </a:ext>
+                </a:extLst>
+              </a:tr>
+              <a:tr h="231732">
+                <a:tc>
+                  <a:txBody>
+                    <a:bodyPr/>
+                    <a:lstStyle/>
+                    <a:p>
+                      <a:pPr algn="ctr"/>
+                      <a:r>
+                        <a:rPr lang="en-US" sz="1400" dirty="0" err="1">
+                          <a:latin typeface="Lucida Console" panose="020B0609040504020204" pitchFamily="49" charset="0"/>
+                        </a:rPr>
+                        <a:t>Singleguid</a:t>
+                      </a:r>
+                      <a:endParaRPr lang="en-US" sz="1400" dirty="0">
+                        <a:latin typeface="Lucida Console" panose="020B0609040504020204" pitchFamily="49" charset="0"/>
+                      </a:endParaRPr>
+                    </a:p>
+                  </a:txBody>
+                  <a:tcPr/>
+                </a:tc>
+                <a:extLst>
+                  <a:ext uri="{0D108BD9-81ED-4DB2-BD59-A6C34878D82A}">
+                    <a16:rowId xmlns:a16="http://schemas.microsoft.com/office/drawing/2014/main" val="709904626"/>
+                  </a:ext>
+                </a:extLst>
+              </a:tr>
+              <a:tr h="231732">
+                <a:tc>
+                  <a:txBody>
+                    <a:bodyPr/>
+                    <a:lstStyle/>
+                    <a:p>
+                      <a:pPr algn="ctr"/>
+                      <a:r>
+                        <a:rPr lang="en-US" sz="1400" dirty="0">
+                          <a:latin typeface="Lucida Console" panose="020B0609040504020204" pitchFamily="49" charset="0"/>
+                        </a:rPr>
+                        <a:t>(TOP @rowlimit)</a:t>
+                      </a:r>
+                    </a:p>
+                  </a:txBody>
+                  <a:tcPr/>
+                </a:tc>
+                <a:extLst>
+                  <a:ext uri="{0D108BD9-81ED-4DB2-BD59-A6C34878D82A}">
+                    <a16:rowId xmlns:a16="http://schemas.microsoft.com/office/drawing/2014/main" val="4262513394"/>
+                  </a:ext>
+                </a:extLst>
+              </a:tr>
+            </a:tbl>
+          </a:graphicData>
+        </a:graphic>
+      </p:graphicFrame>
+      <p:sp>
+        <p:nvSpPr>
+          <p:cNvPr id="9" name="Geschweifte Klammer links 8">
+            <a:extLst>
+              <a:ext uri="{FF2B5EF4-FFF2-40B4-BE49-F238E27FC236}">
+                <a16:creationId xmlns:a16="http://schemas.microsoft.com/office/drawing/2014/main" id="{690990DC-2EA5-F4DD-C75F-7D230840F347}"/>
+              </a:ext>
+            </a:extLst>
+          </p:cNvPr>
+          <p:cNvSpPr/>
+          <p:nvPr/>
+        </p:nvSpPr>
+        <p:spPr>
+          <a:xfrm>
+            <a:off x="4856392" y="2229634"/>
+            <a:ext cx="475989" cy="3757808"/>
+          </a:xfrm>
+          <a:prstGeom prst="leftBrace">
+            <a:avLst>
+              <a:gd name="adj1" fmla="val 8333"/>
+              <a:gd name="adj2" fmla="val 31002"/>
+            </a:avLst>
+          </a:prstGeom>
+          <a:ln>
+            <a:solidFill>
+              <a:schemeClr val="tx1"/>
+            </a:solidFill>
+            <a:headEnd type="none" w="med" len="med"/>
+            <a:tailEnd type="none" w="med" len="med"/>
+          </a:ln>
+        </p:spPr>
+        <p:style>
+          <a:lnRef idx="1">
+            <a:schemeClr val="accent1"/>
+          </a:lnRef>
+          <a:fillRef idx="0">
+            <a:schemeClr val="accent1"/>
+          </a:fillRef>
+          <a:effectRef idx="0">
+            <a:schemeClr val="accent1"/>
+          </a:effectRef>
+          <a:fontRef idx="minor">
+            <a:schemeClr val="tx1"/>
+          </a:fontRef>
+        </p:style>
+        <p:txBody>
+          <a:bodyPr rtlCol="0" anchor="ctr"/>
+          <a:lstStyle/>
+          <a:p>
+            <a:pPr algn="ctr"/>
+            <a:endParaRPr lang="en-US"/>
+          </a:p>
+        </p:txBody>
+      </p:sp>
+      <p:sp>
+        <p:nvSpPr>
+          <p:cNvPr id="10" name="Pfeil: gebogen 9">
+            <a:extLst>
+              <a:ext uri="{FF2B5EF4-FFF2-40B4-BE49-F238E27FC236}">
+                <a16:creationId xmlns:a16="http://schemas.microsoft.com/office/drawing/2014/main" id="{6D441B9F-0811-E309-5BD6-3E572934851E}"/>
+              </a:ext>
+            </a:extLst>
+          </p:cNvPr>
+          <p:cNvSpPr/>
+          <p:nvPr/>
+        </p:nvSpPr>
+        <p:spPr>
+          <a:xfrm>
+            <a:off x="6452713" y="2567836"/>
+            <a:ext cx="1555591" cy="403964"/>
+          </a:xfrm>
+          <a:prstGeom prst="bentArrow">
+            <a:avLst/>
+          </a:prstGeom>
+        </p:spPr>
+        <p:style>
+          <a:lnRef idx="2">
+            <a:schemeClr val="accent1">
+              <a:shade val="15000"/>
+            </a:schemeClr>
+          </a:lnRef>
+          <a:fillRef idx="1">
+            <a:schemeClr val="accent1"/>
+          </a:fillRef>
+          <a:effectRef idx="0">
+            <a:schemeClr val="accent1"/>
+          </a:effectRef>
+          <a:fontRef idx="minor">
+            <a:schemeClr val="lt1"/>
+          </a:fontRef>
+        </p:style>
+        <p:txBody>
+          <a:bodyPr rtlCol="0" anchor="ctr"/>
+          <a:lstStyle/>
+          <a:p>
+            <a:pPr algn="ctr"/>
+            <a:endParaRPr lang="en-US">
+              <a:solidFill>
+                <a:schemeClr val="tx1"/>
+              </a:solidFill>
+            </a:endParaRPr>
+          </a:p>
+        </p:txBody>
+      </p:sp>
+      <p:graphicFrame>
+        <p:nvGraphicFramePr>
+          <p:cNvPr id="11" name="Tabelle 10">
+            <a:extLst>
+              <a:ext uri="{FF2B5EF4-FFF2-40B4-BE49-F238E27FC236}">
+                <a16:creationId xmlns:a16="http://schemas.microsoft.com/office/drawing/2014/main" id="{4061AB06-8758-13ED-38A5-BB1B739D7974}"/>
+              </a:ext>
+            </a:extLst>
+          </p:cNvPr>
+          <p:cNvGraphicFramePr>
+            <a:graphicFrameLocks noGrp="1"/>
+          </p:cNvGraphicFramePr>
+          <p:nvPr/>
+        </p:nvGraphicFramePr>
+        <p:xfrm>
+          <a:off x="8008304" y="3988561"/>
+          <a:ext cx="2202493" cy="304800"/>
+        </p:xfrm>
+        <a:graphic>
+          <a:graphicData uri="http://schemas.openxmlformats.org/drawingml/2006/table">
+            <a:tbl>
+              <a:tblPr firstRow="1" bandRow="1">
+                <a:tableStyleId>{5C22544A-7EE6-4342-B048-85BDC9FD1C3A}</a:tableStyleId>
+              </a:tblPr>
+              <a:tblGrid>
+                <a:gridCol w="2202493">
+                  <a:extLst>
+                    <a:ext uri="{9D8B030D-6E8A-4147-A177-3AD203B41FA5}">
+                      <a16:colId xmlns:a16="http://schemas.microsoft.com/office/drawing/2014/main" val="3385209766"/>
+                    </a:ext>
+                  </a:extLst>
+                </a:gridCol>
+              </a:tblGrid>
+              <a:tr h="231732">
+                <a:tc>
+                  <a:txBody>
+                    <a:bodyPr/>
+                    <a:lstStyle/>
+                    <a:p>
+                      <a:pPr algn="ctr"/>
+                      <a:r>
+                        <a:rPr lang="en-US" sz="1400" dirty="0">
+                          <a:latin typeface="Lucida Console" panose="020B0609040504020204" pitchFamily="49" charset="0"/>
+                        </a:rPr>
+                        <a:t>@itemportion</a:t>
+                      </a:r>
+                    </a:p>
+                  </a:txBody>
+                  <a:tcPr/>
+                </a:tc>
+                <a:extLst>
+                  <a:ext uri="{0D108BD9-81ED-4DB2-BD59-A6C34878D82A}">
+                    <a16:rowId xmlns:a16="http://schemas.microsoft.com/office/drawing/2014/main" val="3450080794"/>
+                  </a:ext>
+                </a:extLst>
+              </a:tr>
+            </a:tbl>
+          </a:graphicData>
+        </a:graphic>
+      </p:graphicFrame>
+      <p:sp>
+        <p:nvSpPr>
+          <p:cNvPr id="12" name="Pfeil: nach unten 11">
+            <a:extLst>
+              <a:ext uri="{FF2B5EF4-FFF2-40B4-BE49-F238E27FC236}">
+                <a16:creationId xmlns:a16="http://schemas.microsoft.com/office/drawing/2014/main" id="{5E57E22B-58CD-197E-C5A1-B4A48C3C601C}"/>
+              </a:ext>
+            </a:extLst>
+          </p:cNvPr>
+          <p:cNvSpPr/>
+          <p:nvPr/>
+        </p:nvSpPr>
+        <p:spPr>
+          <a:xfrm>
+            <a:off x="9006214" y="3282863"/>
+            <a:ext cx="190253" cy="705698"/>
+          </a:xfrm>
+          <a:prstGeom prst="downArrow">
+            <a:avLst/>
+          </a:prstGeom>
+        </p:spPr>
+        <p:style>
+          <a:lnRef idx="2">
+            <a:schemeClr val="accent1">
+              <a:shade val="15000"/>
+            </a:schemeClr>
+          </a:lnRef>
+          <a:fillRef idx="1">
+            <a:schemeClr val="accent1"/>
+          </a:fillRef>
+          <a:effectRef idx="0">
+            <a:schemeClr val="accent1"/>
+          </a:effectRef>
+          <a:fontRef idx="minor">
+            <a:schemeClr val="lt1"/>
+          </a:fontRef>
+        </p:style>
+        <p:txBody>
+          <a:bodyPr rtlCol="0" anchor="ctr"/>
+          <a:lstStyle/>
+          <a:p>
+            <a:pPr algn="ctr"/>
+            <a:endParaRPr lang="en-US"/>
+          </a:p>
+        </p:txBody>
+      </p:sp>
+      <p:sp>
+        <p:nvSpPr>
+          <p:cNvPr id="13" name="Flussdiagramm: Verzweigung 12">
+            <a:extLst>
+              <a:ext uri="{FF2B5EF4-FFF2-40B4-BE49-F238E27FC236}">
+                <a16:creationId xmlns:a16="http://schemas.microsoft.com/office/drawing/2014/main" id="{06096D57-0D61-38F5-7245-3EB6D7E241F0}"/>
+              </a:ext>
+            </a:extLst>
+          </p:cNvPr>
+          <p:cNvSpPr/>
+          <p:nvPr/>
+        </p:nvSpPr>
+        <p:spPr>
+          <a:xfrm>
+            <a:off x="8008304" y="4465339"/>
+            <a:ext cx="2202493" cy="579296"/>
+          </a:xfrm>
+          <a:prstGeom prst="flowChartDecision">
+            <a:avLst/>
+          </a:prstGeom>
+        </p:spPr>
+        <p:style>
+          <a:lnRef idx="2">
+            <a:schemeClr val="accent1">
+              <a:shade val="15000"/>
+            </a:schemeClr>
+          </a:lnRef>
+          <a:fillRef idx="1">
+            <a:schemeClr val="accent1"/>
+          </a:fillRef>
+          <a:effectRef idx="0">
+            <a:schemeClr val="accent1"/>
+          </a:effectRef>
+          <a:fontRef idx="minor">
+            <a:schemeClr val="lt1"/>
+          </a:fontRef>
+        </p:style>
+        <p:txBody>
+          <a:bodyPr rtlCol="0" anchor="ctr"/>
+          <a:lstStyle/>
+          <a:p>
+            <a:pPr algn="ctr"/>
+            <a:r>
+              <a:rPr lang="en-US" sz="1200" dirty="0" err="1"/>
+              <a:t>Rowcount</a:t>
+            </a:r>
+            <a:br>
+              <a:rPr lang="en-US" sz="1200" dirty="0"/>
+            </a:br>
+            <a:r>
+              <a:rPr lang="en-US" sz="1200" dirty="0"/>
+              <a:t>&gt; 0</a:t>
+            </a:r>
+          </a:p>
+        </p:txBody>
+      </p:sp>
+      <p:sp>
+        <p:nvSpPr>
+          <p:cNvPr id="14" name="Textfeld 13">
+            <a:extLst>
+              <a:ext uri="{FF2B5EF4-FFF2-40B4-BE49-F238E27FC236}">
+                <a16:creationId xmlns:a16="http://schemas.microsoft.com/office/drawing/2014/main" id="{2A3ECA1C-23F3-7BCA-B318-84DF764251D9}"/>
+              </a:ext>
+            </a:extLst>
+          </p:cNvPr>
+          <p:cNvSpPr txBox="1"/>
+          <p:nvPr/>
+        </p:nvSpPr>
+        <p:spPr>
+          <a:xfrm>
+            <a:off x="8008304" y="5248405"/>
+            <a:ext cx="2202493" cy="276999"/>
+          </a:xfrm>
+          <a:prstGeom prst="rect">
+            <a:avLst/>
+          </a:prstGeom>
+          <a:solidFill>
+            <a:schemeClr val="bg1"/>
+          </a:solidFill>
+          <a:ln>
+            <a:solidFill>
+              <a:schemeClr val="tx1"/>
+            </a:solidFill>
+          </a:ln>
+          <a:effectLst>
+            <a:outerShdw blurRad="50800" dist="38100" dir="2700000" algn="tl" rotWithShape="0">
+              <a:prstClr val="black">
+                <a:alpha val="40000"/>
+              </a:prstClr>
+            </a:outerShdw>
+          </a:effectLst>
+        </p:spPr>
+        <p:txBody>
+          <a:bodyPr wrap="square" rtlCol="0">
+            <a:spAutoFit/>
+          </a:bodyPr>
+          <a:lstStyle/>
+          <a:p>
+            <a:pPr algn="ctr"/>
+            <a:r>
+              <a:rPr lang="en-US" sz="1200" dirty="0">
+                <a:latin typeface="Lucida Console" panose="020B0609040504020204" pitchFamily="49" charset="0"/>
+              </a:rPr>
+              <a:t>UPDATE @items</a:t>
+            </a:r>
+          </a:p>
+        </p:txBody>
+      </p:sp>
+      <p:sp>
+        <p:nvSpPr>
+          <p:cNvPr id="15" name="Textfeld 14">
+            <a:extLst>
+              <a:ext uri="{FF2B5EF4-FFF2-40B4-BE49-F238E27FC236}">
+                <a16:creationId xmlns:a16="http://schemas.microsoft.com/office/drawing/2014/main" id="{E385A021-157F-7E3A-EDEB-58C36D649015}"/>
+              </a:ext>
+            </a:extLst>
+          </p:cNvPr>
+          <p:cNvSpPr txBox="1"/>
+          <p:nvPr/>
+        </p:nvSpPr>
+        <p:spPr>
+          <a:xfrm>
+            <a:off x="8008304" y="5819954"/>
+            <a:ext cx="2202493" cy="276999"/>
+          </a:xfrm>
+          <a:prstGeom prst="rect">
+            <a:avLst/>
+          </a:prstGeom>
+          <a:solidFill>
+            <a:schemeClr val="bg1"/>
+          </a:solidFill>
+          <a:ln>
+            <a:solidFill>
+              <a:schemeClr val="tx1"/>
+            </a:solidFill>
+          </a:ln>
+          <a:effectLst>
+            <a:outerShdw blurRad="50800" dist="38100" dir="2700000" algn="tl" rotWithShape="0">
+              <a:prstClr val="black">
+                <a:alpha val="40000"/>
+              </a:prstClr>
+            </a:outerShdw>
+          </a:effectLst>
+        </p:spPr>
+        <p:txBody>
+          <a:bodyPr wrap="square" rtlCol="0">
+            <a:spAutoFit/>
+          </a:bodyPr>
+          <a:lstStyle/>
+          <a:p>
+            <a:pPr algn="ctr"/>
+            <a:r>
+              <a:rPr lang="en-US" sz="1200" dirty="0">
+                <a:latin typeface="Lucida Console" panose="020B0609040504020204" pitchFamily="49" charset="0"/>
+              </a:rPr>
+              <a:t>DELETE </a:t>
+            </a:r>
+            <a:r>
+              <a:rPr lang="en-US" sz="1200" dirty="0" err="1">
+                <a:latin typeface="Lucida Console" panose="020B0609040504020204" pitchFamily="49" charset="0"/>
+              </a:rPr>
+              <a:t>dbo.jobqueue</a:t>
+            </a:r>
+            <a:endParaRPr lang="en-US" sz="1200" dirty="0">
+              <a:latin typeface="Lucida Console" panose="020B0609040504020204" pitchFamily="49" charset="0"/>
+            </a:endParaRPr>
+          </a:p>
+        </p:txBody>
+      </p:sp>
+      <p:cxnSp>
+        <p:nvCxnSpPr>
+          <p:cNvPr id="17" name="Gerade Verbindung mit Pfeil 16">
+            <a:extLst>
+              <a:ext uri="{FF2B5EF4-FFF2-40B4-BE49-F238E27FC236}">
+                <a16:creationId xmlns:a16="http://schemas.microsoft.com/office/drawing/2014/main" id="{CD0F55E4-3729-8A2F-0386-6D35618613C4}"/>
+              </a:ext>
+            </a:extLst>
+          </p:cNvPr>
+          <p:cNvCxnSpPr>
+            <a:cxnSpLocks/>
+            <a:stCxn id="11" idx="2"/>
+            <a:endCxn id="13" idx="0"/>
+          </p:cNvCxnSpPr>
+          <p:nvPr/>
+        </p:nvCxnSpPr>
+        <p:spPr>
+          <a:xfrm>
+            <a:off x="9109550" y="4293361"/>
+            <a:ext cx="1" cy="171978"/>
+          </a:xfrm>
+          <a:prstGeom prst="straightConnector1">
+            <a:avLst/>
+          </a:prstGeom>
+          <a:ln w="19050">
+            <a:solidFill>
+              <a:schemeClr val="tx1"/>
+            </a:solidFill>
+            <a:headEnd type="none" w="med" len="med"/>
+            <a:tailEnd type="triangle"/>
+          </a:ln>
+        </p:spPr>
+        <p:style>
+          <a:lnRef idx="1">
+            <a:schemeClr val="accent1"/>
+          </a:lnRef>
+          <a:fillRef idx="0">
+            <a:schemeClr val="accent1"/>
+          </a:fillRef>
+          <a:effectRef idx="0">
+            <a:schemeClr val="accent1"/>
+          </a:effectRef>
+          <a:fontRef idx="minor">
+            <a:schemeClr val="tx1"/>
+          </a:fontRef>
+        </p:style>
+      </p:cxnSp>
+      <p:cxnSp>
+        <p:nvCxnSpPr>
+          <p:cNvPr id="20" name="Gerade Verbindung mit Pfeil 19">
+            <a:extLst>
+              <a:ext uri="{FF2B5EF4-FFF2-40B4-BE49-F238E27FC236}">
+                <a16:creationId xmlns:a16="http://schemas.microsoft.com/office/drawing/2014/main" id="{67789B00-2FD5-F579-84DE-DB6CDA13A47D}"/>
+              </a:ext>
+            </a:extLst>
+          </p:cNvPr>
+          <p:cNvCxnSpPr>
+            <a:stCxn id="13" idx="2"/>
+            <a:endCxn id="14" idx="0"/>
+          </p:cNvCxnSpPr>
+          <p:nvPr/>
+        </p:nvCxnSpPr>
+        <p:spPr>
+          <a:xfrm>
+            <a:off x="9109551" y="5044635"/>
+            <a:ext cx="0" cy="203770"/>
+          </a:xfrm>
+          <a:prstGeom prst="straightConnector1">
+            <a:avLst/>
+          </a:prstGeom>
+          <a:ln w="12700">
+            <a:solidFill>
+              <a:schemeClr val="tx1"/>
+            </a:solidFill>
+            <a:headEnd type="none" w="med" len="med"/>
+            <a:tailEnd type="triangle"/>
+          </a:ln>
+        </p:spPr>
+        <p:style>
+          <a:lnRef idx="1">
+            <a:schemeClr val="accent1"/>
+          </a:lnRef>
+          <a:fillRef idx="0">
+            <a:schemeClr val="accent1"/>
+          </a:fillRef>
+          <a:effectRef idx="0">
+            <a:schemeClr val="accent1"/>
+          </a:effectRef>
+          <a:fontRef idx="minor">
+            <a:schemeClr val="tx1"/>
+          </a:fontRef>
+        </p:style>
+      </p:cxnSp>
+      <p:cxnSp>
+        <p:nvCxnSpPr>
+          <p:cNvPr id="22" name="Gerade Verbindung mit Pfeil 21">
+            <a:extLst>
+              <a:ext uri="{FF2B5EF4-FFF2-40B4-BE49-F238E27FC236}">
+                <a16:creationId xmlns:a16="http://schemas.microsoft.com/office/drawing/2014/main" id="{29333CE4-D254-589E-6209-23F93211E077}"/>
+              </a:ext>
+            </a:extLst>
+          </p:cNvPr>
+          <p:cNvCxnSpPr>
+            <a:cxnSpLocks/>
+            <a:stCxn id="14" idx="2"/>
+            <a:endCxn id="15" idx="0"/>
+          </p:cNvCxnSpPr>
+          <p:nvPr/>
+        </p:nvCxnSpPr>
+        <p:spPr>
+          <a:xfrm>
+            <a:off x="9109551" y="5525404"/>
+            <a:ext cx="0" cy="294550"/>
+          </a:xfrm>
+          <a:prstGeom prst="straightConnector1">
+            <a:avLst/>
+          </a:prstGeom>
+          <a:ln w="12700">
+            <a:solidFill>
+              <a:schemeClr val="tx1"/>
+            </a:solidFill>
+            <a:headEnd type="none" w="med" len="med"/>
+            <a:tailEnd type="triangle"/>
+          </a:ln>
+        </p:spPr>
+        <p:style>
+          <a:lnRef idx="1">
+            <a:schemeClr val="accent1"/>
+          </a:lnRef>
+          <a:fillRef idx="0">
+            <a:schemeClr val="accent1"/>
+          </a:fillRef>
+          <a:effectRef idx="0">
+            <a:schemeClr val="accent1"/>
+          </a:effectRef>
+          <a:fontRef idx="minor">
+            <a:schemeClr val="tx1"/>
+          </a:fontRef>
+        </p:style>
+      </p:cxnSp>
+      <p:cxnSp>
+        <p:nvCxnSpPr>
+          <p:cNvPr id="26" name="Verbinder: gewinkelt 25">
+            <a:extLst>
+              <a:ext uri="{FF2B5EF4-FFF2-40B4-BE49-F238E27FC236}">
+                <a16:creationId xmlns:a16="http://schemas.microsoft.com/office/drawing/2014/main" id="{6C587442-1143-A237-8E13-CB0770929D72}"/>
+              </a:ext>
+            </a:extLst>
+          </p:cNvPr>
+          <p:cNvCxnSpPr>
+            <a:cxnSpLocks/>
+            <a:stCxn id="15" idx="3"/>
+            <a:endCxn id="8" idx="3"/>
+          </p:cNvCxnSpPr>
+          <p:nvPr/>
+        </p:nvCxnSpPr>
+        <p:spPr>
+          <a:xfrm flipV="1">
+            <a:off x="10210797" y="2825663"/>
+            <a:ext cx="1" cy="3132791"/>
+          </a:xfrm>
+          <a:prstGeom prst="bentConnector3">
+            <a:avLst>
+              <a:gd name="adj1" fmla="val 22860100000"/>
+            </a:avLst>
+          </a:prstGeom>
+          <a:ln>
+            <a:solidFill>
+              <a:schemeClr val="tx1"/>
+            </a:solidFill>
+            <a:headEnd type="none" w="med" len="med"/>
+            <a:tailEnd type="triangle"/>
+          </a:ln>
+        </p:spPr>
+        <p:style>
+          <a:lnRef idx="1">
+            <a:schemeClr val="accent1"/>
+          </a:lnRef>
+          <a:fillRef idx="0">
+            <a:schemeClr val="accent1"/>
+          </a:fillRef>
+          <a:effectRef idx="0">
+            <a:schemeClr val="accent1"/>
+          </a:effectRef>
+          <a:fontRef idx="minor">
+            <a:schemeClr val="tx1"/>
+          </a:fontRef>
+        </p:style>
+      </p:cxnSp>
+      <p:sp>
+        <p:nvSpPr>
+          <p:cNvPr id="33" name="Textfeld 32">
+            <a:extLst>
+              <a:ext uri="{FF2B5EF4-FFF2-40B4-BE49-F238E27FC236}">
+                <a16:creationId xmlns:a16="http://schemas.microsoft.com/office/drawing/2014/main" id="{5F5C0F3C-DDEA-14D5-E6B4-43C89B2BA9DB}"/>
+              </a:ext>
+            </a:extLst>
+          </p:cNvPr>
+          <p:cNvSpPr txBox="1"/>
+          <p:nvPr/>
+        </p:nvSpPr>
+        <p:spPr>
+          <a:xfrm>
+            <a:off x="5822513" y="4570321"/>
+            <a:ext cx="1434229" cy="369332"/>
+          </a:xfrm>
+          <a:prstGeom prst="rect">
+            <a:avLst/>
+          </a:prstGeom>
+          <a:solidFill>
+            <a:schemeClr val="bg1"/>
+          </a:solidFill>
+          <a:ln>
+            <a:solidFill>
+              <a:schemeClr val="tx1"/>
+            </a:solidFill>
+          </a:ln>
+          <a:effectLst>
+            <a:outerShdw blurRad="50800" dist="38100" dir="2700000" algn="tl" rotWithShape="0">
+              <a:prstClr val="black">
+                <a:alpha val="40000"/>
+              </a:prstClr>
+            </a:outerShdw>
+          </a:effectLst>
+        </p:spPr>
+        <p:txBody>
+          <a:bodyPr wrap="square" rtlCol="0">
+            <a:spAutoFit/>
+          </a:bodyPr>
+          <a:lstStyle/>
+          <a:p>
+            <a:r>
+              <a:rPr lang="en-US" dirty="0"/>
+              <a:t>Exit!</a:t>
+            </a:r>
+          </a:p>
+        </p:txBody>
+      </p:sp>
+      <p:cxnSp>
+        <p:nvCxnSpPr>
+          <p:cNvPr id="35" name="Gerade Verbindung mit Pfeil 34">
+            <a:extLst>
+              <a:ext uri="{FF2B5EF4-FFF2-40B4-BE49-F238E27FC236}">
+                <a16:creationId xmlns:a16="http://schemas.microsoft.com/office/drawing/2014/main" id="{861CCB91-2A9E-238A-999F-9FAEC90F90B6}"/>
+              </a:ext>
+            </a:extLst>
+          </p:cNvPr>
+          <p:cNvCxnSpPr>
+            <a:stCxn id="13" idx="1"/>
+            <a:endCxn id="33" idx="3"/>
+          </p:cNvCxnSpPr>
+          <p:nvPr/>
+        </p:nvCxnSpPr>
+        <p:spPr>
+          <a:xfrm flipH="1">
+            <a:off x="7256742" y="4754987"/>
+            <a:ext cx="751562" cy="0"/>
+          </a:xfrm>
+          <a:prstGeom prst="straightConnector1">
+            <a:avLst/>
+          </a:prstGeom>
+          <a:ln>
+            <a:solidFill>
+              <a:schemeClr val="tx1"/>
+            </a:solidFill>
+            <a:headEnd type="none" w="med" len="med"/>
+            <a:tailEnd type="triangle"/>
+          </a:ln>
+        </p:spPr>
+        <p:style>
+          <a:lnRef idx="1">
+            <a:schemeClr val="accent1"/>
+          </a:lnRef>
+          <a:fillRef idx="0">
+            <a:schemeClr val="accent1"/>
+          </a:fillRef>
+          <a:effectRef idx="0">
+            <a:schemeClr val="accent1"/>
+          </a:effectRef>
+          <a:fontRef idx="minor">
+            <a:schemeClr val="tx1"/>
+          </a:fontRef>
+        </p:style>
+      </p:cxnSp>
+      <p:sp>
+        <p:nvSpPr>
+          <p:cNvPr id="36" name="Textfeld 35">
+            <a:extLst>
+              <a:ext uri="{FF2B5EF4-FFF2-40B4-BE49-F238E27FC236}">
+                <a16:creationId xmlns:a16="http://schemas.microsoft.com/office/drawing/2014/main" id="{1EC673FD-27C7-C224-5EC3-1FD7CCE55AA6}"/>
+              </a:ext>
+            </a:extLst>
+          </p:cNvPr>
+          <p:cNvSpPr txBox="1"/>
+          <p:nvPr/>
+        </p:nvSpPr>
+        <p:spPr>
+          <a:xfrm>
+            <a:off x="7256741" y="4507978"/>
+            <a:ext cx="751562" cy="276999"/>
+          </a:xfrm>
+          <a:prstGeom prst="rect">
+            <a:avLst/>
+          </a:prstGeom>
+          <a:noFill/>
+        </p:spPr>
+        <p:txBody>
+          <a:bodyPr wrap="square" rtlCol="0">
+            <a:spAutoFit/>
+          </a:bodyPr>
+          <a:lstStyle/>
+          <a:p>
+            <a:pPr algn="ctr"/>
+            <a:r>
+              <a:rPr lang="en-US" sz="1200" b="1" dirty="0"/>
+              <a:t>No</a:t>
+            </a:r>
+          </a:p>
+        </p:txBody>
+      </p:sp>
+    </p:spTree>
+    <p:extLst>
+      <p:ext uri="{BB962C8B-B14F-4D97-AF65-F5344CB8AC3E}">
+        <p14:creationId xmlns:p14="http://schemas.microsoft.com/office/powerpoint/2010/main" val="367171445"/>
       </p:ext>
     </p:extLst>
   </p:cSld>
@@ -10096,6 +15619,1913 @@
     <p:extLst>
       <p:ext uri="{BB962C8B-B14F-4D97-AF65-F5344CB8AC3E}">
         <p14:creationId xmlns:p14="http://schemas.microsoft.com/office/powerpoint/2010/main" val="2697227968"/>
+      </p:ext>
+    </p:extLst>
+  </p:cSld>
+  <p:clrMapOvr>
+    <a:masterClrMapping/>
+  </p:clrMapOvr>
+</p:sld>
+</file>
+
+<file path=ppt/slides/slide50.xml><?xml version="1.0" encoding="utf-8"?>
+<p:sld xmlns:a="http://schemas.openxmlformats.org/drawingml/2006/main" xmlns:r="http://schemas.openxmlformats.org/officeDocument/2006/relationships" xmlns:p="http://schemas.openxmlformats.org/presentationml/2006/main">
+  <p:cSld>
+    <p:spTree>
+      <p:nvGrpSpPr>
+        <p:cNvPr id="1" name="">
+          <a:extLst>
+            <a:ext uri="{FF2B5EF4-FFF2-40B4-BE49-F238E27FC236}">
+              <a16:creationId xmlns:a16="http://schemas.microsoft.com/office/drawing/2014/main" id="{D9DC699F-2DAE-FFF7-C26F-700180B89251}"/>
+            </a:ext>
+          </a:extLst>
+        </p:cNvPr>
+        <p:cNvGrpSpPr/>
+        <p:nvPr/>
+      </p:nvGrpSpPr>
+      <p:grpSpPr>
+        <a:xfrm>
+          <a:off x="0" y="0"/>
+          <a:ext cx="0" cy="0"/>
+          <a:chOff x="0" y="0"/>
+          <a:chExt cx="0" cy="0"/>
+        </a:xfrm>
+      </p:grpSpPr>
+      <p:sp>
+        <p:nvSpPr>
+          <p:cNvPr id="2" name="Titel 1">
+            <a:extLst>
+              <a:ext uri="{FF2B5EF4-FFF2-40B4-BE49-F238E27FC236}">
+                <a16:creationId xmlns:a16="http://schemas.microsoft.com/office/drawing/2014/main" id="{7AB7B0E8-0E56-5C31-472F-69650F93CC19}"/>
+              </a:ext>
+            </a:extLst>
+          </p:cNvPr>
+          <p:cNvSpPr>
+            <a:spLocks noGrp="1"/>
+          </p:cNvSpPr>
+          <p:nvPr>
+            <p:ph type="title"/>
+          </p:nvPr>
+        </p:nvSpPr>
+        <p:spPr/>
+        <p:txBody>
+          <a:bodyPr/>
+          <a:lstStyle/>
+          <a:p>
+            <a:r>
+              <a:rPr lang="en-US" dirty="0"/>
+              <a:t>Scenario 2 - Preparation</a:t>
+            </a:r>
+          </a:p>
+        </p:txBody>
+      </p:sp>
+      <p:sp>
+        <p:nvSpPr>
+          <p:cNvPr id="3" name="Inhaltsplatzhalter 2">
+            <a:extLst>
+              <a:ext uri="{FF2B5EF4-FFF2-40B4-BE49-F238E27FC236}">
+                <a16:creationId xmlns:a16="http://schemas.microsoft.com/office/drawing/2014/main" id="{9DC32869-D52A-6D3D-D1EE-11279636DE12}"/>
+              </a:ext>
+            </a:extLst>
+          </p:cNvPr>
+          <p:cNvSpPr>
+            <a:spLocks noGrp="1"/>
+          </p:cNvSpPr>
+          <p:nvPr>
+            <p:ph idx="1"/>
+          </p:nvPr>
+        </p:nvSpPr>
+        <p:spPr/>
+        <p:txBody>
+          <a:bodyPr/>
+          <a:lstStyle/>
+          <a:p>
+            <a:r>
+              <a:rPr lang="en-US" b="1" dirty="0"/>
+              <a:t>Demo Configuration</a:t>
+            </a:r>
+          </a:p>
+          <a:p>
+            <a:pPr lvl="1"/>
+            <a:r>
+              <a:rPr lang="en-US" dirty="0"/>
+              <a:t>To demonstrate the problem, two tables (</a:t>
+            </a:r>
+            <a:r>
+              <a:rPr lang="en-US" b="1" dirty="0"/>
+              <a:t>[</a:t>
+            </a:r>
+            <a:r>
+              <a:rPr lang="en-US" b="1" dirty="0" err="1"/>
+              <a:t>dbo</a:t>
+            </a:r>
+            <a:r>
+              <a:rPr lang="en-US" b="1" dirty="0"/>
+              <a:t>].[</a:t>
+            </a:r>
+            <a:r>
+              <a:rPr lang="en-US" b="1" dirty="0" err="1"/>
+              <a:t>jobqueue</a:t>
+            </a:r>
+            <a:r>
+              <a:rPr lang="en-US" b="1" dirty="0"/>
+              <a:t>] </a:t>
+            </a:r>
+            <a:r>
+              <a:rPr lang="en-US" dirty="0"/>
+              <a:t>and </a:t>
+            </a:r>
+            <a:r>
+              <a:rPr lang="en-US" b="1" dirty="0"/>
+              <a:t>[</a:t>
+            </a:r>
+            <a:r>
+              <a:rPr lang="en-US" b="1" dirty="0" err="1"/>
+              <a:t>dbo</a:t>
+            </a:r>
+            <a:r>
+              <a:rPr lang="en-US" b="1" dirty="0"/>
+              <a:t>].[</a:t>
+            </a:r>
+            <a:r>
+              <a:rPr lang="en-US" b="1" dirty="0" err="1"/>
+              <a:t>runtime_statistics</a:t>
+            </a:r>
+            <a:r>
+              <a:rPr lang="en-US" b="1" dirty="0"/>
+              <a:t>]</a:t>
+            </a:r>
+            <a:r>
+              <a:rPr lang="en-US" dirty="0"/>
+              <a:t>) are used.</a:t>
+            </a:r>
+          </a:p>
+          <a:p>
+            <a:pPr lvl="1"/>
+            <a:r>
+              <a:rPr lang="en-US" dirty="0"/>
+              <a:t>A stored procedure [</a:t>
+            </a:r>
+            <a:r>
+              <a:rPr lang="en-US" dirty="0" err="1"/>
+              <a:t>dbo</a:t>
+            </a:r>
+            <a:r>
+              <a:rPr lang="en-US" dirty="0"/>
+              <a:t>].[</a:t>
+            </a:r>
+            <a:r>
+              <a:rPr lang="en-US" dirty="0" err="1"/>
+              <a:t>jobqueue_delete</a:t>
+            </a:r>
+            <a:r>
+              <a:rPr lang="en-US" dirty="0"/>
+              <a:t>] handles the maintenance of the </a:t>
+            </a:r>
+            <a:r>
+              <a:rPr lang="en-US" dirty="0" err="1"/>
+              <a:t>the</a:t>
+            </a:r>
+            <a:r>
+              <a:rPr lang="en-US" dirty="0"/>
+              <a:t> table [</a:t>
+            </a:r>
+            <a:r>
+              <a:rPr lang="en-US" dirty="0" err="1"/>
+              <a:t>dbo</a:t>
+            </a:r>
+            <a:r>
+              <a:rPr lang="en-US" dirty="0"/>
+              <a:t>].[</a:t>
+            </a:r>
+            <a:r>
+              <a:rPr lang="en-US" dirty="0" err="1"/>
+              <a:t>jobqueue</a:t>
+            </a:r>
+            <a:r>
+              <a:rPr lang="en-US" dirty="0"/>
+              <a:t>].</a:t>
+            </a:r>
+          </a:p>
+          <a:p>
+            <a:pPr lvl="1"/>
+            <a:r>
+              <a:rPr lang="en-US" dirty="0"/>
+              <a:t>The table [</a:t>
+            </a:r>
+            <a:r>
+              <a:rPr lang="en-US" dirty="0" err="1"/>
+              <a:t>dbo</a:t>
+            </a:r>
+            <a:r>
+              <a:rPr lang="en-US" dirty="0"/>
+              <a:t>].[runtimes] stores the measures after each improvement.</a:t>
+            </a:r>
+          </a:p>
+          <a:p>
+            <a:r>
+              <a:rPr lang="en-US" b="1" dirty="0"/>
+              <a:t>Demo Setup</a:t>
+            </a:r>
+          </a:p>
+          <a:p>
+            <a:pPr lvl="1"/>
+            <a:r>
+              <a:rPr lang="en-US" dirty="0"/>
+              <a:t>execute the script </a:t>
+            </a:r>
+            <a:r>
+              <a:rPr lang="en-US" sz="2000" b="1" dirty="0">
+                <a:solidFill>
+                  <a:schemeClr val="accent5"/>
+                </a:solidFill>
+                <a:latin typeface="Lucida Console" panose="020B0609040504020204" pitchFamily="49" charset="0"/>
+              </a:rPr>
+              <a:t>01 - scenario 02 – </a:t>
+            </a:r>
+            <a:r>
+              <a:rPr lang="en-US" sz="2000" b="1" dirty="0" err="1">
+                <a:solidFill>
+                  <a:schemeClr val="accent5"/>
+                </a:solidFill>
+                <a:latin typeface="Lucida Console" panose="020B0609040504020204" pitchFamily="49" charset="0"/>
+              </a:rPr>
+              <a:t>preparation.sql</a:t>
+            </a:r>
+            <a:r>
+              <a:rPr lang="en-US" sz="2000" dirty="0"/>
+              <a:t> </a:t>
+            </a:r>
+            <a:r>
+              <a:rPr lang="en-US" dirty="0"/>
+              <a:t>to prepare all table objects.</a:t>
+            </a:r>
+          </a:p>
+          <a:p>
+            <a:pPr lvl="1"/>
+            <a:r>
+              <a:rPr lang="en-US" dirty="0"/>
+              <a:t>execute the script </a:t>
+            </a:r>
+            <a:r>
+              <a:rPr lang="en-US" sz="2000" b="1" dirty="0">
+                <a:solidFill>
+                  <a:schemeClr val="accent5"/>
+                </a:solidFill>
+                <a:latin typeface="Lucida Console" panose="020B0609040504020204" pitchFamily="49" charset="0"/>
+              </a:rPr>
+              <a:t>02 - scenario 02 – maintenance </a:t>
+            </a:r>
+            <a:r>
+              <a:rPr lang="en-US" sz="2000" b="1" dirty="0" err="1">
+                <a:solidFill>
+                  <a:schemeClr val="accent5"/>
+                </a:solidFill>
+                <a:latin typeface="Lucida Console" panose="020B0609040504020204" pitchFamily="49" charset="0"/>
+              </a:rPr>
+              <a:t>procedure.sql</a:t>
+            </a:r>
+            <a:r>
+              <a:rPr lang="en-US" sz="2000" b="1" dirty="0">
+                <a:solidFill>
+                  <a:schemeClr val="accent5"/>
+                </a:solidFill>
+                <a:latin typeface="Lucida Console" panose="020B0609040504020204" pitchFamily="49" charset="0"/>
+              </a:rPr>
+              <a:t> </a:t>
+            </a:r>
+            <a:r>
+              <a:rPr lang="en-US" dirty="0"/>
+              <a:t>to create the user management procedure.</a:t>
+            </a:r>
+          </a:p>
+          <a:p>
+            <a:pPr lvl="1"/>
+            <a:r>
+              <a:rPr lang="en-US" dirty="0"/>
+              <a:t>Execute the script </a:t>
+            </a:r>
+            <a:r>
+              <a:rPr lang="en-US" sz="2000" b="1" dirty="0">
+                <a:solidFill>
+                  <a:schemeClr val="accent5"/>
+                </a:solidFill>
+                <a:latin typeface="Lucida Console" panose="020B0609040504020204" pitchFamily="49" charset="0"/>
+              </a:rPr>
+              <a:t>03 - scenario 02 – stress </a:t>
+            </a:r>
+            <a:r>
+              <a:rPr lang="en-US" sz="2000" b="1" dirty="0" err="1">
+                <a:solidFill>
+                  <a:schemeClr val="accent5"/>
+                </a:solidFill>
+                <a:latin typeface="Lucida Console" panose="020B0609040504020204" pitchFamily="49" charset="0"/>
+              </a:rPr>
+              <a:t>query.sql</a:t>
+            </a:r>
+            <a:r>
+              <a:rPr lang="en-US" sz="2000" b="1" dirty="0">
+                <a:solidFill>
+                  <a:schemeClr val="accent5"/>
+                </a:solidFill>
+                <a:latin typeface="Lucida Console" panose="020B0609040504020204" pitchFamily="49" charset="0"/>
+              </a:rPr>
+              <a:t> </a:t>
+            </a:r>
+            <a:r>
+              <a:rPr lang="en-US" dirty="0"/>
+              <a:t>to create the user defined function.</a:t>
+            </a:r>
+          </a:p>
+        </p:txBody>
+      </p:sp>
+    </p:spTree>
+    <p:extLst>
+      <p:ext uri="{BB962C8B-B14F-4D97-AF65-F5344CB8AC3E}">
+        <p14:creationId xmlns:p14="http://schemas.microsoft.com/office/powerpoint/2010/main" val="2003074078"/>
+      </p:ext>
+    </p:extLst>
+  </p:cSld>
+  <p:clrMapOvr>
+    <a:masterClrMapping/>
+  </p:clrMapOvr>
+</p:sld>
+</file>
+
+<file path=ppt/slides/slide51.xml><?xml version="1.0" encoding="utf-8"?>
+<p:sld xmlns:a="http://schemas.openxmlformats.org/drawingml/2006/main" xmlns:r="http://schemas.openxmlformats.org/officeDocument/2006/relationships" xmlns:p="http://schemas.openxmlformats.org/presentationml/2006/main">
+  <p:cSld>
+    <p:spTree>
+      <p:nvGrpSpPr>
+        <p:cNvPr id="1" name="">
+          <a:extLst>
+            <a:ext uri="{FF2B5EF4-FFF2-40B4-BE49-F238E27FC236}">
+              <a16:creationId xmlns:a16="http://schemas.microsoft.com/office/drawing/2014/main" id="{6936953B-D112-0EE4-B5D9-109E1C46D10C}"/>
+            </a:ext>
+          </a:extLst>
+        </p:cNvPr>
+        <p:cNvGrpSpPr/>
+        <p:nvPr/>
+      </p:nvGrpSpPr>
+      <p:grpSpPr>
+        <a:xfrm>
+          <a:off x="0" y="0"/>
+          <a:ext cx="0" cy="0"/>
+          <a:chOff x="0" y="0"/>
+          <a:chExt cx="0" cy="0"/>
+        </a:xfrm>
+      </p:grpSpPr>
+      <p:sp>
+        <p:nvSpPr>
+          <p:cNvPr id="2" name="Titel 1">
+            <a:extLst>
+              <a:ext uri="{FF2B5EF4-FFF2-40B4-BE49-F238E27FC236}">
+                <a16:creationId xmlns:a16="http://schemas.microsoft.com/office/drawing/2014/main" id="{EA80FF80-3F3A-E4D1-D7C9-9F57E427EB3F}"/>
+              </a:ext>
+            </a:extLst>
+          </p:cNvPr>
+          <p:cNvSpPr>
+            <a:spLocks noGrp="1"/>
+          </p:cNvSpPr>
+          <p:nvPr>
+            <p:ph type="title"/>
+          </p:nvPr>
+        </p:nvSpPr>
+        <p:spPr/>
+        <p:txBody>
+          <a:bodyPr/>
+          <a:lstStyle/>
+          <a:p>
+            <a:r>
+              <a:rPr lang="en-US" dirty="0"/>
+              <a:t>Scenario 2 - Findings </a:t>
+            </a:r>
+          </a:p>
+        </p:txBody>
+      </p:sp>
+      <p:sp>
+        <p:nvSpPr>
+          <p:cNvPr id="4" name="Inhaltsplatzhalter 3">
+            <a:extLst>
+              <a:ext uri="{FF2B5EF4-FFF2-40B4-BE49-F238E27FC236}">
+                <a16:creationId xmlns:a16="http://schemas.microsoft.com/office/drawing/2014/main" id="{1436FC44-EAAA-0025-CE06-0EFA9701839D}"/>
+              </a:ext>
+            </a:extLst>
+          </p:cNvPr>
+          <p:cNvSpPr>
+            <a:spLocks noGrp="1"/>
+          </p:cNvSpPr>
+          <p:nvPr>
+            <p:ph sz="half" idx="1"/>
+          </p:nvPr>
+        </p:nvSpPr>
+        <p:spPr/>
+        <p:txBody>
+          <a:bodyPr/>
+          <a:lstStyle/>
+          <a:p>
+            <a:r>
+              <a:rPr lang="en-US" dirty="0"/>
+              <a:t>To check for data existence, use EXISTS instead of COUNT. </a:t>
+            </a:r>
+          </a:p>
+          <a:p>
+            <a:r>
+              <a:rPr lang="en-US" dirty="0"/>
+              <a:t>Remove unnecessary code structures for better reading and performance</a:t>
+            </a:r>
+          </a:p>
+          <a:p>
+            <a:r>
+              <a:rPr lang="en-US" dirty="0"/>
+              <a:t>Check indexes on the table and remove non used indexes</a:t>
+            </a:r>
+          </a:p>
+          <a:p>
+            <a:r>
+              <a:rPr lang="en-US" dirty="0"/>
+              <a:t>For multi-process patterns try to partition the job itself.</a:t>
+            </a:r>
+          </a:p>
+        </p:txBody>
+      </p:sp>
+      <p:sp>
+        <p:nvSpPr>
+          <p:cNvPr id="8" name="Inhaltsplatzhalter 7">
+            <a:extLst>
+              <a:ext uri="{FF2B5EF4-FFF2-40B4-BE49-F238E27FC236}">
+                <a16:creationId xmlns:a16="http://schemas.microsoft.com/office/drawing/2014/main" id="{E75137C9-88A3-0A7D-13CB-EF8A299EACEC}"/>
+              </a:ext>
+            </a:extLst>
+          </p:cNvPr>
+          <p:cNvSpPr>
+            <a:spLocks noGrp="1"/>
+          </p:cNvSpPr>
+          <p:nvPr>
+            <p:ph sz="half" idx="2"/>
+          </p:nvPr>
+        </p:nvSpPr>
+        <p:spPr/>
+        <p:txBody>
+          <a:bodyPr/>
+          <a:lstStyle/>
+          <a:p>
+            <a:endParaRPr lang="en-US"/>
+          </a:p>
+        </p:txBody>
+      </p:sp>
+      <p:pic>
+        <p:nvPicPr>
+          <p:cNvPr id="9" name="Inhaltsplatzhalter 5">
+            <a:extLst>
+              <a:ext uri="{FF2B5EF4-FFF2-40B4-BE49-F238E27FC236}">
+                <a16:creationId xmlns:a16="http://schemas.microsoft.com/office/drawing/2014/main" id="{018DC007-FACB-0BF1-D04B-D3B91629F90E}"/>
+              </a:ext>
+            </a:extLst>
+          </p:cNvPr>
+          <p:cNvPicPr>
+            <a:picLocks noChangeAspect="1"/>
+          </p:cNvPicPr>
+          <p:nvPr/>
+        </p:nvPicPr>
+        <p:blipFill>
+          <a:blip r:embed="rId2"/>
+          <a:stretch>
+            <a:fillRect/>
+          </a:stretch>
+        </p:blipFill>
+        <p:spPr>
+          <a:xfrm>
+            <a:off x="6778625" y="1665288"/>
+            <a:ext cx="4572000" cy="4572000"/>
+          </a:xfrm>
+          <a:prstGeom prst="rect">
+            <a:avLst/>
+          </a:prstGeom>
+        </p:spPr>
+      </p:pic>
+    </p:spTree>
+    <p:extLst>
+      <p:ext uri="{BB962C8B-B14F-4D97-AF65-F5344CB8AC3E}">
+        <p14:creationId xmlns:p14="http://schemas.microsoft.com/office/powerpoint/2010/main" val="3799856774"/>
+      </p:ext>
+    </p:extLst>
+  </p:cSld>
+  <p:clrMapOvr>
+    <a:masterClrMapping/>
+  </p:clrMapOvr>
+</p:sld>
+</file>
+
+<file path=ppt/slides/slide52.xml><?xml version="1.0" encoding="utf-8"?>
+<p:sld xmlns:a="http://schemas.openxmlformats.org/drawingml/2006/main" xmlns:r="http://schemas.openxmlformats.org/officeDocument/2006/relationships" xmlns:p="http://schemas.openxmlformats.org/presentationml/2006/main">
+  <p:cSld>
+    <p:spTree>
+      <p:nvGrpSpPr>
+        <p:cNvPr id="1" name="">
+          <a:extLst>
+            <a:ext uri="{FF2B5EF4-FFF2-40B4-BE49-F238E27FC236}">
+              <a16:creationId xmlns:a16="http://schemas.microsoft.com/office/drawing/2014/main" id="{3686D93B-3703-E8E8-F053-1AADE38AB668}"/>
+            </a:ext>
+          </a:extLst>
+        </p:cNvPr>
+        <p:cNvGrpSpPr/>
+        <p:nvPr/>
+      </p:nvGrpSpPr>
+      <p:grpSpPr>
+        <a:xfrm>
+          <a:off x="0" y="0"/>
+          <a:ext cx="0" cy="0"/>
+          <a:chOff x="0" y="0"/>
+          <a:chExt cx="0" cy="0"/>
+        </a:xfrm>
+      </p:grpSpPr>
+      <p:sp>
+        <p:nvSpPr>
+          <p:cNvPr id="4" name="Titel 3">
+            <a:extLst>
+              <a:ext uri="{FF2B5EF4-FFF2-40B4-BE49-F238E27FC236}">
+                <a16:creationId xmlns:a16="http://schemas.microsoft.com/office/drawing/2014/main" id="{B79AF0E1-DECA-8D1E-D597-B28D74A2B66C}"/>
+              </a:ext>
+            </a:extLst>
+          </p:cNvPr>
+          <p:cNvSpPr>
+            <a:spLocks noGrp="1"/>
+          </p:cNvSpPr>
+          <p:nvPr>
+            <p:ph type="ctrTitle"/>
+          </p:nvPr>
+        </p:nvSpPr>
+        <p:spPr/>
+        <p:txBody>
+          <a:bodyPr/>
+          <a:lstStyle/>
+          <a:p>
+            <a:r>
+              <a:rPr lang="en-US" dirty="0"/>
+              <a:t>Scenario #6</a:t>
+            </a:r>
+          </a:p>
+        </p:txBody>
+      </p:sp>
+      <p:sp>
+        <p:nvSpPr>
+          <p:cNvPr id="5" name="Untertitel 4">
+            <a:extLst>
+              <a:ext uri="{FF2B5EF4-FFF2-40B4-BE49-F238E27FC236}">
+                <a16:creationId xmlns:a16="http://schemas.microsoft.com/office/drawing/2014/main" id="{B44DA691-F949-AD8F-2991-9B4E0309EDFB}"/>
+              </a:ext>
+            </a:extLst>
+          </p:cNvPr>
+          <p:cNvSpPr>
+            <a:spLocks noGrp="1"/>
+          </p:cNvSpPr>
+          <p:nvPr>
+            <p:ph type="subTitle" idx="1"/>
+          </p:nvPr>
+        </p:nvSpPr>
+        <p:spPr/>
+        <p:txBody>
+          <a:bodyPr/>
+          <a:lstStyle/>
+          <a:p>
+            <a:r>
+              <a:rPr lang="en-US" dirty="0"/>
+              <a:t>Think set based but not row based!</a:t>
+            </a:r>
+          </a:p>
+        </p:txBody>
+      </p:sp>
+    </p:spTree>
+    <p:extLst>
+      <p:ext uri="{BB962C8B-B14F-4D97-AF65-F5344CB8AC3E}">
+        <p14:creationId xmlns:p14="http://schemas.microsoft.com/office/powerpoint/2010/main" val="367371729"/>
+      </p:ext>
+    </p:extLst>
+  </p:cSld>
+  <p:clrMapOvr>
+    <a:masterClrMapping/>
+  </p:clrMapOvr>
+</p:sld>
+</file>
+
+<file path=ppt/slides/slide53.xml><?xml version="1.0" encoding="utf-8"?>
+<p:sld xmlns:a="http://schemas.openxmlformats.org/drawingml/2006/main" xmlns:r="http://schemas.openxmlformats.org/officeDocument/2006/relationships" xmlns:p="http://schemas.openxmlformats.org/presentationml/2006/main">
+  <p:cSld>
+    <p:spTree>
+      <p:nvGrpSpPr>
+        <p:cNvPr id="1" name="">
+          <a:extLst>
+            <a:ext uri="{FF2B5EF4-FFF2-40B4-BE49-F238E27FC236}">
+              <a16:creationId xmlns:a16="http://schemas.microsoft.com/office/drawing/2014/main" id="{4B64A7AB-5887-E689-EF3D-0C13B141C1DB}"/>
+            </a:ext>
+          </a:extLst>
+        </p:cNvPr>
+        <p:cNvGrpSpPr/>
+        <p:nvPr/>
+      </p:nvGrpSpPr>
+      <p:grpSpPr>
+        <a:xfrm>
+          <a:off x="0" y="0"/>
+          <a:ext cx="0" cy="0"/>
+          <a:chOff x="0" y="0"/>
+          <a:chExt cx="0" cy="0"/>
+        </a:xfrm>
+      </p:grpSpPr>
+      <p:sp>
+        <p:nvSpPr>
+          <p:cNvPr id="2" name="Titel 1">
+            <a:extLst>
+              <a:ext uri="{FF2B5EF4-FFF2-40B4-BE49-F238E27FC236}">
+                <a16:creationId xmlns:a16="http://schemas.microsoft.com/office/drawing/2014/main" id="{8AE804EB-0B5F-C3A2-B83C-89DE8E3DF8C9}"/>
+              </a:ext>
+            </a:extLst>
+          </p:cNvPr>
+          <p:cNvSpPr>
+            <a:spLocks noGrp="1"/>
+          </p:cNvSpPr>
+          <p:nvPr>
+            <p:ph type="title"/>
+          </p:nvPr>
+        </p:nvSpPr>
+        <p:spPr/>
+        <p:txBody>
+          <a:bodyPr/>
+          <a:lstStyle/>
+          <a:p>
+            <a:r>
+              <a:rPr lang="en-US" dirty="0"/>
+              <a:t>Scenario 6 – Problem Description</a:t>
+            </a:r>
+          </a:p>
+        </p:txBody>
+      </p:sp>
+      <p:sp>
+        <p:nvSpPr>
+          <p:cNvPr id="3" name="Inhaltsplatzhalter 2">
+            <a:extLst>
+              <a:ext uri="{FF2B5EF4-FFF2-40B4-BE49-F238E27FC236}">
+                <a16:creationId xmlns:a16="http://schemas.microsoft.com/office/drawing/2014/main" id="{F3F1F20B-142A-B813-F615-AC1860C9043A}"/>
+              </a:ext>
+            </a:extLst>
+          </p:cNvPr>
+          <p:cNvSpPr>
+            <a:spLocks noGrp="1"/>
+          </p:cNvSpPr>
+          <p:nvPr>
+            <p:ph sz="half" idx="1"/>
+          </p:nvPr>
+        </p:nvSpPr>
+        <p:spPr/>
+        <p:txBody>
+          <a:bodyPr>
+            <a:normAutofit/>
+          </a:bodyPr>
+          <a:lstStyle/>
+          <a:p>
+            <a:r>
+              <a:rPr lang="en-US" b="1" dirty="0"/>
+              <a:t>Description</a:t>
+            </a:r>
+          </a:p>
+          <a:p>
+            <a:pPr lvl="1"/>
+            <a:r>
+              <a:rPr lang="en-US" sz="1600" b="0" i="0" dirty="0">
+                <a:solidFill>
+                  <a:srgbClr val="1F2328"/>
+                </a:solidFill>
+                <a:effectLst/>
+                <a:latin typeface="-apple-system"/>
+              </a:rPr>
+              <a:t>The management board wants to have on a daily basis a report by region for the last three orders from any customer placed in a given time range.</a:t>
+            </a:r>
+          </a:p>
+          <a:p>
+            <a:pPr lvl="1"/>
+            <a:r>
+              <a:rPr lang="en-US" sz="1600" b="0" i="0" dirty="0">
+                <a:solidFill>
+                  <a:srgbClr val="1F2328"/>
+                </a:solidFill>
+                <a:effectLst/>
+                <a:latin typeface="-apple-system"/>
+              </a:rPr>
+              <a:t>The development team created a stored procedure with two parameters:</a:t>
+            </a:r>
+          </a:p>
+          <a:p>
+            <a:pPr lvl="2"/>
+            <a:r>
+              <a:rPr lang="en-US" sz="1600" b="0" i="0" dirty="0">
+                <a:solidFill>
+                  <a:srgbClr val="1F2328"/>
+                </a:solidFill>
+                <a:effectLst/>
+                <a:latin typeface="-apple-system"/>
+              </a:rPr>
+              <a:t>@date_from	DATE</a:t>
+            </a:r>
+          </a:p>
+          <a:p>
+            <a:pPr lvl="2"/>
+            <a:r>
+              <a:rPr lang="en-US" sz="1600" b="0" i="0" dirty="0">
+                <a:solidFill>
+                  <a:srgbClr val="1F2328"/>
+                </a:solidFill>
+                <a:effectLst/>
+                <a:latin typeface="-apple-system"/>
+              </a:rPr>
+              <a:t>@date_to	DATE</a:t>
+            </a:r>
+            <a:endParaRPr lang="en-US" sz="1600" b="1" dirty="0"/>
+          </a:p>
+          <a:p>
+            <a:r>
+              <a:rPr lang="en-US" b="1" dirty="0"/>
+              <a:t>Problem</a:t>
+            </a:r>
+          </a:p>
+          <a:p>
+            <a:pPr lvl="1"/>
+            <a:r>
+              <a:rPr lang="en-US" sz="1600" dirty="0"/>
+              <a:t>The business complains about a bad performance of more than 40 seconds for the execution.</a:t>
+            </a:r>
+          </a:p>
+          <a:p>
+            <a:pPr lvl="1"/>
+            <a:r>
+              <a:rPr lang="en-US" sz="1600" dirty="0"/>
+              <a:t>Sometimes the business is receiving timeout errors.</a:t>
+            </a:r>
+          </a:p>
+        </p:txBody>
+      </p:sp>
+      <p:graphicFrame>
+        <p:nvGraphicFramePr>
+          <p:cNvPr id="7" name="Inhaltsplatzhalter 6">
+            <a:extLst>
+              <a:ext uri="{FF2B5EF4-FFF2-40B4-BE49-F238E27FC236}">
+                <a16:creationId xmlns:a16="http://schemas.microsoft.com/office/drawing/2014/main" id="{4D6D888A-5D45-8F27-4C46-373B4E936505}"/>
+              </a:ext>
+            </a:extLst>
+          </p:cNvPr>
+          <p:cNvGraphicFramePr>
+            <a:graphicFrameLocks noGrp="1"/>
+          </p:cNvGraphicFramePr>
+          <p:nvPr>
+            <p:ph sz="half" idx="2"/>
+          </p:nvPr>
+        </p:nvGraphicFramePr>
+        <p:xfrm>
+          <a:off x="7428944" y="1665288"/>
+          <a:ext cx="4425014" cy="1295400"/>
+        </p:xfrm>
+        <a:graphic>
+          <a:graphicData uri="http://schemas.openxmlformats.org/drawingml/2006/table">
+            <a:tbl>
+              <a:tblPr firstRow="1" firstCol="1" bandRow="1">
+                <a:tableStyleId>{5C22544A-7EE6-4342-B048-85BDC9FD1C3A}</a:tableStyleId>
+              </a:tblPr>
+              <a:tblGrid>
+                <a:gridCol w="1526923">
+                  <a:extLst>
+                    <a:ext uri="{9D8B030D-6E8A-4147-A177-3AD203B41FA5}">
+                      <a16:colId xmlns:a16="http://schemas.microsoft.com/office/drawing/2014/main" val="2608591251"/>
+                    </a:ext>
+                  </a:extLst>
+                </a:gridCol>
+                <a:gridCol w="1108797">
+                  <a:extLst>
+                    <a:ext uri="{9D8B030D-6E8A-4147-A177-3AD203B41FA5}">
+                      <a16:colId xmlns:a16="http://schemas.microsoft.com/office/drawing/2014/main" val="2114112737"/>
+                    </a:ext>
+                  </a:extLst>
+                </a:gridCol>
+                <a:gridCol w="989556">
+                  <a:extLst>
+                    <a:ext uri="{9D8B030D-6E8A-4147-A177-3AD203B41FA5}">
+                      <a16:colId xmlns:a16="http://schemas.microsoft.com/office/drawing/2014/main" val="3183205547"/>
+                    </a:ext>
+                  </a:extLst>
+                </a:gridCol>
+                <a:gridCol w="799738">
+                  <a:extLst>
+                    <a:ext uri="{9D8B030D-6E8A-4147-A177-3AD203B41FA5}">
+                      <a16:colId xmlns:a16="http://schemas.microsoft.com/office/drawing/2014/main" val="2228659088"/>
+                    </a:ext>
+                  </a:extLst>
+                </a:gridCol>
+              </a:tblGrid>
+              <a:tr h="223203">
+                <a:tc gridSpan="4">
+                  <a:txBody>
+                    <a:bodyPr/>
+                    <a:lstStyle/>
+                    <a:p>
+                      <a:r>
+                        <a:rPr lang="en-US" sz="1100" dirty="0" err="1"/>
+                        <a:t>dbo.persons</a:t>
+                      </a:r>
+                      <a:endParaRPr lang="en-US" sz="1100" dirty="0"/>
+                    </a:p>
+                  </a:txBody>
+                  <a:tcPr/>
+                </a:tc>
+                <a:tc hMerge="1">
+                  <a:txBody>
+                    <a:bodyPr/>
+                    <a:lstStyle/>
+                    <a:p>
+                      <a:endParaRPr lang="en-US" dirty="0"/>
+                    </a:p>
+                  </a:txBody>
+                  <a:tcPr/>
+                </a:tc>
+                <a:tc hMerge="1">
+                  <a:txBody>
+                    <a:bodyPr/>
+                    <a:lstStyle/>
+                    <a:p>
+                      <a:endParaRPr lang="en-US" dirty="0"/>
+                    </a:p>
+                  </a:txBody>
+                  <a:tcPr/>
+                </a:tc>
+                <a:tc hMerge="1">
+                  <a:txBody>
+                    <a:bodyPr/>
+                    <a:lstStyle/>
+                    <a:p>
+                      <a:endParaRPr lang="en-US" dirty="0"/>
+                    </a:p>
+                  </a:txBody>
+                  <a:tcPr/>
+                </a:tc>
+                <a:extLst>
+                  <a:ext uri="{0D108BD9-81ED-4DB2-BD59-A6C34878D82A}">
+                    <a16:rowId xmlns:a16="http://schemas.microsoft.com/office/drawing/2014/main" val="3639617535"/>
+                  </a:ext>
+                </a:extLst>
+              </a:tr>
+              <a:tr h="223203">
+                <a:tc>
+                  <a:txBody>
+                    <a:bodyPr/>
+                    <a:lstStyle/>
+                    <a:p>
+                      <a:r>
+                        <a:rPr lang="en-US" sz="1100" b="0" dirty="0" err="1"/>
+                        <a:t>uid_person</a:t>
+                      </a:r>
+                      <a:endParaRPr lang="en-US" sz="1100" b="0" dirty="0"/>
+                    </a:p>
+                  </a:txBody>
+                  <a:tcPr/>
+                </a:tc>
+                <a:tc>
+                  <a:txBody>
+                    <a:bodyPr/>
+                    <a:lstStyle/>
+                    <a:p>
+                      <a:r>
+                        <a:rPr lang="en-US" sz="1100" dirty="0"/>
+                        <a:t>varchar(38)</a:t>
+                      </a:r>
+                    </a:p>
+                  </a:txBody>
+                  <a:tcPr/>
+                </a:tc>
+                <a:tc>
+                  <a:txBody>
+                    <a:bodyPr/>
+                    <a:lstStyle/>
+                    <a:p>
+                      <a:r>
+                        <a:rPr lang="en-US" sz="1100" dirty="0"/>
+                        <a:t>NOT NULL</a:t>
+                      </a:r>
+                    </a:p>
+                  </a:txBody>
+                  <a:tcPr/>
+                </a:tc>
+                <a:tc>
+                  <a:txBody>
+                    <a:bodyPr/>
+                    <a:lstStyle/>
+                    <a:p>
+                      <a:pPr algn="ctr"/>
+                      <a:r>
+                        <a:rPr lang="en-US" sz="1100" dirty="0"/>
+                        <a:t>PK</a:t>
+                      </a:r>
+                    </a:p>
+                  </a:txBody>
+                  <a:tcPr/>
+                </a:tc>
+                <a:extLst>
+                  <a:ext uri="{0D108BD9-81ED-4DB2-BD59-A6C34878D82A}">
+                    <a16:rowId xmlns:a16="http://schemas.microsoft.com/office/drawing/2014/main" val="3172743677"/>
+                  </a:ext>
+                </a:extLst>
+              </a:tr>
+              <a:tr h="223203">
+                <a:tc>
+                  <a:txBody>
+                    <a:bodyPr/>
+                    <a:lstStyle/>
+                    <a:p>
+                      <a:r>
+                        <a:rPr lang="en-US" sz="1100" b="0" dirty="0"/>
+                        <a:t>…</a:t>
+                      </a:r>
+                    </a:p>
+                  </a:txBody>
+                  <a:tcPr/>
+                </a:tc>
+                <a:tc>
+                  <a:txBody>
+                    <a:bodyPr/>
+                    <a:lstStyle/>
+                    <a:p>
+                      <a:endParaRPr lang="en-US" sz="1100" dirty="0"/>
+                    </a:p>
+                  </a:txBody>
+                  <a:tcPr/>
+                </a:tc>
+                <a:tc>
+                  <a:txBody>
+                    <a:bodyPr/>
+                    <a:lstStyle/>
+                    <a:p>
+                      <a:endParaRPr lang="en-US" sz="1100" dirty="0"/>
+                    </a:p>
+                  </a:txBody>
+                  <a:tcPr/>
+                </a:tc>
+                <a:tc>
+                  <a:txBody>
+                    <a:bodyPr/>
+                    <a:lstStyle/>
+                    <a:p>
+                      <a:pPr algn="ctr"/>
+                      <a:endParaRPr lang="en-US" sz="1100" dirty="0"/>
+                    </a:p>
+                  </a:txBody>
+                  <a:tcPr/>
+                </a:tc>
+                <a:extLst>
+                  <a:ext uri="{0D108BD9-81ED-4DB2-BD59-A6C34878D82A}">
+                    <a16:rowId xmlns:a16="http://schemas.microsoft.com/office/drawing/2014/main" val="186852949"/>
+                  </a:ext>
+                </a:extLst>
+              </a:tr>
+              <a:tr h="223203">
+                <a:tc>
+                  <a:txBody>
+                    <a:bodyPr/>
+                    <a:lstStyle/>
+                    <a:p>
+                      <a:r>
+                        <a:rPr lang="en-US" sz="1100" b="0" kern="1200" dirty="0" err="1">
+                          <a:solidFill>
+                            <a:schemeClr val="lt1"/>
+                          </a:solidFill>
+                          <a:latin typeface="+mn-lt"/>
+                          <a:ea typeface="+mn-ea"/>
+                          <a:cs typeface="+mn-cs"/>
+                        </a:rPr>
+                        <a:t>centralsapaccount</a:t>
+                      </a:r>
+                      <a:endParaRPr lang="en-US" sz="1100" b="0" dirty="0"/>
+                    </a:p>
+                  </a:txBody>
+                  <a:tcPr/>
+                </a:tc>
+                <a:tc>
+                  <a:txBody>
+                    <a:bodyPr/>
+                    <a:lstStyle/>
+                    <a:p>
+                      <a:r>
+                        <a:rPr lang="en-US" sz="1100" dirty="0"/>
+                        <a:t>nvarchar(12)</a:t>
+                      </a:r>
+                    </a:p>
+                  </a:txBody>
+                  <a:tcPr/>
+                </a:tc>
+                <a:tc>
+                  <a:txBody>
+                    <a:bodyPr/>
+                    <a:lstStyle/>
+                    <a:p>
+                      <a:r>
+                        <a:rPr lang="en-US" sz="1100" dirty="0"/>
+                        <a:t>NULL</a:t>
+                      </a:r>
+                    </a:p>
+                  </a:txBody>
+                  <a:tcPr/>
+                </a:tc>
+                <a:tc>
+                  <a:txBody>
+                    <a:bodyPr/>
+                    <a:lstStyle/>
+                    <a:p>
+                      <a:pPr algn="ctr"/>
+                      <a:r>
+                        <a:rPr lang="en-US" sz="1100" dirty="0"/>
+                        <a:t>NCI</a:t>
+                      </a:r>
+                    </a:p>
+                  </a:txBody>
+                  <a:tcPr/>
+                </a:tc>
+                <a:extLst>
+                  <a:ext uri="{0D108BD9-81ED-4DB2-BD59-A6C34878D82A}">
+                    <a16:rowId xmlns:a16="http://schemas.microsoft.com/office/drawing/2014/main" val="2320892998"/>
+                  </a:ext>
+                </a:extLst>
+              </a:tr>
+              <a:tr h="223203">
+                <a:tc>
+                  <a:txBody>
+                    <a:bodyPr/>
+                    <a:lstStyle/>
+                    <a:p>
+                      <a:r>
+                        <a:rPr lang="en-US" sz="1100" b="0" dirty="0" err="1"/>
+                        <a:t>ccc_aliasname</a:t>
+                      </a:r>
+                      <a:endParaRPr lang="en-US" sz="1100" b="0" dirty="0"/>
+                    </a:p>
+                  </a:txBody>
+                  <a:tcPr/>
+                </a:tc>
+                <a:tc>
+                  <a:txBody>
+                    <a:bodyPr/>
+                    <a:lstStyle/>
+                    <a:p>
+                      <a:r>
+                        <a:rPr lang="en-US" sz="1100" dirty="0"/>
+                        <a:t>nvarchar(255)</a:t>
+                      </a:r>
+                    </a:p>
+                  </a:txBody>
+                  <a:tcPr/>
+                </a:tc>
+                <a:tc>
+                  <a:txBody>
+                    <a:bodyPr/>
+                    <a:lstStyle/>
+                    <a:p>
+                      <a:r>
+                        <a:rPr lang="en-US" sz="1100" dirty="0"/>
+                        <a:t>NULL</a:t>
+                      </a:r>
+                    </a:p>
+                  </a:txBody>
+                  <a:tcPr/>
+                </a:tc>
+                <a:tc>
+                  <a:txBody>
+                    <a:bodyPr/>
+                    <a:lstStyle/>
+                    <a:p>
+                      <a:pPr algn="ctr"/>
+                      <a:endParaRPr lang="en-US" sz="1100" dirty="0"/>
+                    </a:p>
+                  </a:txBody>
+                  <a:tcPr/>
+                </a:tc>
+                <a:extLst>
+                  <a:ext uri="{0D108BD9-81ED-4DB2-BD59-A6C34878D82A}">
+                    <a16:rowId xmlns:a16="http://schemas.microsoft.com/office/drawing/2014/main" val="455841324"/>
+                  </a:ext>
+                </a:extLst>
+              </a:tr>
+            </a:tbl>
+          </a:graphicData>
+        </a:graphic>
+      </p:graphicFrame>
+      <p:graphicFrame>
+        <p:nvGraphicFramePr>
+          <p:cNvPr id="8" name="Inhaltsplatzhalter 6">
+            <a:extLst>
+              <a:ext uri="{FF2B5EF4-FFF2-40B4-BE49-F238E27FC236}">
+                <a16:creationId xmlns:a16="http://schemas.microsoft.com/office/drawing/2014/main" id="{1863C7D1-D217-24B9-5948-065DDD2ACBA3}"/>
+              </a:ext>
+            </a:extLst>
+          </p:cNvPr>
+          <p:cNvGraphicFramePr>
+            <a:graphicFrameLocks/>
+          </p:cNvGraphicFramePr>
+          <p:nvPr/>
+        </p:nvGraphicFramePr>
+        <p:xfrm>
+          <a:off x="7428944" y="3951288"/>
+          <a:ext cx="4425013" cy="1295400"/>
+        </p:xfrm>
+        <a:graphic>
+          <a:graphicData uri="http://schemas.openxmlformats.org/drawingml/2006/table">
+            <a:tbl>
+              <a:tblPr firstRow="1" firstCol="1" bandRow="1">
+                <a:tableStyleId>{5C22544A-7EE6-4342-B048-85BDC9FD1C3A}</a:tableStyleId>
+              </a:tblPr>
+              <a:tblGrid>
+                <a:gridCol w="1526923">
+                  <a:extLst>
+                    <a:ext uri="{9D8B030D-6E8A-4147-A177-3AD203B41FA5}">
+                      <a16:colId xmlns:a16="http://schemas.microsoft.com/office/drawing/2014/main" val="2608591251"/>
+                    </a:ext>
+                  </a:extLst>
+                </a:gridCol>
+                <a:gridCol w="1119396">
+                  <a:extLst>
+                    <a:ext uri="{9D8B030D-6E8A-4147-A177-3AD203B41FA5}">
+                      <a16:colId xmlns:a16="http://schemas.microsoft.com/office/drawing/2014/main" val="2114112737"/>
+                    </a:ext>
+                  </a:extLst>
+                </a:gridCol>
+                <a:gridCol w="995819">
+                  <a:extLst>
+                    <a:ext uri="{9D8B030D-6E8A-4147-A177-3AD203B41FA5}">
+                      <a16:colId xmlns:a16="http://schemas.microsoft.com/office/drawing/2014/main" val="3183205547"/>
+                    </a:ext>
+                  </a:extLst>
+                </a:gridCol>
+                <a:gridCol w="782875">
+                  <a:extLst>
+                    <a:ext uri="{9D8B030D-6E8A-4147-A177-3AD203B41FA5}">
+                      <a16:colId xmlns:a16="http://schemas.microsoft.com/office/drawing/2014/main" val="2228659088"/>
+                    </a:ext>
+                  </a:extLst>
+                </a:gridCol>
+              </a:tblGrid>
+              <a:tr h="223203">
+                <a:tc gridSpan="4">
+                  <a:txBody>
+                    <a:bodyPr/>
+                    <a:lstStyle/>
+                    <a:p>
+                      <a:r>
+                        <a:rPr lang="en-US" sz="1100" dirty="0" err="1"/>
+                        <a:t>dbo.sapusers</a:t>
+                      </a:r>
+                      <a:endParaRPr lang="en-US" sz="1100" dirty="0"/>
+                    </a:p>
+                  </a:txBody>
+                  <a:tcPr/>
+                </a:tc>
+                <a:tc hMerge="1">
+                  <a:txBody>
+                    <a:bodyPr/>
+                    <a:lstStyle/>
+                    <a:p>
+                      <a:endParaRPr lang="en-US" dirty="0"/>
+                    </a:p>
+                  </a:txBody>
+                  <a:tcPr/>
+                </a:tc>
+                <a:tc hMerge="1">
+                  <a:txBody>
+                    <a:bodyPr/>
+                    <a:lstStyle/>
+                    <a:p>
+                      <a:endParaRPr lang="en-US" dirty="0"/>
+                    </a:p>
+                  </a:txBody>
+                  <a:tcPr/>
+                </a:tc>
+                <a:tc hMerge="1">
+                  <a:txBody>
+                    <a:bodyPr/>
+                    <a:lstStyle/>
+                    <a:p>
+                      <a:endParaRPr lang="en-US" dirty="0"/>
+                    </a:p>
+                  </a:txBody>
+                  <a:tcPr/>
+                </a:tc>
+                <a:extLst>
+                  <a:ext uri="{0D108BD9-81ED-4DB2-BD59-A6C34878D82A}">
+                    <a16:rowId xmlns:a16="http://schemas.microsoft.com/office/drawing/2014/main" val="3639617535"/>
+                  </a:ext>
+                </a:extLst>
+              </a:tr>
+              <a:tr h="223203">
+                <a:tc>
+                  <a:txBody>
+                    <a:bodyPr/>
+                    <a:lstStyle/>
+                    <a:p>
+                      <a:r>
+                        <a:rPr lang="en-US" sz="1100" b="0" dirty="0" err="1"/>
+                        <a:t>uid_sapuser</a:t>
+                      </a:r>
+                      <a:endParaRPr lang="en-US" sz="1100" b="0" dirty="0"/>
+                    </a:p>
+                  </a:txBody>
+                  <a:tcPr/>
+                </a:tc>
+                <a:tc>
+                  <a:txBody>
+                    <a:bodyPr/>
+                    <a:lstStyle/>
+                    <a:p>
+                      <a:r>
+                        <a:rPr lang="en-US" sz="1100" dirty="0"/>
+                        <a:t>varchar(38)</a:t>
+                      </a:r>
+                    </a:p>
+                  </a:txBody>
+                  <a:tcPr/>
+                </a:tc>
+                <a:tc>
+                  <a:txBody>
+                    <a:bodyPr/>
+                    <a:lstStyle/>
+                    <a:p>
+                      <a:r>
+                        <a:rPr lang="en-US" sz="1100" dirty="0"/>
+                        <a:t>NOT NULL</a:t>
+                      </a:r>
+                    </a:p>
+                  </a:txBody>
+                  <a:tcPr/>
+                </a:tc>
+                <a:tc>
+                  <a:txBody>
+                    <a:bodyPr/>
+                    <a:lstStyle/>
+                    <a:p>
+                      <a:pPr algn="ctr"/>
+                      <a:r>
+                        <a:rPr lang="en-US" sz="1100" dirty="0"/>
+                        <a:t>PK</a:t>
+                      </a:r>
+                    </a:p>
+                  </a:txBody>
+                  <a:tcPr/>
+                </a:tc>
+                <a:extLst>
+                  <a:ext uri="{0D108BD9-81ED-4DB2-BD59-A6C34878D82A}">
+                    <a16:rowId xmlns:a16="http://schemas.microsoft.com/office/drawing/2014/main" val="3172743677"/>
+                  </a:ext>
+                </a:extLst>
+              </a:tr>
+              <a:tr h="223203">
+                <a:tc>
+                  <a:txBody>
+                    <a:bodyPr/>
+                    <a:lstStyle/>
+                    <a:p>
+                      <a:r>
+                        <a:rPr lang="en-US" sz="1100" b="0" dirty="0" err="1"/>
+                        <a:t>uid_person</a:t>
+                      </a:r>
+                      <a:endParaRPr lang="en-US" sz="1100" b="0" dirty="0"/>
+                    </a:p>
+                  </a:txBody>
+                  <a:tcPr/>
+                </a:tc>
+                <a:tc>
+                  <a:txBody>
+                    <a:bodyPr/>
+                    <a:lstStyle/>
+                    <a:p>
+                      <a:r>
+                        <a:rPr lang="en-US" sz="1100" dirty="0"/>
+                        <a:t>varchar(38)</a:t>
+                      </a:r>
+                    </a:p>
+                  </a:txBody>
+                  <a:tcPr/>
+                </a:tc>
+                <a:tc>
+                  <a:txBody>
+                    <a:bodyPr/>
+                    <a:lstStyle/>
+                    <a:p>
+                      <a:r>
+                        <a:rPr lang="en-US" sz="1100" dirty="0"/>
+                        <a:t>NULL</a:t>
+                      </a:r>
+                    </a:p>
+                  </a:txBody>
+                  <a:tcPr/>
+                </a:tc>
+                <a:tc>
+                  <a:txBody>
+                    <a:bodyPr/>
+                    <a:lstStyle/>
+                    <a:p>
+                      <a:pPr algn="ctr"/>
+                      <a:endParaRPr lang="en-US" sz="1100" dirty="0"/>
+                    </a:p>
+                  </a:txBody>
+                  <a:tcPr/>
+                </a:tc>
+                <a:extLst>
+                  <a:ext uri="{0D108BD9-81ED-4DB2-BD59-A6C34878D82A}">
+                    <a16:rowId xmlns:a16="http://schemas.microsoft.com/office/drawing/2014/main" val="186852949"/>
+                  </a:ext>
+                </a:extLst>
+              </a:tr>
+              <a:tr h="223203">
+                <a:tc>
+                  <a:txBody>
+                    <a:bodyPr/>
+                    <a:lstStyle/>
+                    <a:p>
+                      <a:r>
+                        <a:rPr lang="en-US" sz="1100" b="0" kern="1200" dirty="0" err="1">
+                          <a:solidFill>
+                            <a:schemeClr val="lt1"/>
+                          </a:solidFill>
+                          <a:latin typeface="+mn-lt"/>
+                          <a:ea typeface="+mn-ea"/>
+                          <a:cs typeface="+mn-cs"/>
+                        </a:rPr>
+                        <a:t>accnt</a:t>
+                      </a:r>
+                      <a:endParaRPr lang="en-US" sz="1100" b="0" dirty="0"/>
+                    </a:p>
+                  </a:txBody>
+                  <a:tcPr/>
+                </a:tc>
+                <a:tc>
+                  <a:txBody>
+                    <a:bodyPr/>
+                    <a:lstStyle/>
+                    <a:p>
+                      <a:r>
+                        <a:rPr lang="en-US" sz="1100" dirty="0"/>
+                        <a:t>nvarchar(38)</a:t>
+                      </a:r>
+                    </a:p>
+                  </a:txBody>
+                  <a:tcPr/>
+                </a:tc>
+                <a:tc>
+                  <a:txBody>
+                    <a:bodyPr/>
+                    <a:lstStyle/>
+                    <a:p>
+                      <a:r>
+                        <a:rPr lang="en-US" sz="1100" dirty="0"/>
+                        <a:t>NULL</a:t>
+                      </a:r>
+                    </a:p>
+                  </a:txBody>
+                  <a:tcPr/>
+                </a:tc>
+                <a:tc>
+                  <a:txBody>
+                    <a:bodyPr/>
+                    <a:lstStyle/>
+                    <a:p>
+                      <a:pPr algn="ctr"/>
+                      <a:r>
+                        <a:rPr lang="en-US" sz="1100" dirty="0"/>
+                        <a:t>NCI</a:t>
+                      </a:r>
+                    </a:p>
+                  </a:txBody>
+                  <a:tcPr/>
+                </a:tc>
+                <a:extLst>
+                  <a:ext uri="{0D108BD9-81ED-4DB2-BD59-A6C34878D82A}">
+                    <a16:rowId xmlns:a16="http://schemas.microsoft.com/office/drawing/2014/main" val="2320892998"/>
+                  </a:ext>
+                </a:extLst>
+              </a:tr>
+              <a:tr h="223203">
+                <a:tc>
+                  <a:txBody>
+                    <a:bodyPr/>
+                    <a:lstStyle/>
+                    <a:p>
+                      <a:r>
+                        <a:rPr lang="en-US" sz="1100" b="0" dirty="0" err="1"/>
+                        <a:t>ccc_aliasname</a:t>
+                      </a:r>
+                      <a:endParaRPr lang="en-US" sz="1100" b="0" dirty="0"/>
+                    </a:p>
+                  </a:txBody>
+                  <a:tcPr/>
+                </a:tc>
+                <a:tc>
+                  <a:txBody>
+                    <a:bodyPr/>
+                    <a:lstStyle/>
+                    <a:p>
+                      <a:r>
+                        <a:rPr lang="en-US" sz="1100" dirty="0"/>
+                        <a:t>nvarchar(255)</a:t>
+                      </a:r>
+                    </a:p>
+                  </a:txBody>
+                  <a:tcPr/>
+                </a:tc>
+                <a:tc>
+                  <a:txBody>
+                    <a:bodyPr/>
+                    <a:lstStyle/>
+                    <a:p>
+                      <a:r>
+                        <a:rPr lang="en-US" sz="1100" dirty="0"/>
+                        <a:t>NULL</a:t>
+                      </a:r>
+                    </a:p>
+                  </a:txBody>
+                  <a:tcPr/>
+                </a:tc>
+                <a:tc>
+                  <a:txBody>
+                    <a:bodyPr/>
+                    <a:lstStyle/>
+                    <a:p>
+                      <a:pPr algn="ctr"/>
+                      <a:endParaRPr lang="en-US" sz="1100" dirty="0"/>
+                    </a:p>
+                  </a:txBody>
+                  <a:tcPr/>
+                </a:tc>
+                <a:extLst>
+                  <a:ext uri="{0D108BD9-81ED-4DB2-BD59-A6C34878D82A}">
+                    <a16:rowId xmlns:a16="http://schemas.microsoft.com/office/drawing/2014/main" val="455841324"/>
+                  </a:ext>
+                </a:extLst>
+              </a:tr>
+            </a:tbl>
+          </a:graphicData>
+        </a:graphic>
+      </p:graphicFrame>
+      <p:sp>
+        <p:nvSpPr>
+          <p:cNvPr id="11" name="Rechteck 10">
+            <a:extLst>
+              <a:ext uri="{FF2B5EF4-FFF2-40B4-BE49-F238E27FC236}">
+                <a16:creationId xmlns:a16="http://schemas.microsoft.com/office/drawing/2014/main" id="{2363C7C6-3958-DF4B-6596-595D5E837009}"/>
+              </a:ext>
+            </a:extLst>
+          </p:cNvPr>
+          <p:cNvSpPr/>
+          <p:nvPr/>
+        </p:nvSpPr>
+        <p:spPr>
+          <a:xfrm>
+            <a:off x="7296411" y="2461364"/>
+            <a:ext cx="132533" cy="244258"/>
+          </a:xfrm>
+          <a:prstGeom prst="rect">
+            <a:avLst/>
+          </a:prstGeom>
+          <a:solidFill>
+            <a:schemeClr val="bg1"/>
+          </a:solidFill>
+          <a:ln>
+            <a:noFill/>
+          </a:ln>
+        </p:spPr>
+        <p:style>
+          <a:lnRef idx="2">
+            <a:schemeClr val="accent1">
+              <a:shade val="15000"/>
+            </a:schemeClr>
+          </a:lnRef>
+          <a:fillRef idx="1">
+            <a:schemeClr val="accent1"/>
+          </a:fillRef>
+          <a:effectRef idx="0">
+            <a:schemeClr val="accent1"/>
+          </a:effectRef>
+          <a:fontRef idx="minor">
+            <a:schemeClr val="lt1"/>
+          </a:fontRef>
+        </p:style>
+        <p:txBody>
+          <a:bodyPr rtlCol="0" anchor="ctr"/>
+          <a:lstStyle/>
+          <a:p>
+            <a:pPr algn="ctr"/>
+            <a:endParaRPr lang="en-US"/>
+          </a:p>
+        </p:txBody>
+      </p:sp>
+      <p:sp>
+        <p:nvSpPr>
+          <p:cNvPr id="12" name="Rechteck 11">
+            <a:extLst>
+              <a:ext uri="{FF2B5EF4-FFF2-40B4-BE49-F238E27FC236}">
+                <a16:creationId xmlns:a16="http://schemas.microsoft.com/office/drawing/2014/main" id="{2E0282B3-AEFD-01E5-CB56-5FDFD53206DC}"/>
+              </a:ext>
+            </a:extLst>
+          </p:cNvPr>
+          <p:cNvSpPr/>
+          <p:nvPr/>
+        </p:nvSpPr>
+        <p:spPr>
+          <a:xfrm>
+            <a:off x="7296411" y="2705622"/>
+            <a:ext cx="132533" cy="244258"/>
+          </a:xfrm>
+          <a:prstGeom prst="rect">
+            <a:avLst/>
+          </a:prstGeom>
+          <a:solidFill>
+            <a:schemeClr val="bg1"/>
+          </a:solidFill>
+          <a:ln>
+            <a:noFill/>
+          </a:ln>
+        </p:spPr>
+        <p:style>
+          <a:lnRef idx="2">
+            <a:schemeClr val="accent1">
+              <a:shade val="15000"/>
+            </a:schemeClr>
+          </a:lnRef>
+          <a:fillRef idx="1">
+            <a:schemeClr val="accent1"/>
+          </a:fillRef>
+          <a:effectRef idx="0">
+            <a:schemeClr val="accent1"/>
+          </a:effectRef>
+          <a:fontRef idx="minor">
+            <a:schemeClr val="lt1"/>
+          </a:fontRef>
+        </p:style>
+        <p:txBody>
+          <a:bodyPr rtlCol="0" anchor="ctr"/>
+          <a:lstStyle/>
+          <a:p>
+            <a:pPr algn="ctr"/>
+            <a:endParaRPr lang="en-US"/>
+          </a:p>
+        </p:txBody>
+      </p:sp>
+      <p:sp>
+        <p:nvSpPr>
+          <p:cNvPr id="13" name="Rechteck 12">
+            <a:extLst>
+              <a:ext uri="{FF2B5EF4-FFF2-40B4-BE49-F238E27FC236}">
+                <a16:creationId xmlns:a16="http://schemas.microsoft.com/office/drawing/2014/main" id="{22F04DA2-9C7A-0790-2701-BE2EDF3E32A7}"/>
+              </a:ext>
+            </a:extLst>
+          </p:cNvPr>
+          <p:cNvSpPr/>
+          <p:nvPr/>
+        </p:nvSpPr>
+        <p:spPr>
+          <a:xfrm>
+            <a:off x="7296410" y="4741102"/>
+            <a:ext cx="132533" cy="244258"/>
+          </a:xfrm>
+          <a:prstGeom prst="rect">
+            <a:avLst/>
+          </a:prstGeom>
+          <a:solidFill>
+            <a:schemeClr val="bg1"/>
+          </a:solidFill>
+          <a:ln>
+            <a:noFill/>
+          </a:ln>
+        </p:spPr>
+        <p:style>
+          <a:lnRef idx="2">
+            <a:schemeClr val="accent1">
+              <a:shade val="15000"/>
+            </a:schemeClr>
+          </a:lnRef>
+          <a:fillRef idx="1">
+            <a:schemeClr val="accent1"/>
+          </a:fillRef>
+          <a:effectRef idx="0">
+            <a:schemeClr val="accent1"/>
+          </a:effectRef>
+          <a:fontRef idx="minor">
+            <a:schemeClr val="lt1"/>
+          </a:fontRef>
+        </p:style>
+        <p:txBody>
+          <a:bodyPr rtlCol="0" anchor="ctr"/>
+          <a:lstStyle/>
+          <a:p>
+            <a:pPr algn="ctr"/>
+            <a:endParaRPr lang="en-US"/>
+          </a:p>
+        </p:txBody>
+      </p:sp>
+      <p:cxnSp>
+        <p:nvCxnSpPr>
+          <p:cNvPr id="31" name="Verbinder: gewinkelt 30">
+            <a:extLst>
+              <a:ext uri="{FF2B5EF4-FFF2-40B4-BE49-F238E27FC236}">
+                <a16:creationId xmlns:a16="http://schemas.microsoft.com/office/drawing/2014/main" id="{67706087-2A82-DA1A-1054-4DA1B5E9CE64}"/>
+              </a:ext>
+            </a:extLst>
+          </p:cNvPr>
+          <p:cNvCxnSpPr>
+            <a:stCxn id="13" idx="1"/>
+            <a:endCxn id="12" idx="1"/>
+          </p:cNvCxnSpPr>
+          <p:nvPr/>
+        </p:nvCxnSpPr>
+        <p:spPr>
+          <a:xfrm rot="10800000" flipH="1">
+            <a:off x="7296409" y="2827751"/>
+            <a:ext cx="1" cy="2035480"/>
+          </a:xfrm>
+          <a:prstGeom prst="bentConnector3">
+            <a:avLst>
+              <a:gd name="adj1" fmla="val -22860000000"/>
+            </a:avLst>
+          </a:prstGeom>
+          <a:ln>
+            <a:solidFill>
+              <a:schemeClr val="tx1"/>
+            </a:solidFill>
+            <a:headEnd type="none" w="med" len="med"/>
+            <a:tailEnd type="triangle"/>
+          </a:ln>
+        </p:spPr>
+        <p:style>
+          <a:lnRef idx="1">
+            <a:schemeClr val="accent1"/>
+          </a:lnRef>
+          <a:fillRef idx="0">
+            <a:schemeClr val="accent1"/>
+          </a:fillRef>
+          <a:effectRef idx="0">
+            <a:schemeClr val="accent1"/>
+          </a:effectRef>
+          <a:fontRef idx="minor">
+            <a:schemeClr val="tx1"/>
+          </a:fontRef>
+        </p:style>
+      </p:cxnSp>
+      <p:cxnSp>
+        <p:nvCxnSpPr>
+          <p:cNvPr id="33" name="Verbinder: gewinkelt 32">
+            <a:extLst>
+              <a:ext uri="{FF2B5EF4-FFF2-40B4-BE49-F238E27FC236}">
+                <a16:creationId xmlns:a16="http://schemas.microsoft.com/office/drawing/2014/main" id="{0900D8F8-407A-BD9C-E339-6FD550712F3C}"/>
+              </a:ext>
+            </a:extLst>
+          </p:cNvPr>
+          <p:cNvCxnSpPr>
+            <a:cxnSpLocks/>
+            <a:stCxn id="13" idx="3"/>
+            <a:endCxn id="11" idx="1"/>
+          </p:cNvCxnSpPr>
+          <p:nvPr/>
+        </p:nvCxnSpPr>
+        <p:spPr>
+          <a:xfrm flipH="1" flipV="1">
+            <a:off x="7296411" y="2583493"/>
+            <a:ext cx="132532" cy="2279738"/>
+          </a:xfrm>
+          <a:prstGeom prst="bentConnector5">
+            <a:avLst>
+              <a:gd name="adj1" fmla="val 630876"/>
+              <a:gd name="adj2" fmla="val 50000"/>
+              <a:gd name="adj3" fmla="val 631637"/>
+            </a:avLst>
+          </a:prstGeom>
+          <a:ln>
+            <a:solidFill>
+              <a:schemeClr val="tx1"/>
+            </a:solidFill>
+            <a:headEnd type="none" w="med" len="med"/>
+            <a:tailEnd type="triangle"/>
+          </a:ln>
+        </p:spPr>
+        <p:style>
+          <a:lnRef idx="1">
+            <a:schemeClr val="accent1"/>
+          </a:lnRef>
+          <a:fillRef idx="0">
+            <a:schemeClr val="accent1"/>
+          </a:fillRef>
+          <a:effectRef idx="0">
+            <a:schemeClr val="accent1"/>
+          </a:effectRef>
+          <a:fontRef idx="minor">
+            <a:schemeClr val="tx1"/>
+          </a:fontRef>
+        </p:style>
+      </p:cxnSp>
+      <p:sp>
+        <p:nvSpPr>
+          <p:cNvPr id="43" name="Textfeld 42">
+            <a:extLst>
+              <a:ext uri="{FF2B5EF4-FFF2-40B4-BE49-F238E27FC236}">
+                <a16:creationId xmlns:a16="http://schemas.microsoft.com/office/drawing/2014/main" id="{68196C89-FB68-83F3-87F7-98207CA9EE6C}"/>
+              </a:ext>
+            </a:extLst>
+          </p:cNvPr>
+          <p:cNvSpPr txBox="1"/>
+          <p:nvPr/>
+        </p:nvSpPr>
+        <p:spPr>
+          <a:xfrm>
+            <a:off x="6588690" y="3429000"/>
+            <a:ext cx="494773" cy="276999"/>
+          </a:xfrm>
+          <a:prstGeom prst="rect">
+            <a:avLst/>
+          </a:prstGeom>
+          <a:noFill/>
+        </p:spPr>
+        <p:txBody>
+          <a:bodyPr wrap="square" rtlCol="0">
+            <a:spAutoFit/>
+          </a:bodyPr>
+          <a:lstStyle/>
+          <a:p>
+            <a:pPr algn="ctr"/>
+            <a:r>
+              <a:rPr lang="en-US" sz="1200" dirty="0"/>
+              <a:t>OR</a:t>
+            </a:r>
+          </a:p>
+        </p:txBody>
+      </p:sp>
+    </p:spTree>
+    <p:extLst>
+      <p:ext uri="{BB962C8B-B14F-4D97-AF65-F5344CB8AC3E}">
+        <p14:creationId xmlns:p14="http://schemas.microsoft.com/office/powerpoint/2010/main" val="784247027"/>
+      </p:ext>
+    </p:extLst>
+  </p:cSld>
+  <p:clrMapOvr>
+    <a:masterClrMapping/>
+  </p:clrMapOvr>
+</p:sld>
+</file>
+
+<file path=ppt/slides/slide54.xml><?xml version="1.0" encoding="utf-8"?>
+<p:sld xmlns:a="http://schemas.openxmlformats.org/drawingml/2006/main" xmlns:r="http://schemas.openxmlformats.org/officeDocument/2006/relationships" xmlns:p="http://schemas.openxmlformats.org/presentationml/2006/main">
+  <p:cSld>
+    <p:spTree>
+      <p:nvGrpSpPr>
+        <p:cNvPr id="1" name="">
+          <a:extLst>
+            <a:ext uri="{FF2B5EF4-FFF2-40B4-BE49-F238E27FC236}">
+              <a16:creationId xmlns:a16="http://schemas.microsoft.com/office/drawing/2014/main" id="{847EBCEA-418C-4E41-38F4-E652C8B0512F}"/>
+            </a:ext>
+          </a:extLst>
+        </p:cNvPr>
+        <p:cNvGrpSpPr/>
+        <p:nvPr/>
+      </p:nvGrpSpPr>
+      <p:grpSpPr>
+        <a:xfrm>
+          <a:off x="0" y="0"/>
+          <a:ext cx="0" cy="0"/>
+          <a:chOff x="0" y="0"/>
+          <a:chExt cx="0" cy="0"/>
+        </a:xfrm>
+      </p:grpSpPr>
+      <p:sp>
+        <p:nvSpPr>
+          <p:cNvPr id="2" name="Titel 1">
+            <a:extLst>
+              <a:ext uri="{FF2B5EF4-FFF2-40B4-BE49-F238E27FC236}">
+                <a16:creationId xmlns:a16="http://schemas.microsoft.com/office/drawing/2014/main" id="{7772990E-D072-6E66-42F0-AC5796189C99}"/>
+              </a:ext>
+            </a:extLst>
+          </p:cNvPr>
+          <p:cNvSpPr>
+            <a:spLocks noGrp="1"/>
+          </p:cNvSpPr>
+          <p:nvPr>
+            <p:ph type="title"/>
+          </p:nvPr>
+        </p:nvSpPr>
+        <p:spPr/>
+        <p:txBody>
+          <a:bodyPr/>
+          <a:lstStyle/>
+          <a:p>
+            <a:r>
+              <a:rPr lang="en-US" dirty="0"/>
+              <a:t>Scenario 3 - Findings </a:t>
+            </a:r>
+          </a:p>
+        </p:txBody>
+      </p:sp>
+      <p:sp>
+        <p:nvSpPr>
+          <p:cNvPr id="4" name="Inhaltsplatzhalter 3">
+            <a:extLst>
+              <a:ext uri="{FF2B5EF4-FFF2-40B4-BE49-F238E27FC236}">
+                <a16:creationId xmlns:a16="http://schemas.microsoft.com/office/drawing/2014/main" id="{BF43101D-9209-0A9A-EA14-6723C5AC17E8}"/>
+              </a:ext>
+            </a:extLst>
+          </p:cNvPr>
+          <p:cNvSpPr>
+            <a:spLocks noGrp="1"/>
+          </p:cNvSpPr>
+          <p:nvPr>
+            <p:ph sz="half" idx="1"/>
+          </p:nvPr>
+        </p:nvSpPr>
+        <p:spPr/>
+        <p:txBody>
+          <a:bodyPr/>
+          <a:lstStyle/>
+          <a:p>
+            <a:r>
+              <a:rPr lang="en-US" dirty="0"/>
+              <a:t>Avoid DDL commands outside of the table definition itself for Temporary Tables. This leads to recompiles!</a:t>
+            </a:r>
+          </a:p>
+          <a:p>
+            <a:r>
+              <a:rPr lang="en-US" dirty="0"/>
+              <a:t>Analyze the Query Store to identify useful indexes for better performance</a:t>
+            </a:r>
+          </a:p>
+          <a:p>
+            <a:r>
+              <a:rPr lang="en-US" dirty="0"/>
+              <a:t>Don’t use cursors because we want to process rows set based but not row based!</a:t>
+            </a:r>
+          </a:p>
+          <a:p>
+            <a:r>
+              <a:rPr lang="en-US" dirty="0"/>
+              <a:t>Try to write the process in ONE query for best performance.</a:t>
+            </a:r>
+          </a:p>
+        </p:txBody>
+      </p:sp>
+      <p:sp>
+        <p:nvSpPr>
+          <p:cNvPr id="8" name="Inhaltsplatzhalter 7">
+            <a:extLst>
+              <a:ext uri="{FF2B5EF4-FFF2-40B4-BE49-F238E27FC236}">
+                <a16:creationId xmlns:a16="http://schemas.microsoft.com/office/drawing/2014/main" id="{F0A65CA4-CDF5-A613-49F7-42CE3206F502}"/>
+              </a:ext>
+            </a:extLst>
+          </p:cNvPr>
+          <p:cNvSpPr>
+            <a:spLocks noGrp="1"/>
+          </p:cNvSpPr>
+          <p:nvPr>
+            <p:ph sz="half" idx="2"/>
+          </p:nvPr>
+        </p:nvSpPr>
+        <p:spPr/>
+        <p:txBody>
+          <a:bodyPr/>
+          <a:lstStyle/>
+          <a:p>
+            <a:endParaRPr lang="en-US"/>
+          </a:p>
+        </p:txBody>
+      </p:sp>
+      <p:pic>
+        <p:nvPicPr>
+          <p:cNvPr id="9" name="Inhaltsplatzhalter 5">
+            <a:extLst>
+              <a:ext uri="{FF2B5EF4-FFF2-40B4-BE49-F238E27FC236}">
+                <a16:creationId xmlns:a16="http://schemas.microsoft.com/office/drawing/2014/main" id="{7793C559-65B3-CEF4-343A-858746828454}"/>
+              </a:ext>
+            </a:extLst>
+          </p:cNvPr>
+          <p:cNvPicPr>
+            <a:picLocks noChangeAspect="1"/>
+          </p:cNvPicPr>
+          <p:nvPr/>
+        </p:nvPicPr>
+        <p:blipFill>
+          <a:blip r:embed="rId2"/>
+          <a:stretch>
+            <a:fillRect/>
+          </a:stretch>
+        </p:blipFill>
+        <p:spPr>
+          <a:xfrm>
+            <a:off x="6778625" y="1665288"/>
+            <a:ext cx="4572000" cy="4572000"/>
+          </a:xfrm>
+          <a:prstGeom prst="rect">
+            <a:avLst/>
+          </a:prstGeom>
+        </p:spPr>
+      </p:pic>
+    </p:spTree>
+    <p:extLst>
+      <p:ext uri="{BB962C8B-B14F-4D97-AF65-F5344CB8AC3E}">
+        <p14:creationId xmlns:p14="http://schemas.microsoft.com/office/powerpoint/2010/main" val="3574118892"/>
       </p:ext>
     </p:extLst>
   </p:cSld>
